--- a/document/GameEngine.pptx
+++ b/document/GameEngine.pptx
@@ -8,9 +8,11 @@
     <p:sldId id="256" r:id="rId2"/>
     <p:sldId id="259" r:id="rId3"/>
     <p:sldId id="257" r:id="rId4"/>
-    <p:sldId id="258" r:id="rId5"/>
-    <p:sldId id="260" r:id="rId6"/>
-    <p:sldId id="261" r:id="rId7"/>
+    <p:sldId id="260" r:id="rId5"/>
+    <p:sldId id="263" r:id="rId6"/>
+    <p:sldId id="262" r:id="rId7"/>
+    <p:sldId id="261" r:id="rId8"/>
+    <p:sldId id="258" r:id="rId9"/>
   </p:sldIdLst>
   <p:sldSz cx="12192000" cy="6858000"/>
   <p:notesSz cx="6858000" cy="9144000"/>
@@ -111,7 +113,7 @@
   </p:defaultTextStyle>
   <p:extLst>
     <p:ext uri="{EFAFB233-063F-42B5-8137-9DF3F51BA10A}">
-      <p15:sldGuideLst xmlns:p15="http://schemas.microsoft.com/office/powerpoint/2012/main"/>
+      <p15:sldGuideLst xmlns="" xmlns:p15="http://schemas.microsoft.com/office/powerpoint/2012/main"/>
     </p:ext>
   </p:extLst>
 </p:presentation>
@@ -143,7 +145,7 @@
           <p:cNvPr id="2" name="Заголовок 1">
             <a:extLst>
               <a:ext uri="{FF2B5EF4-FFF2-40B4-BE49-F238E27FC236}">
-                <a16:creationId xmlns:a16="http://schemas.microsoft.com/office/drawing/2014/main" id="{018270B5-E0A6-41FB-B898-6D8BB45EEA13}"/>
+                <a16:creationId xmlns="" xmlns:a16="http://schemas.microsoft.com/office/drawing/2014/main" id="{018270B5-E0A6-41FB-B898-6D8BB45EEA13}"/>
               </a:ext>
             </a:extLst>
           </p:cNvPr>
@@ -180,7 +182,7 @@
           <p:cNvPr id="3" name="Подзаголовок 2">
             <a:extLst>
               <a:ext uri="{FF2B5EF4-FFF2-40B4-BE49-F238E27FC236}">
-                <a16:creationId xmlns:a16="http://schemas.microsoft.com/office/drawing/2014/main" id="{1AEBB065-4B35-414F-B855-0B0EA0F08FAE}"/>
+                <a16:creationId xmlns="" xmlns:a16="http://schemas.microsoft.com/office/drawing/2014/main" id="{1AEBB065-4B35-414F-B855-0B0EA0F08FAE}"/>
               </a:ext>
             </a:extLst>
           </p:cNvPr>
@@ -250,7 +252,7 @@
           <p:cNvPr id="4" name="Дата 3">
             <a:extLst>
               <a:ext uri="{FF2B5EF4-FFF2-40B4-BE49-F238E27FC236}">
-                <a16:creationId xmlns:a16="http://schemas.microsoft.com/office/drawing/2014/main" id="{013F81EC-423B-48FE-A6F8-72CF66C91095}"/>
+                <a16:creationId xmlns="" xmlns:a16="http://schemas.microsoft.com/office/drawing/2014/main" id="{013F81EC-423B-48FE-A6F8-72CF66C91095}"/>
               </a:ext>
             </a:extLst>
           </p:cNvPr>
@@ -268,7 +270,8 @@
           <a:p>
             <a:fld id="{F208038B-E850-4641-BA6E-A70D2F6C2452}" type="datetimeFigureOut">
               <a:rPr lang="ru-RU" smtClean="0"/>
-              <a:t>01.08.2017</a:t>
+              <a:pPr/>
+              <a:t>07.08.2017</a:t>
             </a:fld>
             <a:endParaRPr lang="ru-RU"/>
           </a:p>
@@ -279,7 +282,7 @@
           <p:cNvPr id="5" name="Нижний колонтитул 4">
             <a:extLst>
               <a:ext uri="{FF2B5EF4-FFF2-40B4-BE49-F238E27FC236}">
-                <a16:creationId xmlns:a16="http://schemas.microsoft.com/office/drawing/2014/main" id="{9D258D62-DF2B-400E-9CE0-32942D3733C5}"/>
+                <a16:creationId xmlns="" xmlns:a16="http://schemas.microsoft.com/office/drawing/2014/main" id="{9D258D62-DF2B-400E-9CE0-32942D3733C5}"/>
               </a:ext>
             </a:extLst>
           </p:cNvPr>
@@ -304,7 +307,7 @@
           <p:cNvPr id="6" name="Номер слайда 5">
             <a:extLst>
               <a:ext uri="{FF2B5EF4-FFF2-40B4-BE49-F238E27FC236}">
-                <a16:creationId xmlns:a16="http://schemas.microsoft.com/office/drawing/2014/main" id="{D83F69DE-01DC-4BE5-ACC7-284E9CC54188}"/>
+                <a16:creationId xmlns="" xmlns:a16="http://schemas.microsoft.com/office/drawing/2014/main" id="{D83F69DE-01DC-4BE5-ACC7-284E9CC54188}"/>
               </a:ext>
             </a:extLst>
           </p:cNvPr>
@@ -322,6 +325,7 @@
           <a:p>
             <a:fld id="{B4E25E70-C260-4489-8862-CEF6DDB1D7D5}" type="slidenum">
               <a:rPr lang="ru-RU" smtClean="0"/>
+              <a:pPr/>
               <a:t>‹#›</a:t>
             </a:fld>
             <a:endParaRPr lang="ru-RU"/>
@@ -331,7 +335,7 @@
     </p:spTree>
     <p:extLst>
       <p:ext uri="{BB962C8B-B14F-4D97-AF65-F5344CB8AC3E}">
-        <p14:creationId xmlns:p14="http://schemas.microsoft.com/office/powerpoint/2010/main" val="1970808060"/>
+        <p14:creationId xmlns="" xmlns:p14="http://schemas.microsoft.com/office/powerpoint/2010/main" val="1970808060"/>
       </p:ext>
     </p:extLst>
   </p:cSld>
@@ -363,7 +367,7 @@
           <p:cNvPr id="2" name="Заголовок 1">
             <a:extLst>
               <a:ext uri="{FF2B5EF4-FFF2-40B4-BE49-F238E27FC236}">
-                <a16:creationId xmlns:a16="http://schemas.microsoft.com/office/drawing/2014/main" id="{FCFE8EE3-C15B-4C03-8632-B2E95912B07B}"/>
+                <a16:creationId xmlns="" xmlns:a16="http://schemas.microsoft.com/office/drawing/2014/main" id="{FCFE8EE3-C15B-4C03-8632-B2E95912B07B}"/>
               </a:ext>
             </a:extLst>
           </p:cNvPr>
@@ -391,7 +395,7 @@
           <p:cNvPr id="3" name="Вертикальный текст 2">
             <a:extLst>
               <a:ext uri="{FF2B5EF4-FFF2-40B4-BE49-F238E27FC236}">
-                <a16:creationId xmlns:a16="http://schemas.microsoft.com/office/drawing/2014/main" id="{C8FD7196-0BF9-4026-B987-135FC532ACC8}"/>
+                <a16:creationId xmlns="" xmlns:a16="http://schemas.microsoft.com/office/drawing/2014/main" id="{C8FD7196-0BF9-4026-B987-135FC532ACC8}"/>
               </a:ext>
             </a:extLst>
           </p:cNvPr>
@@ -448,7 +452,7 @@
           <p:cNvPr id="4" name="Дата 3">
             <a:extLst>
               <a:ext uri="{FF2B5EF4-FFF2-40B4-BE49-F238E27FC236}">
-                <a16:creationId xmlns:a16="http://schemas.microsoft.com/office/drawing/2014/main" id="{793510A6-8D8A-4666-BE96-6B53427FA0F3}"/>
+                <a16:creationId xmlns="" xmlns:a16="http://schemas.microsoft.com/office/drawing/2014/main" id="{793510A6-8D8A-4666-BE96-6B53427FA0F3}"/>
               </a:ext>
             </a:extLst>
           </p:cNvPr>
@@ -466,7 +470,8 @@
           <a:p>
             <a:fld id="{F208038B-E850-4641-BA6E-A70D2F6C2452}" type="datetimeFigureOut">
               <a:rPr lang="ru-RU" smtClean="0"/>
-              <a:t>01.08.2017</a:t>
+              <a:pPr/>
+              <a:t>07.08.2017</a:t>
             </a:fld>
             <a:endParaRPr lang="ru-RU"/>
           </a:p>
@@ -477,7 +482,7 @@
           <p:cNvPr id="5" name="Нижний колонтитул 4">
             <a:extLst>
               <a:ext uri="{FF2B5EF4-FFF2-40B4-BE49-F238E27FC236}">
-                <a16:creationId xmlns:a16="http://schemas.microsoft.com/office/drawing/2014/main" id="{16182C7C-290E-4012-854A-CB70E37CD131}"/>
+                <a16:creationId xmlns="" xmlns:a16="http://schemas.microsoft.com/office/drawing/2014/main" id="{16182C7C-290E-4012-854A-CB70E37CD131}"/>
               </a:ext>
             </a:extLst>
           </p:cNvPr>
@@ -502,7 +507,7 @@
           <p:cNvPr id="6" name="Номер слайда 5">
             <a:extLst>
               <a:ext uri="{FF2B5EF4-FFF2-40B4-BE49-F238E27FC236}">
-                <a16:creationId xmlns:a16="http://schemas.microsoft.com/office/drawing/2014/main" id="{CA164094-A806-489C-AF92-100C8AF31201}"/>
+                <a16:creationId xmlns="" xmlns:a16="http://schemas.microsoft.com/office/drawing/2014/main" id="{CA164094-A806-489C-AF92-100C8AF31201}"/>
               </a:ext>
             </a:extLst>
           </p:cNvPr>
@@ -520,6 +525,7 @@
           <a:p>
             <a:fld id="{B4E25E70-C260-4489-8862-CEF6DDB1D7D5}" type="slidenum">
               <a:rPr lang="ru-RU" smtClean="0"/>
+              <a:pPr/>
               <a:t>‹#›</a:t>
             </a:fld>
             <a:endParaRPr lang="ru-RU"/>
@@ -529,7 +535,7 @@
     </p:spTree>
     <p:extLst>
       <p:ext uri="{BB962C8B-B14F-4D97-AF65-F5344CB8AC3E}">
-        <p14:creationId xmlns:p14="http://schemas.microsoft.com/office/powerpoint/2010/main" val="2170712342"/>
+        <p14:creationId xmlns="" xmlns:p14="http://schemas.microsoft.com/office/powerpoint/2010/main" val="2170712342"/>
       </p:ext>
     </p:extLst>
   </p:cSld>
@@ -561,7 +567,7 @@
           <p:cNvPr id="2" name="Вертикальный заголовок 1">
             <a:extLst>
               <a:ext uri="{FF2B5EF4-FFF2-40B4-BE49-F238E27FC236}">
-                <a16:creationId xmlns:a16="http://schemas.microsoft.com/office/drawing/2014/main" id="{51583646-7B0E-4D45-B521-C35B4B63F5DD}"/>
+                <a16:creationId xmlns="" xmlns:a16="http://schemas.microsoft.com/office/drawing/2014/main" id="{51583646-7B0E-4D45-B521-C35B4B63F5DD}"/>
               </a:ext>
             </a:extLst>
           </p:cNvPr>
@@ -594,7 +600,7 @@
           <p:cNvPr id="3" name="Вертикальный текст 2">
             <a:extLst>
               <a:ext uri="{FF2B5EF4-FFF2-40B4-BE49-F238E27FC236}">
-                <a16:creationId xmlns:a16="http://schemas.microsoft.com/office/drawing/2014/main" id="{8BDB810D-3438-43CC-9E41-5AFCC48FD56E}"/>
+                <a16:creationId xmlns="" xmlns:a16="http://schemas.microsoft.com/office/drawing/2014/main" id="{8BDB810D-3438-43CC-9E41-5AFCC48FD56E}"/>
               </a:ext>
             </a:extLst>
           </p:cNvPr>
@@ -656,7 +662,7 @@
           <p:cNvPr id="4" name="Дата 3">
             <a:extLst>
               <a:ext uri="{FF2B5EF4-FFF2-40B4-BE49-F238E27FC236}">
-                <a16:creationId xmlns:a16="http://schemas.microsoft.com/office/drawing/2014/main" id="{BCAAF269-4F3D-4C4A-A593-F60D9358F943}"/>
+                <a16:creationId xmlns="" xmlns:a16="http://schemas.microsoft.com/office/drawing/2014/main" id="{BCAAF269-4F3D-4C4A-A593-F60D9358F943}"/>
               </a:ext>
             </a:extLst>
           </p:cNvPr>
@@ -674,7 +680,8 @@
           <a:p>
             <a:fld id="{F208038B-E850-4641-BA6E-A70D2F6C2452}" type="datetimeFigureOut">
               <a:rPr lang="ru-RU" smtClean="0"/>
-              <a:t>01.08.2017</a:t>
+              <a:pPr/>
+              <a:t>07.08.2017</a:t>
             </a:fld>
             <a:endParaRPr lang="ru-RU"/>
           </a:p>
@@ -685,7 +692,7 @@
           <p:cNvPr id="5" name="Нижний колонтитул 4">
             <a:extLst>
               <a:ext uri="{FF2B5EF4-FFF2-40B4-BE49-F238E27FC236}">
-                <a16:creationId xmlns:a16="http://schemas.microsoft.com/office/drawing/2014/main" id="{7FD59294-1933-44FA-ACE2-150E0778FFCD}"/>
+                <a16:creationId xmlns="" xmlns:a16="http://schemas.microsoft.com/office/drawing/2014/main" id="{7FD59294-1933-44FA-ACE2-150E0778FFCD}"/>
               </a:ext>
             </a:extLst>
           </p:cNvPr>
@@ -710,7 +717,7 @@
           <p:cNvPr id="6" name="Номер слайда 5">
             <a:extLst>
               <a:ext uri="{FF2B5EF4-FFF2-40B4-BE49-F238E27FC236}">
-                <a16:creationId xmlns:a16="http://schemas.microsoft.com/office/drawing/2014/main" id="{AA6A0E97-1CF7-41FA-A6D1-FEE2D16AFA0A}"/>
+                <a16:creationId xmlns="" xmlns:a16="http://schemas.microsoft.com/office/drawing/2014/main" id="{AA6A0E97-1CF7-41FA-A6D1-FEE2D16AFA0A}"/>
               </a:ext>
             </a:extLst>
           </p:cNvPr>
@@ -728,6 +735,7 @@
           <a:p>
             <a:fld id="{B4E25E70-C260-4489-8862-CEF6DDB1D7D5}" type="slidenum">
               <a:rPr lang="ru-RU" smtClean="0"/>
+              <a:pPr/>
               <a:t>‹#›</a:t>
             </a:fld>
             <a:endParaRPr lang="ru-RU"/>
@@ -737,7 +745,7 @@
     </p:spTree>
     <p:extLst>
       <p:ext uri="{BB962C8B-B14F-4D97-AF65-F5344CB8AC3E}">
-        <p14:creationId xmlns:p14="http://schemas.microsoft.com/office/powerpoint/2010/main" val="2215857788"/>
+        <p14:creationId xmlns="" xmlns:p14="http://schemas.microsoft.com/office/powerpoint/2010/main" val="2215857788"/>
       </p:ext>
     </p:extLst>
   </p:cSld>
@@ -769,7 +777,7 @@
           <p:cNvPr id="2" name="Заголовок 1">
             <a:extLst>
               <a:ext uri="{FF2B5EF4-FFF2-40B4-BE49-F238E27FC236}">
-                <a16:creationId xmlns:a16="http://schemas.microsoft.com/office/drawing/2014/main" id="{23241406-CE85-430E-A6EA-93739F89C139}"/>
+                <a16:creationId xmlns="" xmlns:a16="http://schemas.microsoft.com/office/drawing/2014/main" id="{23241406-CE85-430E-A6EA-93739F89C139}"/>
               </a:ext>
             </a:extLst>
           </p:cNvPr>
@@ -797,7 +805,7 @@
           <p:cNvPr id="3" name="Объект 2">
             <a:extLst>
               <a:ext uri="{FF2B5EF4-FFF2-40B4-BE49-F238E27FC236}">
-                <a16:creationId xmlns:a16="http://schemas.microsoft.com/office/drawing/2014/main" id="{2006290B-ED6B-4004-A9C8-59E69E3C44E1}"/>
+                <a16:creationId xmlns="" xmlns:a16="http://schemas.microsoft.com/office/drawing/2014/main" id="{2006290B-ED6B-4004-A9C8-59E69E3C44E1}"/>
               </a:ext>
             </a:extLst>
           </p:cNvPr>
@@ -854,7 +862,7 @@
           <p:cNvPr id="4" name="Дата 3">
             <a:extLst>
               <a:ext uri="{FF2B5EF4-FFF2-40B4-BE49-F238E27FC236}">
-                <a16:creationId xmlns:a16="http://schemas.microsoft.com/office/drawing/2014/main" id="{4C9BA992-6610-41B7-B467-602382220C8E}"/>
+                <a16:creationId xmlns="" xmlns:a16="http://schemas.microsoft.com/office/drawing/2014/main" id="{4C9BA992-6610-41B7-B467-602382220C8E}"/>
               </a:ext>
             </a:extLst>
           </p:cNvPr>
@@ -872,7 +880,8 @@
           <a:p>
             <a:fld id="{F208038B-E850-4641-BA6E-A70D2F6C2452}" type="datetimeFigureOut">
               <a:rPr lang="ru-RU" smtClean="0"/>
-              <a:t>01.08.2017</a:t>
+              <a:pPr/>
+              <a:t>07.08.2017</a:t>
             </a:fld>
             <a:endParaRPr lang="ru-RU"/>
           </a:p>
@@ -883,7 +892,7 @@
           <p:cNvPr id="5" name="Нижний колонтитул 4">
             <a:extLst>
               <a:ext uri="{FF2B5EF4-FFF2-40B4-BE49-F238E27FC236}">
-                <a16:creationId xmlns:a16="http://schemas.microsoft.com/office/drawing/2014/main" id="{37DED844-6DB8-427F-8F3B-351149E8C8D4}"/>
+                <a16:creationId xmlns="" xmlns:a16="http://schemas.microsoft.com/office/drawing/2014/main" id="{37DED844-6DB8-427F-8F3B-351149E8C8D4}"/>
               </a:ext>
             </a:extLst>
           </p:cNvPr>
@@ -908,7 +917,7 @@
           <p:cNvPr id="6" name="Номер слайда 5">
             <a:extLst>
               <a:ext uri="{FF2B5EF4-FFF2-40B4-BE49-F238E27FC236}">
-                <a16:creationId xmlns:a16="http://schemas.microsoft.com/office/drawing/2014/main" id="{CED9139E-BF59-4014-8BDB-2D971B69F614}"/>
+                <a16:creationId xmlns="" xmlns:a16="http://schemas.microsoft.com/office/drawing/2014/main" id="{CED9139E-BF59-4014-8BDB-2D971B69F614}"/>
               </a:ext>
             </a:extLst>
           </p:cNvPr>
@@ -926,6 +935,7 @@
           <a:p>
             <a:fld id="{B4E25E70-C260-4489-8862-CEF6DDB1D7D5}" type="slidenum">
               <a:rPr lang="ru-RU" smtClean="0"/>
+              <a:pPr/>
               <a:t>‹#›</a:t>
             </a:fld>
             <a:endParaRPr lang="ru-RU"/>
@@ -935,7 +945,7 @@
     </p:spTree>
     <p:extLst>
       <p:ext uri="{BB962C8B-B14F-4D97-AF65-F5344CB8AC3E}">
-        <p14:creationId xmlns:p14="http://schemas.microsoft.com/office/powerpoint/2010/main" val="4049712809"/>
+        <p14:creationId xmlns="" xmlns:p14="http://schemas.microsoft.com/office/powerpoint/2010/main" val="4049712809"/>
       </p:ext>
     </p:extLst>
   </p:cSld>
@@ -967,7 +977,7 @@
           <p:cNvPr id="2" name="Заголовок 1">
             <a:extLst>
               <a:ext uri="{FF2B5EF4-FFF2-40B4-BE49-F238E27FC236}">
-                <a16:creationId xmlns:a16="http://schemas.microsoft.com/office/drawing/2014/main" id="{3B3FF99F-B9E1-4005-B8D7-82AD8D0914F4}"/>
+                <a16:creationId xmlns="" xmlns:a16="http://schemas.microsoft.com/office/drawing/2014/main" id="{3B3FF99F-B9E1-4005-B8D7-82AD8D0914F4}"/>
               </a:ext>
             </a:extLst>
           </p:cNvPr>
@@ -1004,7 +1014,7 @@
           <p:cNvPr id="3" name="Текст 2">
             <a:extLst>
               <a:ext uri="{FF2B5EF4-FFF2-40B4-BE49-F238E27FC236}">
-                <a16:creationId xmlns:a16="http://schemas.microsoft.com/office/drawing/2014/main" id="{3CF59D09-7BC6-4D67-8F13-0E8E57612698}"/>
+                <a16:creationId xmlns="" xmlns:a16="http://schemas.microsoft.com/office/drawing/2014/main" id="{3CF59D09-7BC6-4D67-8F13-0E8E57612698}"/>
               </a:ext>
             </a:extLst>
           </p:cNvPr>
@@ -1129,7 +1139,7 @@
           <p:cNvPr id="4" name="Дата 3">
             <a:extLst>
               <a:ext uri="{FF2B5EF4-FFF2-40B4-BE49-F238E27FC236}">
-                <a16:creationId xmlns:a16="http://schemas.microsoft.com/office/drawing/2014/main" id="{AC4C6AF1-77C5-4FC5-B6D0-324BE99C6046}"/>
+                <a16:creationId xmlns="" xmlns:a16="http://schemas.microsoft.com/office/drawing/2014/main" id="{AC4C6AF1-77C5-4FC5-B6D0-324BE99C6046}"/>
               </a:ext>
             </a:extLst>
           </p:cNvPr>
@@ -1147,7 +1157,8 @@
           <a:p>
             <a:fld id="{F208038B-E850-4641-BA6E-A70D2F6C2452}" type="datetimeFigureOut">
               <a:rPr lang="ru-RU" smtClean="0"/>
-              <a:t>01.08.2017</a:t>
+              <a:pPr/>
+              <a:t>07.08.2017</a:t>
             </a:fld>
             <a:endParaRPr lang="ru-RU"/>
           </a:p>
@@ -1158,7 +1169,7 @@
           <p:cNvPr id="5" name="Нижний колонтитул 4">
             <a:extLst>
               <a:ext uri="{FF2B5EF4-FFF2-40B4-BE49-F238E27FC236}">
-                <a16:creationId xmlns:a16="http://schemas.microsoft.com/office/drawing/2014/main" id="{64310D6A-EA45-4EFC-AFA3-DAF1843C900F}"/>
+                <a16:creationId xmlns="" xmlns:a16="http://schemas.microsoft.com/office/drawing/2014/main" id="{64310D6A-EA45-4EFC-AFA3-DAF1843C900F}"/>
               </a:ext>
             </a:extLst>
           </p:cNvPr>
@@ -1183,7 +1194,7 @@
           <p:cNvPr id="6" name="Номер слайда 5">
             <a:extLst>
               <a:ext uri="{FF2B5EF4-FFF2-40B4-BE49-F238E27FC236}">
-                <a16:creationId xmlns:a16="http://schemas.microsoft.com/office/drawing/2014/main" id="{03257BDC-D321-4E60-896C-6227773E20F3}"/>
+                <a16:creationId xmlns="" xmlns:a16="http://schemas.microsoft.com/office/drawing/2014/main" id="{03257BDC-D321-4E60-896C-6227773E20F3}"/>
               </a:ext>
             </a:extLst>
           </p:cNvPr>
@@ -1201,6 +1212,7 @@
           <a:p>
             <a:fld id="{B4E25E70-C260-4489-8862-CEF6DDB1D7D5}" type="slidenum">
               <a:rPr lang="ru-RU" smtClean="0"/>
+              <a:pPr/>
               <a:t>‹#›</a:t>
             </a:fld>
             <a:endParaRPr lang="ru-RU"/>
@@ -1210,7 +1222,7 @@
     </p:spTree>
     <p:extLst>
       <p:ext uri="{BB962C8B-B14F-4D97-AF65-F5344CB8AC3E}">
-        <p14:creationId xmlns:p14="http://schemas.microsoft.com/office/powerpoint/2010/main" val="533356514"/>
+        <p14:creationId xmlns="" xmlns:p14="http://schemas.microsoft.com/office/powerpoint/2010/main" val="533356514"/>
       </p:ext>
     </p:extLst>
   </p:cSld>
@@ -1242,7 +1254,7 @@
           <p:cNvPr id="2" name="Заголовок 1">
             <a:extLst>
               <a:ext uri="{FF2B5EF4-FFF2-40B4-BE49-F238E27FC236}">
-                <a16:creationId xmlns:a16="http://schemas.microsoft.com/office/drawing/2014/main" id="{89C4AB2F-BED8-44C5-81C2-640EC13F0BC1}"/>
+                <a16:creationId xmlns="" xmlns:a16="http://schemas.microsoft.com/office/drawing/2014/main" id="{89C4AB2F-BED8-44C5-81C2-640EC13F0BC1}"/>
               </a:ext>
             </a:extLst>
           </p:cNvPr>
@@ -1270,7 +1282,7 @@
           <p:cNvPr id="3" name="Объект 2">
             <a:extLst>
               <a:ext uri="{FF2B5EF4-FFF2-40B4-BE49-F238E27FC236}">
-                <a16:creationId xmlns:a16="http://schemas.microsoft.com/office/drawing/2014/main" id="{21A429DB-10DF-4514-86B1-74FC96F75182}"/>
+                <a16:creationId xmlns="" xmlns:a16="http://schemas.microsoft.com/office/drawing/2014/main" id="{21A429DB-10DF-4514-86B1-74FC96F75182}"/>
               </a:ext>
             </a:extLst>
           </p:cNvPr>
@@ -1332,7 +1344,7 @@
           <p:cNvPr id="4" name="Объект 3">
             <a:extLst>
               <a:ext uri="{FF2B5EF4-FFF2-40B4-BE49-F238E27FC236}">
-                <a16:creationId xmlns:a16="http://schemas.microsoft.com/office/drawing/2014/main" id="{1ED7BE05-9E08-46AE-951D-960420E4ABBB}"/>
+                <a16:creationId xmlns="" xmlns:a16="http://schemas.microsoft.com/office/drawing/2014/main" id="{1ED7BE05-9E08-46AE-951D-960420E4ABBB}"/>
               </a:ext>
             </a:extLst>
           </p:cNvPr>
@@ -1394,7 +1406,7 @@
           <p:cNvPr id="5" name="Дата 4">
             <a:extLst>
               <a:ext uri="{FF2B5EF4-FFF2-40B4-BE49-F238E27FC236}">
-                <a16:creationId xmlns:a16="http://schemas.microsoft.com/office/drawing/2014/main" id="{316C7F77-3E1B-4211-B90E-49CB7D743F48}"/>
+                <a16:creationId xmlns="" xmlns:a16="http://schemas.microsoft.com/office/drawing/2014/main" id="{316C7F77-3E1B-4211-B90E-49CB7D743F48}"/>
               </a:ext>
             </a:extLst>
           </p:cNvPr>
@@ -1412,7 +1424,8 @@
           <a:p>
             <a:fld id="{F208038B-E850-4641-BA6E-A70D2F6C2452}" type="datetimeFigureOut">
               <a:rPr lang="ru-RU" smtClean="0"/>
-              <a:t>01.08.2017</a:t>
+              <a:pPr/>
+              <a:t>07.08.2017</a:t>
             </a:fld>
             <a:endParaRPr lang="ru-RU"/>
           </a:p>
@@ -1423,7 +1436,7 @@
           <p:cNvPr id="6" name="Нижний колонтитул 5">
             <a:extLst>
               <a:ext uri="{FF2B5EF4-FFF2-40B4-BE49-F238E27FC236}">
-                <a16:creationId xmlns:a16="http://schemas.microsoft.com/office/drawing/2014/main" id="{7C7716C7-F12F-43D2-97EA-C52B3EAB8B87}"/>
+                <a16:creationId xmlns="" xmlns:a16="http://schemas.microsoft.com/office/drawing/2014/main" id="{7C7716C7-F12F-43D2-97EA-C52B3EAB8B87}"/>
               </a:ext>
             </a:extLst>
           </p:cNvPr>
@@ -1448,7 +1461,7 @@
           <p:cNvPr id="7" name="Номер слайда 6">
             <a:extLst>
               <a:ext uri="{FF2B5EF4-FFF2-40B4-BE49-F238E27FC236}">
-                <a16:creationId xmlns:a16="http://schemas.microsoft.com/office/drawing/2014/main" id="{6D72D3CF-DA2C-40AD-A48B-B97B58686928}"/>
+                <a16:creationId xmlns="" xmlns:a16="http://schemas.microsoft.com/office/drawing/2014/main" id="{6D72D3CF-DA2C-40AD-A48B-B97B58686928}"/>
               </a:ext>
             </a:extLst>
           </p:cNvPr>
@@ -1466,6 +1479,7 @@
           <a:p>
             <a:fld id="{B4E25E70-C260-4489-8862-CEF6DDB1D7D5}" type="slidenum">
               <a:rPr lang="ru-RU" smtClean="0"/>
+              <a:pPr/>
               <a:t>‹#›</a:t>
             </a:fld>
             <a:endParaRPr lang="ru-RU"/>
@@ -1475,7 +1489,7 @@
     </p:spTree>
     <p:extLst>
       <p:ext uri="{BB962C8B-B14F-4D97-AF65-F5344CB8AC3E}">
-        <p14:creationId xmlns:p14="http://schemas.microsoft.com/office/powerpoint/2010/main" val="2579027743"/>
+        <p14:creationId xmlns="" xmlns:p14="http://schemas.microsoft.com/office/powerpoint/2010/main" val="2579027743"/>
       </p:ext>
     </p:extLst>
   </p:cSld>
@@ -1507,7 +1521,7 @@
           <p:cNvPr id="2" name="Заголовок 1">
             <a:extLst>
               <a:ext uri="{FF2B5EF4-FFF2-40B4-BE49-F238E27FC236}">
-                <a16:creationId xmlns:a16="http://schemas.microsoft.com/office/drawing/2014/main" id="{DDD8CA04-4CE3-4839-A162-728F91A99FC6}"/>
+                <a16:creationId xmlns="" xmlns:a16="http://schemas.microsoft.com/office/drawing/2014/main" id="{DDD8CA04-4CE3-4839-A162-728F91A99FC6}"/>
               </a:ext>
             </a:extLst>
           </p:cNvPr>
@@ -1540,7 +1554,7 @@
           <p:cNvPr id="3" name="Текст 2">
             <a:extLst>
               <a:ext uri="{FF2B5EF4-FFF2-40B4-BE49-F238E27FC236}">
-                <a16:creationId xmlns:a16="http://schemas.microsoft.com/office/drawing/2014/main" id="{A0B24CA8-C109-4819-92B9-2466200B8F14}"/>
+                <a16:creationId xmlns="" xmlns:a16="http://schemas.microsoft.com/office/drawing/2014/main" id="{A0B24CA8-C109-4819-92B9-2466200B8F14}"/>
               </a:ext>
             </a:extLst>
           </p:cNvPr>
@@ -1611,7 +1625,7 @@
           <p:cNvPr id="4" name="Объект 3">
             <a:extLst>
               <a:ext uri="{FF2B5EF4-FFF2-40B4-BE49-F238E27FC236}">
-                <a16:creationId xmlns:a16="http://schemas.microsoft.com/office/drawing/2014/main" id="{6DD6C463-2EF5-41AD-8D20-2401DBF19529}"/>
+                <a16:creationId xmlns="" xmlns:a16="http://schemas.microsoft.com/office/drawing/2014/main" id="{6DD6C463-2EF5-41AD-8D20-2401DBF19529}"/>
               </a:ext>
             </a:extLst>
           </p:cNvPr>
@@ -1673,7 +1687,7 @@
           <p:cNvPr id="5" name="Текст 4">
             <a:extLst>
               <a:ext uri="{FF2B5EF4-FFF2-40B4-BE49-F238E27FC236}">
-                <a16:creationId xmlns:a16="http://schemas.microsoft.com/office/drawing/2014/main" id="{730CFDE8-EC28-405C-B2B6-01DF1F61BF60}"/>
+                <a16:creationId xmlns="" xmlns:a16="http://schemas.microsoft.com/office/drawing/2014/main" id="{730CFDE8-EC28-405C-B2B6-01DF1F61BF60}"/>
               </a:ext>
             </a:extLst>
           </p:cNvPr>
@@ -1744,7 +1758,7 @@
           <p:cNvPr id="6" name="Объект 5">
             <a:extLst>
               <a:ext uri="{FF2B5EF4-FFF2-40B4-BE49-F238E27FC236}">
-                <a16:creationId xmlns:a16="http://schemas.microsoft.com/office/drawing/2014/main" id="{6ADF818F-E81B-44A4-9FB9-3DFC10D9A207}"/>
+                <a16:creationId xmlns="" xmlns:a16="http://schemas.microsoft.com/office/drawing/2014/main" id="{6ADF818F-E81B-44A4-9FB9-3DFC10D9A207}"/>
               </a:ext>
             </a:extLst>
           </p:cNvPr>
@@ -1806,7 +1820,7 @@
           <p:cNvPr id="7" name="Дата 6">
             <a:extLst>
               <a:ext uri="{FF2B5EF4-FFF2-40B4-BE49-F238E27FC236}">
-                <a16:creationId xmlns:a16="http://schemas.microsoft.com/office/drawing/2014/main" id="{D314DEB8-F8A7-4D1A-B779-15302CC23A52}"/>
+                <a16:creationId xmlns="" xmlns:a16="http://schemas.microsoft.com/office/drawing/2014/main" id="{D314DEB8-F8A7-4D1A-B779-15302CC23A52}"/>
               </a:ext>
             </a:extLst>
           </p:cNvPr>
@@ -1824,7 +1838,8 @@
           <a:p>
             <a:fld id="{F208038B-E850-4641-BA6E-A70D2F6C2452}" type="datetimeFigureOut">
               <a:rPr lang="ru-RU" smtClean="0"/>
-              <a:t>01.08.2017</a:t>
+              <a:pPr/>
+              <a:t>07.08.2017</a:t>
             </a:fld>
             <a:endParaRPr lang="ru-RU"/>
           </a:p>
@@ -1835,7 +1850,7 @@
           <p:cNvPr id="8" name="Нижний колонтитул 7">
             <a:extLst>
               <a:ext uri="{FF2B5EF4-FFF2-40B4-BE49-F238E27FC236}">
-                <a16:creationId xmlns:a16="http://schemas.microsoft.com/office/drawing/2014/main" id="{A2BC4EBD-7162-4A03-ADBB-6F66DAEBCDF6}"/>
+                <a16:creationId xmlns="" xmlns:a16="http://schemas.microsoft.com/office/drawing/2014/main" id="{A2BC4EBD-7162-4A03-ADBB-6F66DAEBCDF6}"/>
               </a:ext>
             </a:extLst>
           </p:cNvPr>
@@ -1860,7 +1875,7 @@
           <p:cNvPr id="9" name="Номер слайда 8">
             <a:extLst>
               <a:ext uri="{FF2B5EF4-FFF2-40B4-BE49-F238E27FC236}">
-                <a16:creationId xmlns:a16="http://schemas.microsoft.com/office/drawing/2014/main" id="{B85D3520-B32A-4BB5-AAEB-81742853221C}"/>
+                <a16:creationId xmlns="" xmlns:a16="http://schemas.microsoft.com/office/drawing/2014/main" id="{B85D3520-B32A-4BB5-AAEB-81742853221C}"/>
               </a:ext>
             </a:extLst>
           </p:cNvPr>
@@ -1878,6 +1893,7 @@
           <a:p>
             <a:fld id="{B4E25E70-C260-4489-8862-CEF6DDB1D7D5}" type="slidenum">
               <a:rPr lang="ru-RU" smtClean="0"/>
+              <a:pPr/>
               <a:t>‹#›</a:t>
             </a:fld>
             <a:endParaRPr lang="ru-RU"/>
@@ -1887,7 +1903,7 @@
     </p:spTree>
     <p:extLst>
       <p:ext uri="{BB962C8B-B14F-4D97-AF65-F5344CB8AC3E}">
-        <p14:creationId xmlns:p14="http://schemas.microsoft.com/office/powerpoint/2010/main" val="989430984"/>
+        <p14:creationId xmlns="" xmlns:p14="http://schemas.microsoft.com/office/powerpoint/2010/main" val="989430984"/>
       </p:ext>
     </p:extLst>
   </p:cSld>
@@ -1919,7 +1935,7 @@
           <p:cNvPr id="2" name="Заголовок 1">
             <a:extLst>
               <a:ext uri="{FF2B5EF4-FFF2-40B4-BE49-F238E27FC236}">
-                <a16:creationId xmlns:a16="http://schemas.microsoft.com/office/drawing/2014/main" id="{41AEA1B8-CEBB-4B99-9C2F-C514E32736BD}"/>
+                <a16:creationId xmlns="" xmlns:a16="http://schemas.microsoft.com/office/drawing/2014/main" id="{41AEA1B8-CEBB-4B99-9C2F-C514E32736BD}"/>
               </a:ext>
             </a:extLst>
           </p:cNvPr>
@@ -1947,7 +1963,7 @@
           <p:cNvPr id="3" name="Дата 2">
             <a:extLst>
               <a:ext uri="{FF2B5EF4-FFF2-40B4-BE49-F238E27FC236}">
-                <a16:creationId xmlns:a16="http://schemas.microsoft.com/office/drawing/2014/main" id="{E9277F1F-B81B-4677-BF6F-49D8F8E825C4}"/>
+                <a16:creationId xmlns="" xmlns:a16="http://schemas.microsoft.com/office/drawing/2014/main" id="{E9277F1F-B81B-4677-BF6F-49D8F8E825C4}"/>
               </a:ext>
             </a:extLst>
           </p:cNvPr>
@@ -1965,7 +1981,8 @@
           <a:p>
             <a:fld id="{F208038B-E850-4641-BA6E-A70D2F6C2452}" type="datetimeFigureOut">
               <a:rPr lang="ru-RU" smtClean="0"/>
-              <a:t>01.08.2017</a:t>
+              <a:pPr/>
+              <a:t>07.08.2017</a:t>
             </a:fld>
             <a:endParaRPr lang="ru-RU"/>
           </a:p>
@@ -1976,7 +1993,7 @@
           <p:cNvPr id="4" name="Нижний колонтитул 3">
             <a:extLst>
               <a:ext uri="{FF2B5EF4-FFF2-40B4-BE49-F238E27FC236}">
-                <a16:creationId xmlns:a16="http://schemas.microsoft.com/office/drawing/2014/main" id="{8DDBD941-1F9C-4E90-8EA7-2D635BCED395}"/>
+                <a16:creationId xmlns="" xmlns:a16="http://schemas.microsoft.com/office/drawing/2014/main" id="{8DDBD941-1F9C-4E90-8EA7-2D635BCED395}"/>
               </a:ext>
             </a:extLst>
           </p:cNvPr>
@@ -2001,7 +2018,7 @@
           <p:cNvPr id="5" name="Номер слайда 4">
             <a:extLst>
               <a:ext uri="{FF2B5EF4-FFF2-40B4-BE49-F238E27FC236}">
-                <a16:creationId xmlns:a16="http://schemas.microsoft.com/office/drawing/2014/main" id="{E3DF8E55-9F31-4C1A-8A92-999AEB69E9CE}"/>
+                <a16:creationId xmlns="" xmlns:a16="http://schemas.microsoft.com/office/drawing/2014/main" id="{E3DF8E55-9F31-4C1A-8A92-999AEB69E9CE}"/>
               </a:ext>
             </a:extLst>
           </p:cNvPr>
@@ -2019,6 +2036,7 @@
           <a:p>
             <a:fld id="{B4E25E70-C260-4489-8862-CEF6DDB1D7D5}" type="slidenum">
               <a:rPr lang="ru-RU" smtClean="0"/>
+              <a:pPr/>
               <a:t>‹#›</a:t>
             </a:fld>
             <a:endParaRPr lang="ru-RU"/>
@@ -2028,7 +2046,7 @@
     </p:spTree>
     <p:extLst>
       <p:ext uri="{BB962C8B-B14F-4D97-AF65-F5344CB8AC3E}">
-        <p14:creationId xmlns:p14="http://schemas.microsoft.com/office/powerpoint/2010/main" val="3654429767"/>
+        <p14:creationId xmlns="" xmlns:p14="http://schemas.microsoft.com/office/powerpoint/2010/main" val="3654429767"/>
       </p:ext>
     </p:extLst>
   </p:cSld>
@@ -2060,7 +2078,7 @@
           <p:cNvPr id="2" name="Дата 1">
             <a:extLst>
               <a:ext uri="{FF2B5EF4-FFF2-40B4-BE49-F238E27FC236}">
-                <a16:creationId xmlns:a16="http://schemas.microsoft.com/office/drawing/2014/main" id="{35070546-5786-49B3-8092-4F467D5183BF}"/>
+                <a16:creationId xmlns="" xmlns:a16="http://schemas.microsoft.com/office/drawing/2014/main" id="{35070546-5786-49B3-8092-4F467D5183BF}"/>
               </a:ext>
             </a:extLst>
           </p:cNvPr>
@@ -2078,7 +2096,8 @@
           <a:p>
             <a:fld id="{F208038B-E850-4641-BA6E-A70D2F6C2452}" type="datetimeFigureOut">
               <a:rPr lang="ru-RU" smtClean="0"/>
-              <a:t>01.08.2017</a:t>
+              <a:pPr/>
+              <a:t>07.08.2017</a:t>
             </a:fld>
             <a:endParaRPr lang="ru-RU"/>
           </a:p>
@@ -2089,7 +2108,7 @@
           <p:cNvPr id="3" name="Нижний колонтитул 2">
             <a:extLst>
               <a:ext uri="{FF2B5EF4-FFF2-40B4-BE49-F238E27FC236}">
-                <a16:creationId xmlns:a16="http://schemas.microsoft.com/office/drawing/2014/main" id="{E20447E0-9780-40F8-8040-384CE09906D0}"/>
+                <a16:creationId xmlns="" xmlns:a16="http://schemas.microsoft.com/office/drawing/2014/main" id="{E20447E0-9780-40F8-8040-384CE09906D0}"/>
               </a:ext>
             </a:extLst>
           </p:cNvPr>
@@ -2114,7 +2133,7 @@
           <p:cNvPr id="4" name="Номер слайда 3">
             <a:extLst>
               <a:ext uri="{FF2B5EF4-FFF2-40B4-BE49-F238E27FC236}">
-                <a16:creationId xmlns:a16="http://schemas.microsoft.com/office/drawing/2014/main" id="{0B74D7B2-BEBA-4657-B04F-C149746DB8E8}"/>
+                <a16:creationId xmlns="" xmlns:a16="http://schemas.microsoft.com/office/drawing/2014/main" id="{0B74D7B2-BEBA-4657-B04F-C149746DB8E8}"/>
               </a:ext>
             </a:extLst>
           </p:cNvPr>
@@ -2132,6 +2151,7 @@
           <a:p>
             <a:fld id="{B4E25E70-C260-4489-8862-CEF6DDB1D7D5}" type="slidenum">
               <a:rPr lang="ru-RU" smtClean="0"/>
+              <a:pPr/>
               <a:t>‹#›</a:t>
             </a:fld>
             <a:endParaRPr lang="ru-RU"/>
@@ -2141,7 +2161,7 @@
     </p:spTree>
     <p:extLst>
       <p:ext uri="{BB962C8B-B14F-4D97-AF65-F5344CB8AC3E}">
-        <p14:creationId xmlns:p14="http://schemas.microsoft.com/office/powerpoint/2010/main" val="192635340"/>
+        <p14:creationId xmlns="" xmlns:p14="http://schemas.microsoft.com/office/powerpoint/2010/main" val="192635340"/>
       </p:ext>
     </p:extLst>
   </p:cSld>
@@ -2173,7 +2193,7 @@
           <p:cNvPr id="2" name="Заголовок 1">
             <a:extLst>
               <a:ext uri="{FF2B5EF4-FFF2-40B4-BE49-F238E27FC236}">
-                <a16:creationId xmlns:a16="http://schemas.microsoft.com/office/drawing/2014/main" id="{EEF5DC06-1109-479B-A1E1-9098A7D9B314}"/>
+                <a16:creationId xmlns="" xmlns:a16="http://schemas.microsoft.com/office/drawing/2014/main" id="{EEF5DC06-1109-479B-A1E1-9098A7D9B314}"/>
               </a:ext>
             </a:extLst>
           </p:cNvPr>
@@ -2210,7 +2230,7 @@
           <p:cNvPr id="3" name="Объект 2">
             <a:extLst>
               <a:ext uri="{FF2B5EF4-FFF2-40B4-BE49-F238E27FC236}">
-                <a16:creationId xmlns:a16="http://schemas.microsoft.com/office/drawing/2014/main" id="{D5047C95-4F87-46C5-8F88-DBDFB75046A1}"/>
+                <a16:creationId xmlns="" xmlns:a16="http://schemas.microsoft.com/office/drawing/2014/main" id="{D5047C95-4F87-46C5-8F88-DBDFB75046A1}"/>
               </a:ext>
             </a:extLst>
           </p:cNvPr>
@@ -2300,7 +2320,7 @@
           <p:cNvPr id="4" name="Текст 3">
             <a:extLst>
               <a:ext uri="{FF2B5EF4-FFF2-40B4-BE49-F238E27FC236}">
-                <a16:creationId xmlns:a16="http://schemas.microsoft.com/office/drawing/2014/main" id="{05743D27-94FB-4870-A7B3-FDE0479B0F3D}"/>
+                <a16:creationId xmlns="" xmlns:a16="http://schemas.microsoft.com/office/drawing/2014/main" id="{05743D27-94FB-4870-A7B3-FDE0479B0F3D}"/>
               </a:ext>
             </a:extLst>
           </p:cNvPr>
@@ -2371,7 +2391,7 @@
           <p:cNvPr id="5" name="Дата 4">
             <a:extLst>
               <a:ext uri="{FF2B5EF4-FFF2-40B4-BE49-F238E27FC236}">
-                <a16:creationId xmlns:a16="http://schemas.microsoft.com/office/drawing/2014/main" id="{560E2461-FB53-4EB3-96CF-8EF888E9E12D}"/>
+                <a16:creationId xmlns="" xmlns:a16="http://schemas.microsoft.com/office/drawing/2014/main" id="{560E2461-FB53-4EB3-96CF-8EF888E9E12D}"/>
               </a:ext>
             </a:extLst>
           </p:cNvPr>
@@ -2389,7 +2409,8 @@
           <a:p>
             <a:fld id="{F208038B-E850-4641-BA6E-A70D2F6C2452}" type="datetimeFigureOut">
               <a:rPr lang="ru-RU" smtClean="0"/>
-              <a:t>01.08.2017</a:t>
+              <a:pPr/>
+              <a:t>07.08.2017</a:t>
             </a:fld>
             <a:endParaRPr lang="ru-RU"/>
           </a:p>
@@ -2400,7 +2421,7 @@
           <p:cNvPr id="6" name="Нижний колонтитул 5">
             <a:extLst>
               <a:ext uri="{FF2B5EF4-FFF2-40B4-BE49-F238E27FC236}">
-                <a16:creationId xmlns:a16="http://schemas.microsoft.com/office/drawing/2014/main" id="{2CA251B3-F1F0-4CC4-A1D8-AE4CC16A0AF9}"/>
+                <a16:creationId xmlns="" xmlns:a16="http://schemas.microsoft.com/office/drawing/2014/main" id="{2CA251B3-F1F0-4CC4-A1D8-AE4CC16A0AF9}"/>
               </a:ext>
             </a:extLst>
           </p:cNvPr>
@@ -2425,7 +2446,7 @@
           <p:cNvPr id="7" name="Номер слайда 6">
             <a:extLst>
               <a:ext uri="{FF2B5EF4-FFF2-40B4-BE49-F238E27FC236}">
-                <a16:creationId xmlns:a16="http://schemas.microsoft.com/office/drawing/2014/main" id="{289B88B1-DF46-4319-AACD-9974ED264CA4}"/>
+                <a16:creationId xmlns="" xmlns:a16="http://schemas.microsoft.com/office/drawing/2014/main" id="{289B88B1-DF46-4319-AACD-9974ED264CA4}"/>
               </a:ext>
             </a:extLst>
           </p:cNvPr>
@@ -2443,6 +2464,7 @@
           <a:p>
             <a:fld id="{B4E25E70-C260-4489-8862-CEF6DDB1D7D5}" type="slidenum">
               <a:rPr lang="ru-RU" smtClean="0"/>
+              <a:pPr/>
               <a:t>‹#›</a:t>
             </a:fld>
             <a:endParaRPr lang="ru-RU"/>
@@ -2452,7 +2474,7 @@
     </p:spTree>
     <p:extLst>
       <p:ext uri="{BB962C8B-B14F-4D97-AF65-F5344CB8AC3E}">
-        <p14:creationId xmlns:p14="http://schemas.microsoft.com/office/powerpoint/2010/main" val="2074005778"/>
+        <p14:creationId xmlns="" xmlns:p14="http://schemas.microsoft.com/office/powerpoint/2010/main" val="2074005778"/>
       </p:ext>
     </p:extLst>
   </p:cSld>
@@ -2484,7 +2506,7 @@
           <p:cNvPr id="2" name="Заголовок 1">
             <a:extLst>
               <a:ext uri="{FF2B5EF4-FFF2-40B4-BE49-F238E27FC236}">
-                <a16:creationId xmlns:a16="http://schemas.microsoft.com/office/drawing/2014/main" id="{A0BEACC7-96CA-4AA2-A07D-FA08AB3ECD55}"/>
+                <a16:creationId xmlns="" xmlns:a16="http://schemas.microsoft.com/office/drawing/2014/main" id="{A0BEACC7-96CA-4AA2-A07D-FA08AB3ECD55}"/>
               </a:ext>
             </a:extLst>
           </p:cNvPr>
@@ -2521,7 +2543,7 @@
           <p:cNvPr id="3" name="Рисунок 2">
             <a:extLst>
               <a:ext uri="{FF2B5EF4-FFF2-40B4-BE49-F238E27FC236}">
-                <a16:creationId xmlns:a16="http://schemas.microsoft.com/office/drawing/2014/main" id="{B29FEEF3-F517-4FF4-9813-4873CC16632F}"/>
+                <a16:creationId xmlns="" xmlns:a16="http://schemas.microsoft.com/office/drawing/2014/main" id="{B29FEEF3-F517-4FF4-9813-4873CC16632F}"/>
               </a:ext>
             </a:extLst>
           </p:cNvPr>
@@ -2588,7 +2610,7 @@
           <p:cNvPr id="4" name="Текст 3">
             <a:extLst>
               <a:ext uri="{FF2B5EF4-FFF2-40B4-BE49-F238E27FC236}">
-                <a16:creationId xmlns:a16="http://schemas.microsoft.com/office/drawing/2014/main" id="{A1940CA2-5BBF-4251-9A2E-81E5EC3956B4}"/>
+                <a16:creationId xmlns="" xmlns:a16="http://schemas.microsoft.com/office/drawing/2014/main" id="{A1940CA2-5BBF-4251-9A2E-81E5EC3956B4}"/>
               </a:ext>
             </a:extLst>
           </p:cNvPr>
@@ -2659,7 +2681,7 @@
           <p:cNvPr id="5" name="Дата 4">
             <a:extLst>
               <a:ext uri="{FF2B5EF4-FFF2-40B4-BE49-F238E27FC236}">
-                <a16:creationId xmlns:a16="http://schemas.microsoft.com/office/drawing/2014/main" id="{8B5A2513-3830-4B4E-9AB1-FDF1EF8EB47E}"/>
+                <a16:creationId xmlns="" xmlns:a16="http://schemas.microsoft.com/office/drawing/2014/main" id="{8B5A2513-3830-4B4E-9AB1-FDF1EF8EB47E}"/>
               </a:ext>
             </a:extLst>
           </p:cNvPr>
@@ -2677,7 +2699,8 @@
           <a:p>
             <a:fld id="{F208038B-E850-4641-BA6E-A70D2F6C2452}" type="datetimeFigureOut">
               <a:rPr lang="ru-RU" smtClean="0"/>
-              <a:t>01.08.2017</a:t>
+              <a:pPr/>
+              <a:t>07.08.2017</a:t>
             </a:fld>
             <a:endParaRPr lang="ru-RU"/>
           </a:p>
@@ -2688,7 +2711,7 @@
           <p:cNvPr id="6" name="Нижний колонтитул 5">
             <a:extLst>
               <a:ext uri="{FF2B5EF4-FFF2-40B4-BE49-F238E27FC236}">
-                <a16:creationId xmlns:a16="http://schemas.microsoft.com/office/drawing/2014/main" id="{07069951-FAFD-4F95-9FE7-7434C66D3D4D}"/>
+                <a16:creationId xmlns="" xmlns:a16="http://schemas.microsoft.com/office/drawing/2014/main" id="{07069951-FAFD-4F95-9FE7-7434C66D3D4D}"/>
               </a:ext>
             </a:extLst>
           </p:cNvPr>
@@ -2713,7 +2736,7 @@
           <p:cNvPr id="7" name="Номер слайда 6">
             <a:extLst>
               <a:ext uri="{FF2B5EF4-FFF2-40B4-BE49-F238E27FC236}">
-                <a16:creationId xmlns:a16="http://schemas.microsoft.com/office/drawing/2014/main" id="{53F5453D-379B-4CE5-A633-6142812FDCC9}"/>
+                <a16:creationId xmlns="" xmlns:a16="http://schemas.microsoft.com/office/drawing/2014/main" id="{53F5453D-379B-4CE5-A633-6142812FDCC9}"/>
               </a:ext>
             </a:extLst>
           </p:cNvPr>
@@ -2731,6 +2754,7 @@
           <a:p>
             <a:fld id="{B4E25E70-C260-4489-8862-CEF6DDB1D7D5}" type="slidenum">
               <a:rPr lang="ru-RU" smtClean="0"/>
+              <a:pPr/>
               <a:t>‹#›</a:t>
             </a:fld>
             <a:endParaRPr lang="ru-RU"/>
@@ -2740,7 +2764,7 @@
     </p:spTree>
     <p:extLst>
       <p:ext uri="{BB962C8B-B14F-4D97-AF65-F5344CB8AC3E}">
-        <p14:creationId xmlns:p14="http://schemas.microsoft.com/office/powerpoint/2010/main" val="845754216"/>
+        <p14:creationId xmlns="" xmlns:p14="http://schemas.microsoft.com/office/powerpoint/2010/main" val="845754216"/>
       </p:ext>
     </p:extLst>
   </p:cSld>
@@ -2777,7 +2801,7 @@
           <p:cNvPr id="2" name="Заголовок 1">
             <a:extLst>
               <a:ext uri="{FF2B5EF4-FFF2-40B4-BE49-F238E27FC236}">
-                <a16:creationId xmlns:a16="http://schemas.microsoft.com/office/drawing/2014/main" id="{4A67761E-158D-4B0C-B317-ED2229CC162A}"/>
+                <a16:creationId xmlns="" xmlns:a16="http://schemas.microsoft.com/office/drawing/2014/main" id="{4A67761E-158D-4B0C-B317-ED2229CC162A}"/>
               </a:ext>
             </a:extLst>
           </p:cNvPr>
@@ -2815,7 +2839,7 @@
           <p:cNvPr id="3" name="Текст 2">
             <a:extLst>
               <a:ext uri="{FF2B5EF4-FFF2-40B4-BE49-F238E27FC236}">
-                <a16:creationId xmlns:a16="http://schemas.microsoft.com/office/drawing/2014/main" id="{1E03466D-7F99-4F7B-BB77-B73F72506386}"/>
+                <a16:creationId xmlns="" xmlns:a16="http://schemas.microsoft.com/office/drawing/2014/main" id="{1E03466D-7F99-4F7B-BB77-B73F72506386}"/>
               </a:ext>
             </a:extLst>
           </p:cNvPr>
@@ -2882,7 +2906,7 @@
           <p:cNvPr id="4" name="Дата 3">
             <a:extLst>
               <a:ext uri="{FF2B5EF4-FFF2-40B4-BE49-F238E27FC236}">
-                <a16:creationId xmlns:a16="http://schemas.microsoft.com/office/drawing/2014/main" id="{B2FC91C7-16B2-4E1D-9F45-851CC4C9D82C}"/>
+                <a16:creationId xmlns="" xmlns:a16="http://schemas.microsoft.com/office/drawing/2014/main" id="{B2FC91C7-16B2-4E1D-9F45-851CC4C9D82C}"/>
               </a:ext>
             </a:extLst>
           </p:cNvPr>
@@ -2918,7 +2942,8 @@
           <a:p>
             <a:fld id="{F208038B-E850-4641-BA6E-A70D2F6C2452}" type="datetimeFigureOut">
               <a:rPr lang="ru-RU" smtClean="0"/>
-              <a:t>01.08.2017</a:t>
+              <a:pPr/>
+              <a:t>07.08.2017</a:t>
             </a:fld>
             <a:endParaRPr lang="ru-RU"/>
           </a:p>
@@ -2929,7 +2954,7 @@
           <p:cNvPr id="5" name="Нижний колонтитул 4">
             <a:extLst>
               <a:ext uri="{FF2B5EF4-FFF2-40B4-BE49-F238E27FC236}">
-                <a16:creationId xmlns:a16="http://schemas.microsoft.com/office/drawing/2014/main" id="{6F1EA3F5-B4B9-48A2-B902-EFB3CF07F1BC}"/>
+                <a16:creationId xmlns="" xmlns:a16="http://schemas.microsoft.com/office/drawing/2014/main" id="{6F1EA3F5-B4B9-48A2-B902-EFB3CF07F1BC}"/>
               </a:ext>
             </a:extLst>
           </p:cNvPr>
@@ -2972,7 +2997,7 @@
           <p:cNvPr id="6" name="Номер слайда 5">
             <a:extLst>
               <a:ext uri="{FF2B5EF4-FFF2-40B4-BE49-F238E27FC236}">
-                <a16:creationId xmlns:a16="http://schemas.microsoft.com/office/drawing/2014/main" id="{E6043779-84B3-408E-BC75-1723E61C8D12}"/>
+                <a16:creationId xmlns="" xmlns:a16="http://schemas.microsoft.com/office/drawing/2014/main" id="{E6043779-84B3-408E-BC75-1723E61C8D12}"/>
               </a:ext>
             </a:extLst>
           </p:cNvPr>
@@ -3008,6 +3033,7 @@
           <a:p>
             <a:fld id="{B4E25E70-C260-4489-8862-CEF6DDB1D7D5}" type="slidenum">
               <a:rPr lang="ru-RU" smtClean="0"/>
+              <a:pPr/>
               <a:t>‹#›</a:t>
             </a:fld>
             <a:endParaRPr lang="ru-RU"/>
@@ -3017,7 +3043,7 @@
     </p:spTree>
     <p:extLst>
       <p:ext uri="{BB962C8B-B14F-4D97-AF65-F5344CB8AC3E}">
-        <p14:creationId xmlns:p14="http://schemas.microsoft.com/office/powerpoint/2010/main" val="1353499903"/>
+        <p14:creationId xmlns="" xmlns:p14="http://schemas.microsoft.com/office/powerpoint/2010/main" val="1353499903"/>
       </p:ext>
     </p:extLst>
   </p:cSld>
@@ -3340,7 +3366,7 @@
           <p:cNvPr id="2" name="Заголовок 1">
             <a:extLst>
               <a:ext uri="{FF2B5EF4-FFF2-40B4-BE49-F238E27FC236}">
-                <a16:creationId xmlns:a16="http://schemas.microsoft.com/office/drawing/2014/main" id="{9403356F-ED4D-48A2-A59D-29D323145020}"/>
+                <a16:creationId xmlns="" xmlns:a16="http://schemas.microsoft.com/office/drawing/2014/main" id="{9403356F-ED4D-48A2-A59D-29D323145020}"/>
               </a:ext>
             </a:extLst>
           </p:cNvPr>
@@ -3373,7 +3399,7 @@
           <p:cNvPr id="3" name="Подзаголовок 2">
             <a:extLst>
               <a:ext uri="{FF2B5EF4-FFF2-40B4-BE49-F238E27FC236}">
-                <a16:creationId xmlns:a16="http://schemas.microsoft.com/office/drawing/2014/main" id="{7EF44A64-AD89-491B-B6C2-88035C1EC491}"/>
+                <a16:creationId xmlns="" xmlns:a16="http://schemas.microsoft.com/office/drawing/2014/main" id="{7EF44A64-AD89-491B-B6C2-88035C1EC491}"/>
               </a:ext>
             </a:extLst>
           </p:cNvPr>
@@ -3418,7 +3444,7 @@
     </p:spTree>
     <p:extLst>
       <p:ext uri="{BB962C8B-B14F-4D97-AF65-F5344CB8AC3E}">
-        <p14:creationId xmlns:p14="http://schemas.microsoft.com/office/powerpoint/2010/main" val="3294136723"/>
+        <p14:creationId xmlns="" xmlns:p14="http://schemas.microsoft.com/office/powerpoint/2010/main" val="3294136723"/>
       </p:ext>
     </p:extLst>
   </p:cSld>
@@ -3447,10 +3473,59 @@
       </p:grpSpPr>
       <p:sp>
         <p:nvSpPr>
+          <p:cNvPr id="132" name="Прямоугольник 131"/>
+          <p:cNvSpPr/>
+          <p:nvPr/>
+        </p:nvSpPr>
+        <p:spPr>
+          <a:xfrm>
+            <a:off x="3495229" y="1657882"/>
+            <a:ext cx="7853575" cy="4717278"/>
+          </a:xfrm>
+          <a:prstGeom prst="rect">
+            <a:avLst/>
+          </a:prstGeom>
+          <a:solidFill>
+            <a:schemeClr val="accent1">
+              <a:lumMod val="20000"/>
+              <a:lumOff val="80000"/>
+            </a:schemeClr>
+          </a:solidFill>
+          <a:ln>
+            <a:noFill/>
+          </a:ln>
+        </p:spPr>
+        <p:style>
+          <a:lnRef idx="2">
+            <a:schemeClr val="accent1">
+              <a:shade val="50000"/>
+            </a:schemeClr>
+          </a:lnRef>
+          <a:fillRef idx="1">
+            <a:schemeClr val="accent1"/>
+          </a:fillRef>
+          <a:effectRef idx="0">
+            <a:schemeClr val="accent1"/>
+          </a:effectRef>
+          <a:fontRef idx="minor">
+            <a:schemeClr val="lt1"/>
+          </a:fontRef>
+        </p:style>
+        <p:txBody>
+          <a:bodyPr rtlCol="0" anchor="ctr"/>
+          <a:lstStyle/>
+          <a:p>
+            <a:pPr algn="ctr"/>
+            <a:endParaRPr lang="ru-RU"/>
+          </a:p>
+        </p:txBody>
+      </p:sp>
+      <p:sp>
+        <p:nvSpPr>
           <p:cNvPr id="2" name="Заголовок 1">
             <a:extLst>
               <a:ext uri="{FF2B5EF4-FFF2-40B4-BE49-F238E27FC236}">
-                <a16:creationId xmlns:a16="http://schemas.microsoft.com/office/drawing/2014/main" id="{FCEFB34E-251D-4737-A005-7E5DC2EB4EE9}"/>
+                <a16:creationId xmlns="" xmlns:a16="http://schemas.microsoft.com/office/drawing/2014/main" id="{FCEFB34E-251D-4737-A005-7E5DC2EB4EE9}"/>
               </a:ext>
             </a:extLst>
           </p:cNvPr>
@@ -3462,6 +3537,10 @@
           </p:nvPr>
         </p:nvSpPr>
         <p:spPr>
+          <a:xfrm>
+            <a:off x="838200" y="211297"/>
+            <a:ext cx="10515600" cy="1325563"/>
+          </a:xfrm>
           <a:solidFill>
             <a:schemeClr val="accent6">
               <a:lumMod val="40000"/>
@@ -3491,7 +3570,7 @@
           <p:cNvPr id="4" name="Прямоугольник 3">
             <a:extLst>
               <a:ext uri="{FF2B5EF4-FFF2-40B4-BE49-F238E27FC236}">
-                <a16:creationId xmlns:a16="http://schemas.microsoft.com/office/drawing/2014/main" id="{D956CC2A-1004-406B-B099-73730F0CDD11}"/>
+                <a16:creationId xmlns="" xmlns:a16="http://schemas.microsoft.com/office/drawing/2014/main" id="{D956CC2A-1004-406B-B099-73730F0CDD11}"/>
               </a:ext>
             </a:extLst>
           </p:cNvPr>
@@ -3500,7 +3579,7 @@
         </p:nvSpPr>
         <p:spPr>
           <a:xfrm>
-            <a:off x="838200" y="1802715"/>
+            <a:off x="838200" y="1700163"/>
             <a:ext cx="1715429" cy="506102"/>
           </a:xfrm>
           <a:prstGeom prst="rect">
@@ -3565,7 +3644,7 @@
           <p:cNvPr id="5" name="Прямоугольник 4">
             <a:extLst>
               <a:ext uri="{FF2B5EF4-FFF2-40B4-BE49-F238E27FC236}">
-                <a16:creationId xmlns:a16="http://schemas.microsoft.com/office/drawing/2014/main" id="{DCD38C27-6C3D-45CD-8924-01FAB34B83A8}"/>
+                <a16:creationId xmlns="" xmlns:a16="http://schemas.microsoft.com/office/drawing/2014/main" id="{DCD38C27-6C3D-45CD-8924-01FAB34B83A8}"/>
               </a:ext>
             </a:extLst>
           </p:cNvPr>
@@ -3574,7 +3653,7 @@
         </p:nvSpPr>
         <p:spPr>
           <a:xfrm>
-            <a:off x="838199" y="2355896"/>
+            <a:off x="838199" y="2253344"/>
             <a:ext cx="1715429" cy="506102"/>
           </a:xfrm>
           <a:prstGeom prst="rect">
@@ -3639,7 +3718,7 @@
           <p:cNvPr id="6" name="Прямоугольник 5">
             <a:extLst>
               <a:ext uri="{FF2B5EF4-FFF2-40B4-BE49-F238E27FC236}">
-                <a16:creationId xmlns:a16="http://schemas.microsoft.com/office/drawing/2014/main" id="{8836BA02-64F2-47FB-8092-6759CBE95857}"/>
+                <a16:creationId xmlns="" xmlns:a16="http://schemas.microsoft.com/office/drawing/2014/main" id="{8836BA02-64F2-47FB-8092-6759CBE95857}"/>
               </a:ext>
             </a:extLst>
           </p:cNvPr>
@@ -3648,7 +3727,7 @@
         </p:nvSpPr>
         <p:spPr>
           <a:xfrm>
-            <a:off x="838198" y="2909033"/>
+            <a:off x="838198" y="2806481"/>
             <a:ext cx="1715429" cy="506102"/>
           </a:xfrm>
           <a:prstGeom prst="rect">
@@ -3713,7 +3792,7 @@
           <p:cNvPr id="7" name="Прямоугольник 6">
             <a:extLst>
               <a:ext uri="{FF2B5EF4-FFF2-40B4-BE49-F238E27FC236}">
-                <a16:creationId xmlns:a16="http://schemas.microsoft.com/office/drawing/2014/main" id="{9576B747-CA59-4EE7-966C-C8A54A45650D}"/>
+                <a16:creationId xmlns="" xmlns:a16="http://schemas.microsoft.com/office/drawing/2014/main" id="{9576B747-CA59-4EE7-966C-C8A54A45650D}"/>
               </a:ext>
             </a:extLst>
           </p:cNvPr>
@@ -3722,7 +3801,7 @@
         </p:nvSpPr>
         <p:spPr>
           <a:xfrm>
-            <a:off x="838196" y="4037171"/>
+            <a:off x="838196" y="3934619"/>
             <a:ext cx="1715429" cy="506102"/>
           </a:xfrm>
           <a:prstGeom prst="rect">
@@ -3787,7 +3866,7 @@
           <p:cNvPr id="8" name="Прямоугольник 7">
             <a:extLst>
               <a:ext uri="{FF2B5EF4-FFF2-40B4-BE49-F238E27FC236}">
-                <a16:creationId xmlns:a16="http://schemas.microsoft.com/office/drawing/2014/main" id="{5733B80F-2443-42D3-92DE-A85E5D846628}"/>
+                <a16:creationId xmlns="" xmlns:a16="http://schemas.microsoft.com/office/drawing/2014/main" id="{5733B80F-2443-42D3-92DE-A85E5D846628}"/>
               </a:ext>
             </a:extLst>
           </p:cNvPr>
@@ -3796,7 +3875,7 @@
         </p:nvSpPr>
         <p:spPr>
           <a:xfrm>
-            <a:off x="838195" y="4575294"/>
+            <a:off x="838195" y="4472742"/>
             <a:ext cx="1715429" cy="506102"/>
           </a:xfrm>
           <a:prstGeom prst="rect">
@@ -3861,7 +3940,7 @@
           <p:cNvPr id="9" name="Прямоугольник 8">
             <a:extLst>
               <a:ext uri="{FF2B5EF4-FFF2-40B4-BE49-F238E27FC236}">
-                <a16:creationId xmlns:a16="http://schemas.microsoft.com/office/drawing/2014/main" id="{B0704747-5450-4D06-B457-929764FBAE73}"/>
+                <a16:creationId xmlns="" xmlns:a16="http://schemas.microsoft.com/office/drawing/2014/main" id="{B0704747-5450-4D06-B457-929764FBAE73}"/>
               </a:ext>
             </a:extLst>
           </p:cNvPr>
@@ -3870,7 +3949,7 @@
         </p:nvSpPr>
         <p:spPr>
           <a:xfrm>
-            <a:off x="838197" y="3462170"/>
+            <a:off x="838197" y="3359618"/>
             <a:ext cx="1715429" cy="506102"/>
           </a:xfrm>
           <a:prstGeom prst="rect">
@@ -3935,7 +4014,7 @@
           <p:cNvPr id="12" name="Прямоугольник 11">
             <a:extLst>
               <a:ext uri="{FF2B5EF4-FFF2-40B4-BE49-F238E27FC236}">
-                <a16:creationId xmlns:a16="http://schemas.microsoft.com/office/drawing/2014/main" id="{D6DB72D6-7A63-4015-A29D-E5FD4DF7E462}"/>
+                <a16:creationId xmlns="" xmlns:a16="http://schemas.microsoft.com/office/drawing/2014/main" id="{D6DB72D6-7A63-4015-A29D-E5FD4DF7E462}"/>
               </a:ext>
             </a:extLst>
           </p:cNvPr>
@@ -3944,7 +4023,7 @@
         </p:nvSpPr>
         <p:spPr>
           <a:xfrm>
-            <a:off x="838194" y="5136585"/>
+            <a:off x="838194" y="5034033"/>
             <a:ext cx="1715429" cy="506102"/>
           </a:xfrm>
           <a:prstGeom prst="rect">
@@ -4007,7 +4086,7 @@
           <p:cNvPr id="13" name="Прямоугольник 12">
             <a:extLst>
               <a:ext uri="{FF2B5EF4-FFF2-40B4-BE49-F238E27FC236}">
-                <a16:creationId xmlns:a16="http://schemas.microsoft.com/office/drawing/2014/main" id="{20891480-B9EF-4957-B59C-4F7DE2BA92FC}"/>
+                <a16:creationId xmlns="" xmlns:a16="http://schemas.microsoft.com/office/drawing/2014/main" id="{20891480-B9EF-4957-B59C-4F7DE2BA92FC}"/>
               </a:ext>
             </a:extLst>
           </p:cNvPr>
@@ -4016,7 +4095,7 @@
         </p:nvSpPr>
         <p:spPr>
           <a:xfrm>
-            <a:off x="838193" y="5685326"/>
+            <a:off x="838193" y="5582774"/>
             <a:ext cx="1715429" cy="506102"/>
           </a:xfrm>
           <a:prstGeom prst="rect">
@@ -4079,7 +4158,7 @@
           <p:cNvPr id="14" name="Прямоугольник 13">
             <a:extLst>
               <a:ext uri="{FF2B5EF4-FFF2-40B4-BE49-F238E27FC236}">
-                <a16:creationId xmlns:a16="http://schemas.microsoft.com/office/drawing/2014/main" id="{ED0F6185-E10D-4597-A3E7-A8CAC23EEC70}"/>
+                <a16:creationId xmlns="" xmlns:a16="http://schemas.microsoft.com/office/drawing/2014/main" id="{ED0F6185-E10D-4597-A3E7-A8CAC23EEC70}"/>
               </a:ext>
             </a:extLst>
           </p:cNvPr>
@@ -4088,7 +4167,7 @@
         </p:nvSpPr>
         <p:spPr>
           <a:xfrm>
-            <a:off x="3800707" y="2018875"/>
+            <a:off x="3638338" y="1933418"/>
             <a:ext cx="1715429" cy="506102"/>
           </a:xfrm>
           <a:prstGeom prst="rect">
@@ -4153,7 +4232,7 @@
           <p:cNvPr id="15" name="Прямоугольник 14">
             <a:extLst>
               <a:ext uri="{FF2B5EF4-FFF2-40B4-BE49-F238E27FC236}">
-                <a16:creationId xmlns:a16="http://schemas.microsoft.com/office/drawing/2014/main" id="{E79CB2BE-8629-4D1E-B9E8-6F7A717C5DC8}"/>
+                <a16:creationId xmlns="" xmlns:a16="http://schemas.microsoft.com/office/drawing/2014/main" id="{E79CB2BE-8629-4D1E-B9E8-6F7A717C5DC8}"/>
               </a:ext>
             </a:extLst>
           </p:cNvPr>
@@ -4162,7 +4241,7 @@
         </p:nvSpPr>
         <p:spPr>
           <a:xfrm>
-            <a:off x="8691448" y="2026988"/>
+            <a:off x="8306878" y="1941533"/>
             <a:ext cx="1715429" cy="506102"/>
           </a:xfrm>
           <a:prstGeom prst="rect">
@@ -4227,7 +4306,7 @@
           <p:cNvPr id="16" name="Прямоугольник 15">
             <a:extLst>
               <a:ext uri="{FF2B5EF4-FFF2-40B4-BE49-F238E27FC236}">
-                <a16:creationId xmlns:a16="http://schemas.microsoft.com/office/drawing/2014/main" id="{DFB9772E-2BFA-483B-818F-C33234270CE5}"/>
+                <a16:creationId xmlns="" xmlns:a16="http://schemas.microsoft.com/office/drawing/2014/main" id="{DFB9772E-2BFA-483B-818F-C33234270CE5}"/>
               </a:ext>
             </a:extLst>
           </p:cNvPr>
@@ -4236,7 +4315,7 @@
         </p:nvSpPr>
         <p:spPr>
           <a:xfrm>
-            <a:off x="9981271" y="2935143"/>
+            <a:off x="9365959" y="3037695"/>
             <a:ext cx="1715429" cy="506102"/>
           </a:xfrm>
           <a:prstGeom prst="rect">
@@ -4304,7 +4383,7 @@
           <p:cNvPr id="17" name="Прямоугольник 16">
             <a:extLst>
               <a:ext uri="{FF2B5EF4-FFF2-40B4-BE49-F238E27FC236}">
-                <a16:creationId xmlns:a16="http://schemas.microsoft.com/office/drawing/2014/main" id="{71CE9277-B0E7-48BA-BB8A-6DD304007D24}"/>
+                <a16:creationId xmlns="" xmlns:a16="http://schemas.microsoft.com/office/drawing/2014/main" id="{71CE9277-B0E7-48BA-BB8A-6DD304007D24}"/>
               </a:ext>
             </a:extLst>
           </p:cNvPr>
@@ -4313,7 +4392,7 @@
         </p:nvSpPr>
         <p:spPr>
           <a:xfrm>
-            <a:off x="7532650" y="2935143"/>
+            <a:off x="7421552" y="3037695"/>
             <a:ext cx="1715429" cy="506102"/>
           </a:xfrm>
           <a:prstGeom prst="rect">
@@ -4381,7 +4460,7 @@
           <p:cNvPr id="18" name="Прямоугольник 17">
             <a:extLst>
               <a:ext uri="{FF2B5EF4-FFF2-40B4-BE49-F238E27FC236}">
-                <a16:creationId xmlns:a16="http://schemas.microsoft.com/office/drawing/2014/main" id="{5FEE778C-1983-4845-A99E-60E7B1BD2F5E}"/>
+                <a16:creationId xmlns="" xmlns:a16="http://schemas.microsoft.com/office/drawing/2014/main" id="{5FEE778C-1983-4845-A99E-60E7B1BD2F5E}"/>
               </a:ext>
             </a:extLst>
           </p:cNvPr>
@@ -4390,7 +4469,7 @@
         </p:nvSpPr>
         <p:spPr>
           <a:xfrm>
-            <a:off x="9981272" y="3742867"/>
+            <a:off x="9365960" y="3845419"/>
             <a:ext cx="1715429" cy="506102"/>
           </a:xfrm>
           <a:prstGeom prst="rect">
@@ -4458,7 +4537,7 @@
           <p:cNvPr id="19" name="Прямоугольник 18">
             <a:extLst>
               <a:ext uri="{FF2B5EF4-FFF2-40B4-BE49-F238E27FC236}">
-                <a16:creationId xmlns:a16="http://schemas.microsoft.com/office/drawing/2014/main" id="{15AECBDC-95EF-4310-BA60-4EB73B86CCCC}"/>
+                <a16:creationId xmlns="" xmlns:a16="http://schemas.microsoft.com/office/drawing/2014/main" id="{15AECBDC-95EF-4310-BA60-4EB73B86CCCC}"/>
               </a:ext>
             </a:extLst>
           </p:cNvPr>
@@ -4467,7 +4546,7 @@
         </p:nvSpPr>
         <p:spPr>
           <a:xfrm>
-            <a:off x="7532649" y="3742867"/>
+            <a:off x="7421551" y="3845419"/>
             <a:ext cx="1715429" cy="506102"/>
           </a:xfrm>
           <a:prstGeom prst="rect">
@@ -4535,7 +4614,7 @@
           <p:cNvPr id="25" name="Соединитель: уступ 24">
             <a:extLst>
               <a:ext uri="{FF2B5EF4-FFF2-40B4-BE49-F238E27FC236}">
-                <a16:creationId xmlns:a16="http://schemas.microsoft.com/office/drawing/2014/main" id="{4DB180F6-0618-49E7-BBA7-A545507A8C5E}"/>
+                <a16:creationId xmlns="" xmlns:a16="http://schemas.microsoft.com/office/drawing/2014/main" id="{4DB180F6-0618-49E7-BBA7-A545507A8C5E}"/>
               </a:ext>
             </a:extLst>
           </p:cNvPr>
@@ -4547,11 +4626,13 @@
         </p:nvCxnSpPr>
         <p:spPr>
           <a:xfrm rot="5400000">
-            <a:off x="8768738" y="2154717"/>
-            <a:ext cx="402053" cy="1158798"/>
+            <a:off x="8426900" y="2300002"/>
+            <a:ext cx="590060" cy="885326"/>
           </a:xfrm>
           <a:prstGeom prst="bentConnector3">
-            <a:avLst/>
+            <a:avLst>
+              <a:gd name="adj1" fmla="val 50000"/>
+            </a:avLst>
           </a:prstGeom>
           <a:ln>
             <a:solidFill>
@@ -4579,7 +4660,7 @@
           <p:cNvPr id="27" name="Соединитель: уступ 26">
             <a:extLst>
               <a:ext uri="{FF2B5EF4-FFF2-40B4-BE49-F238E27FC236}">
-                <a16:creationId xmlns:a16="http://schemas.microsoft.com/office/drawing/2014/main" id="{11C8B0B8-CEA8-4F0F-BDEF-60F0E7684D22}"/>
+                <a16:creationId xmlns="" xmlns:a16="http://schemas.microsoft.com/office/drawing/2014/main" id="{11C8B0B8-CEA8-4F0F-BDEF-60F0E7684D22}"/>
               </a:ext>
             </a:extLst>
           </p:cNvPr>
@@ -4591,11 +4672,13 @@
         </p:nvCxnSpPr>
         <p:spPr>
           <a:xfrm rot="16200000" flipH="1">
-            <a:off x="9993048" y="2089204"/>
-            <a:ext cx="402053" cy="1289823"/>
+            <a:off x="9399103" y="2213124"/>
+            <a:ext cx="590060" cy="1059081"/>
           </a:xfrm>
           <a:prstGeom prst="bentConnector3">
-            <a:avLst/>
+            <a:avLst>
+              <a:gd name="adj1" fmla="val 50000"/>
+            </a:avLst>
           </a:prstGeom>
           <a:ln>
             <a:solidFill>
@@ -4623,7 +4706,7 @@
           <p:cNvPr id="29" name="Прямая соединительная линия 28">
             <a:extLst>
               <a:ext uri="{FF2B5EF4-FFF2-40B4-BE49-F238E27FC236}">
-                <a16:creationId xmlns:a16="http://schemas.microsoft.com/office/drawing/2014/main" id="{BC142E47-758F-4B0A-846C-4E6254B56B22}"/>
+                <a16:creationId xmlns="" xmlns:a16="http://schemas.microsoft.com/office/drawing/2014/main" id="{BC142E47-758F-4B0A-846C-4E6254B56B22}"/>
               </a:ext>
             </a:extLst>
           </p:cNvPr>
@@ -4634,9 +4717,9 @@
           <p:nvPr/>
         </p:nvCxnSpPr>
         <p:spPr>
-          <a:xfrm flipH="1">
-            <a:off x="8390364" y="3441245"/>
-            <a:ext cx="1" cy="301622"/>
+          <a:xfrm rot="5400000">
+            <a:off x="8128456" y="3694608"/>
+            <a:ext cx="301622" cy="1"/>
           </a:xfrm>
           <a:prstGeom prst="line">
             <a:avLst/>
@@ -4667,7 +4750,7 @@
           <p:cNvPr id="31" name="Прямая соединительная линия 30">
             <a:extLst>
               <a:ext uri="{FF2B5EF4-FFF2-40B4-BE49-F238E27FC236}">
-                <a16:creationId xmlns:a16="http://schemas.microsoft.com/office/drawing/2014/main" id="{2A2C776C-2B04-43FA-B3E1-FDF6CB263093}"/>
+                <a16:creationId xmlns="" xmlns:a16="http://schemas.microsoft.com/office/drawing/2014/main" id="{2A2C776C-2B04-43FA-B3E1-FDF6CB263093}"/>
               </a:ext>
             </a:extLst>
           </p:cNvPr>
@@ -4678,9 +4761,9 @@
           <p:nvPr/>
         </p:nvCxnSpPr>
         <p:spPr>
-          <a:xfrm>
-            <a:off x="10838986" y="3441245"/>
-            <a:ext cx="1" cy="301622"/>
+          <a:xfrm rot="16200000" flipH="1">
+            <a:off x="10072863" y="3694607"/>
+            <a:ext cx="301622" cy="1"/>
           </a:xfrm>
           <a:prstGeom prst="line">
             <a:avLst/>
@@ -4711,7 +4794,7 @@
           <p:cNvPr id="32" name="Прямоугольник 31">
             <a:extLst>
               <a:ext uri="{FF2B5EF4-FFF2-40B4-BE49-F238E27FC236}">
-                <a16:creationId xmlns:a16="http://schemas.microsoft.com/office/drawing/2014/main" id="{BC932D1E-CBEA-43C9-BBD5-4B06795B6C5F}"/>
+                <a16:creationId xmlns="" xmlns:a16="http://schemas.microsoft.com/office/drawing/2014/main" id="{BC932D1E-CBEA-43C9-BBD5-4B06795B6C5F}"/>
               </a:ext>
             </a:extLst>
           </p:cNvPr>
@@ -4720,7 +4803,7 @@
         </p:nvSpPr>
         <p:spPr>
           <a:xfrm>
-            <a:off x="9981271" y="4285792"/>
+            <a:off x="9365959" y="4388344"/>
             <a:ext cx="1715429" cy="506102"/>
           </a:xfrm>
           <a:prstGeom prst="rect">
@@ -4780,10 +4863,764 @@
           </a:p>
         </p:txBody>
       </p:sp>
+      <p:sp>
+        <p:nvSpPr>
+          <p:cNvPr id="22" name="Прямоугольник 21">
+            <a:extLst>
+              <a:ext uri="{FF2B5EF4-FFF2-40B4-BE49-F238E27FC236}">
+                <a16:creationId xmlns="" xmlns:a16="http://schemas.microsoft.com/office/drawing/2014/main" id="{71CE9277-B0E7-48BA-BB8A-6DD304007D24}"/>
+              </a:ext>
+            </a:extLst>
+          </p:cNvPr>
+          <p:cNvSpPr/>
+          <p:nvPr/>
+        </p:nvSpPr>
+        <p:spPr>
+          <a:xfrm>
+            <a:off x="5258046" y="3207195"/>
+            <a:ext cx="1715429" cy="506102"/>
+          </a:xfrm>
+          <a:prstGeom prst="rect">
+            <a:avLst/>
+          </a:prstGeom>
+          <a:solidFill>
+            <a:schemeClr val="accent3">
+              <a:lumMod val="40000"/>
+              <a:lumOff val="60000"/>
+            </a:schemeClr>
+          </a:solidFill>
+          <a:ln>
+            <a:solidFill>
+              <a:schemeClr val="tx1"/>
+            </a:solidFill>
+          </a:ln>
+        </p:spPr>
+        <p:style>
+          <a:lnRef idx="2">
+            <a:schemeClr val="accent1">
+              <a:shade val="50000"/>
+            </a:schemeClr>
+          </a:lnRef>
+          <a:fillRef idx="1">
+            <a:schemeClr val="accent1"/>
+          </a:fillRef>
+          <a:effectRef idx="0">
+            <a:schemeClr val="accent1"/>
+          </a:effectRef>
+          <a:fontRef idx="minor">
+            <a:schemeClr val="lt1"/>
+          </a:fontRef>
+        </p:style>
+        <p:txBody>
+          <a:bodyPr rtlCol="0" anchor="ctr"/>
+          <a:lstStyle/>
+          <a:p>
+            <a:pPr algn="ctr"/>
+            <a:r>
+              <a:rPr lang="en-US" dirty="0" smtClean="0">
+                <a:solidFill>
+                  <a:schemeClr val="tx1">
+                    <a:lumMod val="85000"/>
+                    <a:lumOff val="15000"/>
+                  </a:schemeClr>
+                </a:solidFill>
+                <a:latin typeface="Arial Black" panose="020B0A04020102020204" pitchFamily="34" charset="0"/>
+              </a:rPr>
+              <a:t>interface</a:t>
+            </a:r>
+            <a:endParaRPr lang="ru-RU" dirty="0">
+              <a:solidFill>
+                <a:schemeClr val="tx1">
+                  <a:lumMod val="85000"/>
+                  <a:lumOff val="15000"/>
+                </a:schemeClr>
+              </a:solidFill>
+              <a:latin typeface="Arial Black" panose="020B0A04020102020204" pitchFamily="34" charset="0"/>
+            </a:endParaRPr>
+          </a:p>
+        </p:txBody>
+      </p:sp>
+      <p:sp>
+        <p:nvSpPr>
+          <p:cNvPr id="23" name="Прямоугольник 22">
+            <a:extLst>
+              <a:ext uri="{FF2B5EF4-FFF2-40B4-BE49-F238E27FC236}">
+                <a16:creationId xmlns="" xmlns:a16="http://schemas.microsoft.com/office/drawing/2014/main" id="{71CE9277-B0E7-48BA-BB8A-6DD304007D24}"/>
+              </a:ext>
+            </a:extLst>
+          </p:cNvPr>
+          <p:cNvSpPr/>
+          <p:nvPr/>
+        </p:nvSpPr>
+        <p:spPr>
+          <a:xfrm>
+            <a:off x="5266592" y="3822493"/>
+            <a:ext cx="1715429" cy="506102"/>
+          </a:xfrm>
+          <a:prstGeom prst="rect">
+            <a:avLst/>
+          </a:prstGeom>
+          <a:solidFill>
+            <a:schemeClr val="accent3">
+              <a:lumMod val="40000"/>
+              <a:lumOff val="60000"/>
+            </a:schemeClr>
+          </a:solidFill>
+          <a:ln>
+            <a:solidFill>
+              <a:schemeClr val="tx1"/>
+            </a:solidFill>
+          </a:ln>
+        </p:spPr>
+        <p:style>
+          <a:lnRef idx="2">
+            <a:schemeClr val="accent1">
+              <a:shade val="50000"/>
+            </a:schemeClr>
+          </a:lnRef>
+          <a:fillRef idx="1">
+            <a:schemeClr val="accent1"/>
+          </a:fillRef>
+          <a:effectRef idx="0">
+            <a:schemeClr val="accent1"/>
+          </a:effectRef>
+          <a:fontRef idx="minor">
+            <a:schemeClr val="lt1"/>
+          </a:fontRef>
+        </p:style>
+        <p:txBody>
+          <a:bodyPr rtlCol="0" anchor="ctr"/>
+          <a:lstStyle/>
+          <a:p>
+            <a:pPr algn="ctr"/>
+            <a:r>
+              <a:rPr lang="en-US" dirty="0" smtClean="0">
+                <a:solidFill>
+                  <a:schemeClr val="tx1">
+                    <a:lumMod val="85000"/>
+                    <a:lumOff val="15000"/>
+                  </a:schemeClr>
+                </a:solidFill>
+                <a:latin typeface="Arial Black" panose="020B0A04020102020204" pitchFamily="34" charset="0"/>
+              </a:rPr>
+              <a:t>text</a:t>
+            </a:r>
+            <a:endParaRPr lang="ru-RU" dirty="0">
+              <a:solidFill>
+                <a:schemeClr val="tx1">
+                  <a:lumMod val="85000"/>
+                  <a:lumOff val="15000"/>
+                </a:schemeClr>
+              </a:solidFill>
+              <a:latin typeface="Arial Black" panose="020B0A04020102020204" pitchFamily="34" charset="0"/>
+            </a:endParaRPr>
+          </a:p>
+        </p:txBody>
+      </p:sp>
+      <p:sp>
+        <p:nvSpPr>
+          <p:cNvPr id="24" name="Прямоугольник 23">
+            <a:extLst>
+              <a:ext uri="{FF2B5EF4-FFF2-40B4-BE49-F238E27FC236}">
+                <a16:creationId xmlns="" xmlns:a16="http://schemas.microsoft.com/office/drawing/2014/main" id="{71CE9277-B0E7-48BA-BB8A-6DD304007D24}"/>
+              </a:ext>
+            </a:extLst>
+          </p:cNvPr>
+          <p:cNvSpPr/>
+          <p:nvPr/>
+        </p:nvSpPr>
+        <p:spPr>
+          <a:xfrm>
+            <a:off x="5266591" y="4446197"/>
+            <a:ext cx="1715429" cy="506102"/>
+          </a:xfrm>
+          <a:prstGeom prst="rect">
+            <a:avLst/>
+          </a:prstGeom>
+          <a:solidFill>
+            <a:schemeClr val="accent3">
+              <a:lumMod val="40000"/>
+              <a:lumOff val="60000"/>
+            </a:schemeClr>
+          </a:solidFill>
+          <a:ln>
+            <a:solidFill>
+              <a:schemeClr val="tx1"/>
+            </a:solidFill>
+          </a:ln>
+        </p:spPr>
+        <p:style>
+          <a:lnRef idx="2">
+            <a:schemeClr val="accent1">
+              <a:shade val="50000"/>
+            </a:schemeClr>
+          </a:lnRef>
+          <a:fillRef idx="1">
+            <a:schemeClr val="accent1"/>
+          </a:fillRef>
+          <a:effectRef idx="0">
+            <a:schemeClr val="accent1"/>
+          </a:effectRef>
+          <a:fontRef idx="minor">
+            <a:schemeClr val="lt1"/>
+          </a:fontRef>
+        </p:style>
+        <p:txBody>
+          <a:bodyPr rtlCol="0" anchor="ctr"/>
+          <a:lstStyle/>
+          <a:p>
+            <a:pPr algn="ctr"/>
+            <a:r>
+              <a:rPr lang="en-US" dirty="0" smtClean="0">
+                <a:solidFill>
+                  <a:schemeClr val="tx1">
+                    <a:lumMod val="85000"/>
+                    <a:lumOff val="15000"/>
+                  </a:schemeClr>
+                </a:solidFill>
+                <a:latin typeface="Arial Black" panose="020B0A04020102020204" pitchFamily="34" charset="0"/>
+              </a:rPr>
+              <a:t>texture</a:t>
+            </a:r>
+            <a:endParaRPr lang="ru-RU" dirty="0">
+              <a:solidFill>
+                <a:schemeClr val="tx1">
+                  <a:lumMod val="85000"/>
+                  <a:lumOff val="15000"/>
+                </a:schemeClr>
+              </a:solidFill>
+              <a:latin typeface="Arial Black" panose="020B0A04020102020204" pitchFamily="34" charset="0"/>
+            </a:endParaRPr>
+          </a:p>
+        </p:txBody>
+      </p:sp>
+      <p:sp>
+        <p:nvSpPr>
+          <p:cNvPr id="26" name="Прямоугольник 25">
+            <a:extLst>
+              <a:ext uri="{FF2B5EF4-FFF2-40B4-BE49-F238E27FC236}">
+                <a16:creationId xmlns="" xmlns:a16="http://schemas.microsoft.com/office/drawing/2014/main" id="{71CE9277-B0E7-48BA-BB8A-6DD304007D24}"/>
+              </a:ext>
+            </a:extLst>
+          </p:cNvPr>
+          <p:cNvSpPr/>
+          <p:nvPr/>
+        </p:nvSpPr>
+        <p:spPr>
+          <a:xfrm>
+            <a:off x="5249498" y="5061632"/>
+            <a:ext cx="1715429" cy="506102"/>
+          </a:xfrm>
+          <a:prstGeom prst="rect">
+            <a:avLst/>
+          </a:prstGeom>
+          <a:solidFill>
+            <a:schemeClr val="accent3">
+              <a:lumMod val="40000"/>
+              <a:lumOff val="60000"/>
+            </a:schemeClr>
+          </a:solidFill>
+          <a:ln>
+            <a:solidFill>
+              <a:schemeClr val="tx1"/>
+            </a:solidFill>
+          </a:ln>
+        </p:spPr>
+        <p:style>
+          <a:lnRef idx="2">
+            <a:schemeClr val="accent1">
+              <a:shade val="50000"/>
+            </a:schemeClr>
+          </a:lnRef>
+          <a:fillRef idx="1">
+            <a:schemeClr val="accent1"/>
+          </a:fillRef>
+          <a:effectRef idx="0">
+            <a:schemeClr val="accent1"/>
+          </a:effectRef>
+          <a:fontRef idx="minor">
+            <a:schemeClr val="lt1"/>
+          </a:fontRef>
+        </p:style>
+        <p:txBody>
+          <a:bodyPr rtlCol="0" anchor="ctr"/>
+          <a:lstStyle/>
+          <a:p>
+            <a:pPr algn="ctr"/>
+            <a:r>
+              <a:rPr lang="en-US" dirty="0" smtClean="0">
+                <a:solidFill>
+                  <a:schemeClr val="tx1">
+                    <a:lumMod val="85000"/>
+                    <a:lumOff val="15000"/>
+                  </a:schemeClr>
+                </a:solidFill>
+                <a:latin typeface="Arial Black" panose="020B0A04020102020204" pitchFamily="34" charset="0"/>
+              </a:rPr>
+              <a:t>model</a:t>
+            </a:r>
+            <a:endParaRPr lang="ru-RU" dirty="0">
+              <a:solidFill>
+                <a:schemeClr val="tx1">
+                  <a:lumMod val="85000"/>
+                  <a:lumOff val="15000"/>
+                </a:schemeClr>
+              </a:solidFill>
+              <a:latin typeface="Arial Black" panose="020B0A04020102020204" pitchFamily="34" charset="0"/>
+            </a:endParaRPr>
+          </a:p>
+        </p:txBody>
+      </p:sp>
+      <p:sp>
+        <p:nvSpPr>
+          <p:cNvPr id="28" name="Прямоугольник 27">
+            <a:extLst>
+              <a:ext uri="{FF2B5EF4-FFF2-40B4-BE49-F238E27FC236}">
+                <a16:creationId xmlns="" xmlns:a16="http://schemas.microsoft.com/office/drawing/2014/main" id="{71CE9277-B0E7-48BA-BB8A-6DD304007D24}"/>
+              </a:ext>
+            </a:extLst>
+          </p:cNvPr>
+          <p:cNvSpPr/>
+          <p:nvPr/>
+        </p:nvSpPr>
+        <p:spPr>
+          <a:xfrm>
+            <a:off x="5258046" y="5694040"/>
+            <a:ext cx="1715429" cy="506102"/>
+          </a:xfrm>
+          <a:prstGeom prst="rect">
+            <a:avLst/>
+          </a:prstGeom>
+          <a:solidFill>
+            <a:schemeClr val="accent3">
+              <a:lumMod val="40000"/>
+              <a:lumOff val="60000"/>
+            </a:schemeClr>
+          </a:solidFill>
+          <a:ln>
+            <a:solidFill>
+              <a:schemeClr val="tx1"/>
+            </a:solidFill>
+          </a:ln>
+        </p:spPr>
+        <p:style>
+          <a:lnRef idx="2">
+            <a:schemeClr val="accent1">
+              <a:shade val="50000"/>
+            </a:schemeClr>
+          </a:lnRef>
+          <a:fillRef idx="1">
+            <a:schemeClr val="accent1"/>
+          </a:fillRef>
+          <a:effectRef idx="0">
+            <a:schemeClr val="accent1"/>
+          </a:effectRef>
+          <a:fontRef idx="minor">
+            <a:schemeClr val="lt1"/>
+          </a:fontRef>
+        </p:style>
+        <p:txBody>
+          <a:bodyPr rtlCol="0" anchor="ctr"/>
+          <a:lstStyle/>
+          <a:p>
+            <a:pPr algn="ctr"/>
+            <a:r>
+              <a:rPr lang="en-US" dirty="0" smtClean="0">
+                <a:solidFill>
+                  <a:schemeClr val="tx1">
+                    <a:lumMod val="85000"/>
+                    <a:lumOff val="15000"/>
+                  </a:schemeClr>
+                </a:solidFill>
+                <a:latin typeface="Arial Black" panose="020B0A04020102020204" pitchFamily="34" charset="0"/>
+              </a:rPr>
+              <a:t>other</a:t>
+            </a:r>
+            <a:endParaRPr lang="ru-RU" dirty="0">
+              <a:solidFill>
+                <a:schemeClr val="tx1">
+                  <a:lumMod val="85000"/>
+                  <a:lumOff val="15000"/>
+                </a:schemeClr>
+              </a:solidFill>
+              <a:latin typeface="Arial Black" panose="020B0A04020102020204" pitchFamily="34" charset="0"/>
+            </a:endParaRPr>
+          </a:p>
+        </p:txBody>
+      </p:sp>
+      <p:sp>
+        <p:nvSpPr>
+          <p:cNvPr id="30" name="Прямоугольник 29">
+            <a:extLst>
+              <a:ext uri="{FF2B5EF4-FFF2-40B4-BE49-F238E27FC236}">
+                <a16:creationId xmlns="" xmlns:a16="http://schemas.microsoft.com/office/drawing/2014/main" id="{71CE9277-B0E7-48BA-BB8A-6DD304007D24}"/>
+              </a:ext>
+            </a:extLst>
+          </p:cNvPr>
+          <p:cNvSpPr/>
+          <p:nvPr/>
+        </p:nvSpPr>
+        <p:spPr>
+          <a:xfrm>
+            <a:off x="5266590" y="2626098"/>
+            <a:ext cx="1715429" cy="506102"/>
+          </a:xfrm>
+          <a:prstGeom prst="rect">
+            <a:avLst/>
+          </a:prstGeom>
+          <a:solidFill>
+            <a:schemeClr val="accent3">
+              <a:lumMod val="40000"/>
+              <a:lumOff val="60000"/>
+            </a:schemeClr>
+          </a:solidFill>
+          <a:ln>
+            <a:solidFill>
+              <a:schemeClr val="tx1"/>
+            </a:solidFill>
+          </a:ln>
+        </p:spPr>
+        <p:style>
+          <a:lnRef idx="2">
+            <a:schemeClr val="accent1">
+              <a:shade val="50000"/>
+            </a:schemeClr>
+          </a:lnRef>
+          <a:fillRef idx="1">
+            <a:schemeClr val="accent1"/>
+          </a:fillRef>
+          <a:effectRef idx="0">
+            <a:schemeClr val="accent1"/>
+          </a:effectRef>
+          <a:fontRef idx="minor">
+            <a:schemeClr val="lt1"/>
+          </a:fontRef>
+        </p:style>
+        <p:txBody>
+          <a:bodyPr rtlCol="0" anchor="ctr"/>
+          <a:lstStyle/>
+          <a:p>
+            <a:pPr algn="ctr"/>
+            <a:r>
+              <a:rPr lang="en-US" dirty="0" smtClean="0">
+                <a:solidFill>
+                  <a:schemeClr val="tx1">
+                    <a:lumMod val="85000"/>
+                    <a:lumOff val="15000"/>
+                  </a:schemeClr>
+                </a:solidFill>
+                <a:latin typeface="Arial Black" panose="020B0A04020102020204" pitchFamily="34" charset="0"/>
+              </a:rPr>
+              <a:t>map</a:t>
+            </a:r>
+            <a:endParaRPr lang="ru-RU" dirty="0">
+              <a:solidFill>
+                <a:schemeClr val="tx1">
+                  <a:lumMod val="85000"/>
+                  <a:lumOff val="15000"/>
+                </a:schemeClr>
+              </a:solidFill>
+              <a:latin typeface="Arial Black" panose="020B0A04020102020204" pitchFamily="34" charset="0"/>
+            </a:endParaRPr>
+          </a:p>
+        </p:txBody>
+      </p:sp>
+      <p:cxnSp>
+        <p:nvCxnSpPr>
+          <p:cNvPr id="86" name="Shape 85"/>
+          <p:cNvCxnSpPr>
+            <a:stCxn id="14" idx="2"/>
+            <a:endCxn id="30" idx="1"/>
+          </p:cNvCxnSpPr>
+          <p:nvPr/>
+        </p:nvCxnSpPr>
+        <p:spPr>
+          <a:xfrm rot="16200000" flipH="1">
+            <a:off x="4661507" y="2274065"/>
+            <a:ext cx="439629" cy="770537"/>
+          </a:xfrm>
+          <a:prstGeom prst="bentConnector2">
+            <a:avLst/>
+          </a:prstGeom>
+        </p:spPr>
+        <p:style>
+          <a:lnRef idx="1">
+            <a:schemeClr val="dk1"/>
+          </a:lnRef>
+          <a:fillRef idx="0">
+            <a:schemeClr val="dk1"/>
+          </a:fillRef>
+          <a:effectRef idx="0">
+            <a:schemeClr val="dk1"/>
+          </a:effectRef>
+          <a:fontRef idx="minor">
+            <a:schemeClr val="tx1"/>
+          </a:fontRef>
+        </p:style>
+      </p:cxnSp>
+      <p:cxnSp>
+        <p:nvCxnSpPr>
+          <p:cNvPr id="91" name="Shape 90"/>
+          <p:cNvCxnSpPr>
+            <a:stCxn id="14" idx="2"/>
+            <a:endCxn id="23" idx="1"/>
+          </p:cNvCxnSpPr>
+          <p:nvPr/>
+        </p:nvCxnSpPr>
+        <p:spPr>
+          <a:xfrm rot="16200000" flipH="1">
+            <a:off x="4063310" y="2872262"/>
+            <a:ext cx="1636024" cy="770539"/>
+          </a:xfrm>
+          <a:prstGeom prst="bentConnector2">
+            <a:avLst/>
+          </a:prstGeom>
+        </p:spPr>
+        <p:style>
+          <a:lnRef idx="1">
+            <a:schemeClr val="dk1"/>
+          </a:lnRef>
+          <a:fillRef idx="0">
+            <a:schemeClr val="dk1"/>
+          </a:fillRef>
+          <a:effectRef idx="0">
+            <a:schemeClr val="dk1"/>
+          </a:effectRef>
+          <a:fontRef idx="minor">
+            <a:schemeClr val="tx1"/>
+          </a:fontRef>
+        </p:style>
+      </p:cxnSp>
+      <p:cxnSp>
+        <p:nvCxnSpPr>
+          <p:cNvPr id="93" name="Shape 92"/>
+          <p:cNvCxnSpPr>
+            <a:stCxn id="14" idx="2"/>
+            <a:endCxn id="24" idx="1"/>
+          </p:cNvCxnSpPr>
+          <p:nvPr/>
+        </p:nvCxnSpPr>
+        <p:spPr>
+          <a:xfrm rot="16200000" flipH="1">
+            <a:off x="3751458" y="3184115"/>
+            <a:ext cx="2259728" cy="770538"/>
+          </a:xfrm>
+          <a:prstGeom prst="bentConnector2">
+            <a:avLst/>
+          </a:prstGeom>
+        </p:spPr>
+        <p:style>
+          <a:lnRef idx="1">
+            <a:schemeClr val="dk1"/>
+          </a:lnRef>
+          <a:fillRef idx="0">
+            <a:schemeClr val="dk1"/>
+          </a:fillRef>
+          <a:effectRef idx="0">
+            <a:schemeClr val="dk1"/>
+          </a:effectRef>
+          <a:fontRef idx="minor">
+            <a:schemeClr val="tx1"/>
+          </a:fontRef>
+        </p:style>
+      </p:cxnSp>
+      <p:cxnSp>
+        <p:nvCxnSpPr>
+          <p:cNvPr id="95" name="Shape 94"/>
+          <p:cNvCxnSpPr>
+            <a:stCxn id="14" idx="2"/>
+            <a:endCxn id="26" idx="1"/>
+          </p:cNvCxnSpPr>
+          <p:nvPr/>
+        </p:nvCxnSpPr>
+        <p:spPr>
+          <a:xfrm rot="16200000" flipH="1">
+            <a:off x="3435194" y="3500378"/>
+            <a:ext cx="2875163" cy="753445"/>
+          </a:xfrm>
+          <a:prstGeom prst="bentConnector2">
+            <a:avLst/>
+          </a:prstGeom>
+        </p:spPr>
+        <p:style>
+          <a:lnRef idx="1">
+            <a:schemeClr val="dk1"/>
+          </a:lnRef>
+          <a:fillRef idx="0">
+            <a:schemeClr val="dk1"/>
+          </a:fillRef>
+          <a:effectRef idx="0">
+            <a:schemeClr val="dk1"/>
+          </a:effectRef>
+          <a:fontRef idx="minor">
+            <a:schemeClr val="tx1"/>
+          </a:fontRef>
+        </p:style>
+      </p:cxnSp>
+      <p:cxnSp>
+        <p:nvCxnSpPr>
+          <p:cNvPr id="97" name="Shape 96"/>
+          <p:cNvCxnSpPr>
+            <a:stCxn id="14" idx="2"/>
+            <a:endCxn id="28" idx="1"/>
+          </p:cNvCxnSpPr>
+          <p:nvPr/>
+        </p:nvCxnSpPr>
+        <p:spPr>
+          <a:xfrm rot="16200000" flipH="1">
+            <a:off x="3123264" y="3812308"/>
+            <a:ext cx="3507571" cy="761993"/>
+          </a:xfrm>
+          <a:prstGeom prst="bentConnector2">
+            <a:avLst/>
+          </a:prstGeom>
+        </p:spPr>
+        <p:style>
+          <a:lnRef idx="1">
+            <a:schemeClr val="dk1"/>
+          </a:lnRef>
+          <a:fillRef idx="0">
+            <a:schemeClr val="dk1"/>
+          </a:fillRef>
+          <a:effectRef idx="0">
+            <a:schemeClr val="dk1"/>
+          </a:effectRef>
+          <a:fontRef idx="minor">
+            <a:schemeClr val="tx1"/>
+          </a:fontRef>
+        </p:style>
+      </p:cxnSp>
+      <p:cxnSp>
+        <p:nvCxnSpPr>
+          <p:cNvPr id="99" name="Shape 98"/>
+          <p:cNvCxnSpPr>
+            <a:stCxn id="14" idx="2"/>
+            <a:endCxn id="22" idx="1"/>
+          </p:cNvCxnSpPr>
+          <p:nvPr/>
+        </p:nvCxnSpPr>
+        <p:spPr>
+          <a:xfrm rot="16200000" flipH="1">
+            <a:off x="4366686" y="2568886"/>
+            <a:ext cx="1020726" cy="761993"/>
+          </a:xfrm>
+          <a:prstGeom prst="bentConnector2">
+            <a:avLst/>
+          </a:prstGeom>
+        </p:spPr>
+        <p:style>
+          <a:lnRef idx="1">
+            <a:schemeClr val="dk1"/>
+          </a:lnRef>
+          <a:fillRef idx="0">
+            <a:schemeClr val="dk1"/>
+          </a:fillRef>
+          <a:effectRef idx="0">
+            <a:schemeClr val="dk1"/>
+          </a:effectRef>
+          <a:fontRef idx="minor">
+            <a:schemeClr val="tx1"/>
+          </a:fontRef>
+        </p:style>
+      </p:cxnSp>
+      <p:sp>
+        <p:nvSpPr>
+          <p:cNvPr id="133" name="Стрелка вправо 132"/>
+          <p:cNvSpPr/>
+          <p:nvPr/>
+        </p:nvSpPr>
+        <p:spPr>
+          <a:xfrm>
+            <a:off x="2674835" y="4153254"/>
+            <a:ext cx="734937" cy="598207"/>
+          </a:xfrm>
+          <a:prstGeom prst="rightArrow">
+            <a:avLst/>
+          </a:prstGeom>
+          <a:solidFill>
+            <a:schemeClr val="accent2">
+              <a:lumMod val="50000"/>
+            </a:schemeClr>
+          </a:solidFill>
+          <a:ln>
+            <a:noFill/>
+          </a:ln>
+        </p:spPr>
+        <p:style>
+          <a:lnRef idx="2">
+            <a:schemeClr val="accent1">
+              <a:shade val="50000"/>
+            </a:schemeClr>
+          </a:lnRef>
+          <a:fillRef idx="1">
+            <a:schemeClr val="accent1"/>
+          </a:fillRef>
+          <a:effectRef idx="0">
+            <a:schemeClr val="accent1"/>
+          </a:effectRef>
+          <a:fontRef idx="minor">
+            <a:schemeClr val="lt1"/>
+          </a:fontRef>
+        </p:style>
+        <p:txBody>
+          <a:bodyPr rtlCol="0" anchor="ctr"/>
+          <a:lstStyle/>
+          <a:p>
+            <a:pPr algn="ctr"/>
+            <a:endParaRPr lang="ru-RU"/>
+          </a:p>
+        </p:txBody>
+      </p:sp>
+      <p:sp>
+        <p:nvSpPr>
+          <p:cNvPr id="135" name="Стрелка вправо 134"/>
+          <p:cNvSpPr/>
+          <p:nvPr/>
+        </p:nvSpPr>
+        <p:spPr>
+          <a:xfrm rot="16200000">
+            <a:off x="9990033" y="4930923"/>
+            <a:ext cx="538385" cy="658026"/>
+          </a:xfrm>
+          <a:prstGeom prst="rightArrow">
+            <a:avLst/>
+          </a:prstGeom>
+          <a:solidFill>
+            <a:srgbClr val="C00000"/>
+          </a:solidFill>
+          <a:ln>
+            <a:noFill/>
+          </a:ln>
+        </p:spPr>
+        <p:style>
+          <a:lnRef idx="2">
+            <a:schemeClr val="accent1">
+              <a:shade val="50000"/>
+            </a:schemeClr>
+          </a:lnRef>
+          <a:fillRef idx="1">
+            <a:schemeClr val="accent1"/>
+          </a:fillRef>
+          <a:effectRef idx="0">
+            <a:schemeClr val="accent1"/>
+          </a:effectRef>
+          <a:fontRef idx="minor">
+            <a:schemeClr val="lt1"/>
+          </a:fontRef>
+        </p:style>
+        <p:txBody>
+          <a:bodyPr rtlCol="0" anchor="ctr"/>
+          <a:lstStyle/>
+          <a:p>
+            <a:pPr algn="ctr"/>
+            <a:endParaRPr lang="ru-RU"/>
+          </a:p>
+        </p:txBody>
+      </p:sp>
     </p:spTree>
     <p:extLst>
       <p:ext uri="{BB962C8B-B14F-4D97-AF65-F5344CB8AC3E}">
-        <p14:creationId xmlns:p14="http://schemas.microsoft.com/office/powerpoint/2010/main" val="4245737174"/>
+        <p14:creationId xmlns="" xmlns:p14="http://schemas.microsoft.com/office/powerpoint/2010/main" val="4245737174"/>
       </p:ext>
     </p:extLst>
   </p:cSld>
@@ -4812,10 +5649,59 @@
       </p:grpSpPr>
       <p:sp>
         <p:nvSpPr>
+          <p:cNvPr id="13" name="Прямоугольник 12"/>
+          <p:cNvSpPr/>
+          <p:nvPr/>
+        </p:nvSpPr>
+        <p:spPr>
+          <a:xfrm>
+            <a:off x="4512203" y="1982623"/>
+            <a:ext cx="5238573" cy="3871245"/>
+          </a:xfrm>
+          <a:prstGeom prst="rect">
+            <a:avLst/>
+          </a:prstGeom>
+          <a:solidFill>
+            <a:schemeClr val="accent1">
+              <a:lumMod val="20000"/>
+              <a:lumOff val="80000"/>
+            </a:schemeClr>
+          </a:solidFill>
+          <a:ln>
+            <a:noFill/>
+          </a:ln>
+        </p:spPr>
+        <p:style>
+          <a:lnRef idx="2">
+            <a:schemeClr val="accent1">
+              <a:shade val="50000"/>
+            </a:schemeClr>
+          </a:lnRef>
+          <a:fillRef idx="1">
+            <a:schemeClr val="accent1"/>
+          </a:fillRef>
+          <a:effectRef idx="0">
+            <a:schemeClr val="accent1"/>
+          </a:effectRef>
+          <a:fontRef idx="minor">
+            <a:schemeClr val="lt1"/>
+          </a:fontRef>
+        </p:style>
+        <p:txBody>
+          <a:bodyPr rtlCol="0" anchor="ctr"/>
+          <a:lstStyle/>
+          <a:p>
+            <a:pPr algn="ctr"/>
+            <a:endParaRPr lang="ru-RU"/>
+          </a:p>
+        </p:txBody>
+      </p:sp>
+      <p:sp>
+        <p:nvSpPr>
           <p:cNvPr id="2" name="Заголовок 1">
             <a:extLst>
               <a:ext uri="{FF2B5EF4-FFF2-40B4-BE49-F238E27FC236}">
-                <a16:creationId xmlns:a16="http://schemas.microsoft.com/office/drawing/2014/main" id="{6D0276C4-B952-4EF1-B028-C63BEBA7C75C}"/>
+                <a16:creationId xmlns="" xmlns:a16="http://schemas.microsoft.com/office/drawing/2014/main" id="{6D0276C4-B952-4EF1-B028-C63BEBA7C75C}"/>
               </a:ext>
             </a:extLst>
           </p:cNvPr>
@@ -4827,6 +5713,10 @@
           </p:nvPr>
         </p:nvSpPr>
         <p:spPr>
+          <a:xfrm>
+            <a:off x="838200" y="211297"/>
+            <a:ext cx="10515600" cy="1325563"/>
+          </a:xfrm>
           <a:solidFill>
             <a:schemeClr val="accent6">
               <a:lumMod val="40000"/>
@@ -4845,6 +5735,12 @@
               </a:rPr>
               <a:t>GameEngine</a:t>
             </a:r>
+            <a:r>
+              <a:rPr lang="en-US" dirty="0">
+                <a:latin typeface="Arial Black" panose="020B0A04020102020204" pitchFamily="34" charset="0"/>
+              </a:rPr>
+              <a:t/>
+            </a:r>
             <a:br>
               <a:rPr lang="en-US" dirty="0">
                 <a:latin typeface="Arial Black" panose="020B0A04020102020204" pitchFamily="34" charset="0"/>
@@ -4868,7 +5764,7 @@
             <a:hlinkClick r:id="rId2" action="ppaction://hlinksldjump"/>
             <a:extLst>
               <a:ext uri="{FF2B5EF4-FFF2-40B4-BE49-F238E27FC236}">
-                <a16:creationId xmlns:a16="http://schemas.microsoft.com/office/drawing/2014/main" id="{DE1B529A-F356-4048-9054-D7179BFB8A44}"/>
+                <a16:creationId xmlns="" xmlns:a16="http://schemas.microsoft.com/office/drawing/2014/main" id="{DE1B529A-F356-4048-9054-D7179BFB8A44}"/>
               </a:ext>
             </a:extLst>
           </p:cNvPr>
@@ -4877,7 +5773,7 @@
         </p:nvSpPr>
         <p:spPr>
           <a:xfrm>
-            <a:off x="5320985" y="2134870"/>
+            <a:off x="6175585" y="2869809"/>
             <a:ext cx="1715429" cy="506102"/>
           </a:xfrm>
           <a:prstGeom prst="rect">
@@ -4942,7 +5838,7 @@
           <p:cNvPr id="6" name="Прямоугольник 5">
             <a:extLst>
               <a:ext uri="{FF2B5EF4-FFF2-40B4-BE49-F238E27FC236}">
-                <a16:creationId xmlns:a16="http://schemas.microsoft.com/office/drawing/2014/main" id="{75D4F9B2-43D9-4216-A493-69E415D2C36A}"/>
+                <a16:creationId xmlns="" xmlns:a16="http://schemas.microsoft.com/office/drawing/2014/main" id="{75D4F9B2-43D9-4216-A493-69E415D2C36A}"/>
               </a:ext>
             </a:extLst>
           </p:cNvPr>
@@ -4951,7 +5847,7 @@
         </p:nvSpPr>
         <p:spPr>
           <a:xfrm>
-            <a:off x="5320986" y="2723745"/>
+            <a:off x="6184132" y="4099623"/>
             <a:ext cx="1715429" cy="506102"/>
           </a:xfrm>
           <a:prstGeom prst="rect">
@@ -5018,7 +5914,7 @@
           <p:cNvPr id="7" name="Прямоугольник 6">
             <a:extLst>
               <a:ext uri="{FF2B5EF4-FFF2-40B4-BE49-F238E27FC236}">
-                <a16:creationId xmlns:a16="http://schemas.microsoft.com/office/drawing/2014/main" id="{27350FE6-DFB5-4892-8CB1-E1BC00CA6D1C}"/>
+                <a16:creationId xmlns="" xmlns:a16="http://schemas.microsoft.com/office/drawing/2014/main" id="{27350FE6-DFB5-4892-8CB1-E1BC00CA6D1C}"/>
               </a:ext>
             </a:extLst>
           </p:cNvPr>
@@ -5027,7 +5923,7 @@
         </p:nvSpPr>
         <p:spPr>
           <a:xfrm>
-            <a:off x="5320985" y="3294887"/>
+            <a:off x="6175586" y="3491445"/>
             <a:ext cx="1715429" cy="506102"/>
           </a:xfrm>
           <a:prstGeom prst="rect">
@@ -5084,7 +5980,7 @@
           <p:cNvPr id="8" name="Прямоугольник 7">
             <a:extLst>
               <a:ext uri="{FF2B5EF4-FFF2-40B4-BE49-F238E27FC236}">
-                <a16:creationId xmlns:a16="http://schemas.microsoft.com/office/drawing/2014/main" id="{727D7B3D-D82E-4A6D-BA31-AC793D2B6017}"/>
+                <a16:creationId xmlns="" xmlns:a16="http://schemas.microsoft.com/office/drawing/2014/main" id="{727D7B3D-D82E-4A6D-BA31-AC793D2B6017}"/>
               </a:ext>
             </a:extLst>
           </p:cNvPr>
@@ -5093,7 +5989,7 @@
         </p:nvSpPr>
         <p:spPr>
           <a:xfrm>
-            <a:off x="5320985" y="3883762"/>
+            <a:off x="6175586" y="2251516"/>
             <a:ext cx="1715429" cy="506102"/>
           </a:xfrm>
           <a:prstGeom prst="rect">
@@ -5157,7 +6053,7 @@
           <p:cNvPr id="9" name="Прямоугольник 8">
             <a:extLst>
               <a:ext uri="{FF2B5EF4-FFF2-40B4-BE49-F238E27FC236}">
-                <a16:creationId xmlns:a16="http://schemas.microsoft.com/office/drawing/2014/main" id="{C77EB2EF-EA03-4CB7-AF19-70F79577EFC9}"/>
+                <a16:creationId xmlns="" xmlns:a16="http://schemas.microsoft.com/office/drawing/2014/main" id="{C77EB2EF-EA03-4CB7-AF19-70F79577EFC9}"/>
               </a:ext>
             </a:extLst>
           </p:cNvPr>
@@ -5166,7 +6062,7 @@
         </p:nvSpPr>
         <p:spPr>
           <a:xfrm>
-            <a:off x="5320984" y="4472637"/>
+            <a:off x="6192676" y="4711924"/>
             <a:ext cx="1715429" cy="506102"/>
           </a:xfrm>
           <a:prstGeom prst="rect">
@@ -5227,10 +6123,337 @@
           </a:p>
         </p:txBody>
       </p:sp>
+      <p:sp>
+        <p:nvSpPr>
+          <p:cNvPr id="10" name="Прямоугольник 9">
+            <a:extLst>
+              <a:ext uri="{FF2B5EF4-FFF2-40B4-BE49-F238E27FC236}">
+                <a16:creationId xmlns="" xmlns:a16="http://schemas.microsoft.com/office/drawing/2014/main" id="{E79CB2BE-8629-4D1E-B9E8-6F7A717C5DC8}"/>
+              </a:ext>
+            </a:extLst>
+          </p:cNvPr>
+          <p:cNvSpPr/>
+          <p:nvPr/>
+        </p:nvSpPr>
+        <p:spPr>
+          <a:xfrm>
+            <a:off x="1606993" y="1685150"/>
+            <a:ext cx="1715429" cy="506102"/>
+          </a:xfrm>
+          <a:prstGeom prst="rect">
+            <a:avLst/>
+          </a:prstGeom>
+          <a:solidFill>
+            <a:srgbClr val="00B050"/>
+          </a:solidFill>
+          <a:ln>
+            <a:solidFill>
+              <a:schemeClr val="tx1"/>
+            </a:solidFill>
+          </a:ln>
+        </p:spPr>
+        <p:style>
+          <a:lnRef idx="2">
+            <a:schemeClr val="accent1">
+              <a:shade val="50000"/>
+            </a:schemeClr>
+          </a:lnRef>
+          <a:fillRef idx="1">
+            <a:schemeClr val="accent1"/>
+          </a:fillRef>
+          <a:effectRef idx="0">
+            <a:schemeClr val="accent1"/>
+          </a:effectRef>
+          <a:fontRef idx="minor">
+            <a:schemeClr val="lt1"/>
+          </a:fontRef>
+        </p:style>
+        <p:txBody>
+          <a:bodyPr rtlCol="0" anchor="ctr"/>
+          <a:lstStyle/>
+          <a:p>
+            <a:pPr algn="ctr"/>
+            <a:r>
+              <a:rPr lang="en-US" dirty="0" err="1">
+                <a:solidFill>
+                  <a:schemeClr val="tx1">
+                    <a:lumMod val="85000"/>
+                    <a:lumOff val="15000"/>
+                  </a:schemeClr>
+                </a:solidFill>
+                <a:latin typeface="Arial Black" panose="020B0A04020102020204" pitchFamily="34" charset="0"/>
+              </a:rPr>
+              <a:t>src</a:t>
+            </a:r>
+            <a:endParaRPr lang="ru-RU" dirty="0">
+              <a:solidFill>
+                <a:schemeClr val="tx1">
+                  <a:lumMod val="85000"/>
+                  <a:lumOff val="15000"/>
+                </a:schemeClr>
+              </a:solidFill>
+              <a:latin typeface="Arial Black" panose="020B0A04020102020204" pitchFamily="34" charset="0"/>
+            </a:endParaRPr>
+          </a:p>
+        </p:txBody>
+      </p:sp>
+      <p:sp>
+        <p:nvSpPr>
+          <p:cNvPr id="11" name="Прямоугольник 10">
+            <a:extLst>
+              <a:ext uri="{FF2B5EF4-FFF2-40B4-BE49-F238E27FC236}">
+                <a16:creationId xmlns="" xmlns:a16="http://schemas.microsoft.com/office/drawing/2014/main" id="{DFB9772E-2BFA-483B-818F-C33234270CE5}"/>
+              </a:ext>
+            </a:extLst>
+          </p:cNvPr>
+          <p:cNvSpPr/>
+          <p:nvPr/>
+        </p:nvSpPr>
+        <p:spPr>
+          <a:xfrm>
+            <a:off x="1606395" y="2354020"/>
+            <a:ext cx="1715429" cy="506102"/>
+          </a:xfrm>
+          <a:prstGeom prst="rect">
+            <a:avLst/>
+          </a:prstGeom>
+          <a:solidFill>
+            <a:schemeClr val="accent3">
+              <a:lumMod val="40000"/>
+              <a:lumOff val="60000"/>
+            </a:schemeClr>
+          </a:solidFill>
+          <a:ln>
+            <a:solidFill>
+              <a:schemeClr val="tx1"/>
+            </a:solidFill>
+          </a:ln>
+        </p:spPr>
+        <p:style>
+          <a:lnRef idx="2">
+            <a:schemeClr val="accent1">
+              <a:shade val="50000"/>
+            </a:schemeClr>
+          </a:lnRef>
+          <a:fillRef idx="1">
+            <a:schemeClr val="accent1"/>
+          </a:fillRef>
+          <a:effectRef idx="0">
+            <a:schemeClr val="accent1"/>
+          </a:effectRef>
+          <a:fontRef idx="minor">
+            <a:schemeClr val="lt1"/>
+          </a:fontRef>
+        </p:style>
+        <p:txBody>
+          <a:bodyPr rtlCol="0" anchor="ctr"/>
+          <a:lstStyle/>
+          <a:p>
+            <a:pPr algn="ctr"/>
+            <a:r>
+              <a:rPr lang="en-US" dirty="0">
+                <a:solidFill>
+                  <a:schemeClr val="tx1">
+                    <a:lumMod val="85000"/>
+                    <a:lumOff val="15000"/>
+                  </a:schemeClr>
+                </a:solidFill>
+                <a:latin typeface="Arial Black" panose="020B0A04020102020204" pitchFamily="34" charset="0"/>
+              </a:rPr>
+              <a:t>main</a:t>
+            </a:r>
+            <a:endParaRPr lang="ru-RU" dirty="0">
+              <a:solidFill>
+                <a:schemeClr val="tx1">
+                  <a:lumMod val="85000"/>
+                  <a:lumOff val="15000"/>
+                </a:schemeClr>
+              </a:solidFill>
+              <a:latin typeface="Arial Black" panose="020B0A04020102020204" pitchFamily="34" charset="0"/>
+            </a:endParaRPr>
+          </a:p>
+        </p:txBody>
+      </p:sp>
+      <p:sp>
+        <p:nvSpPr>
+          <p:cNvPr id="12" name="Прямоугольник 11">
+            <a:extLst>
+              <a:ext uri="{FF2B5EF4-FFF2-40B4-BE49-F238E27FC236}">
+                <a16:creationId xmlns="" xmlns:a16="http://schemas.microsoft.com/office/drawing/2014/main" id="{5FEE778C-1983-4845-A99E-60E7B1BD2F5E}"/>
+              </a:ext>
+            </a:extLst>
+          </p:cNvPr>
+          <p:cNvSpPr/>
+          <p:nvPr/>
+        </p:nvSpPr>
+        <p:spPr>
+          <a:xfrm>
+            <a:off x="1606397" y="3025009"/>
+            <a:ext cx="1715429" cy="506102"/>
+          </a:xfrm>
+          <a:prstGeom prst="rect">
+            <a:avLst/>
+          </a:prstGeom>
+          <a:solidFill>
+            <a:schemeClr val="accent3">
+              <a:lumMod val="40000"/>
+              <a:lumOff val="60000"/>
+            </a:schemeClr>
+          </a:solidFill>
+          <a:ln>
+            <a:solidFill>
+              <a:schemeClr val="tx1"/>
+            </a:solidFill>
+          </a:ln>
+        </p:spPr>
+        <p:style>
+          <a:lnRef idx="2">
+            <a:schemeClr val="accent1">
+              <a:shade val="50000"/>
+            </a:schemeClr>
+          </a:lnRef>
+          <a:fillRef idx="1">
+            <a:schemeClr val="accent1"/>
+          </a:fillRef>
+          <a:effectRef idx="0">
+            <a:schemeClr val="accent1"/>
+          </a:effectRef>
+          <a:fontRef idx="minor">
+            <a:schemeClr val="lt1"/>
+          </a:fontRef>
+        </p:style>
+        <p:txBody>
+          <a:bodyPr rtlCol="0" anchor="ctr"/>
+          <a:lstStyle/>
+          <a:p>
+            <a:pPr algn="ctr"/>
+            <a:r>
+              <a:rPr lang="en-US" dirty="0">
+                <a:solidFill>
+                  <a:schemeClr val="tx1">
+                    <a:lumMod val="85000"/>
+                    <a:lumOff val="15000"/>
+                  </a:schemeClr>
+                </a:solidFill>
+                <a:latin typeface="Arial Black" panose="020B0A04020102020204" pitchFamily="34" charset="0"/>
+              </a:rPr>
+              <a:t>java</a:t>
+            </a:r>
+            <a:endParaRPr lang="ru-RU" dirty="0">
+              <a:solidFill>
+                <a:schemeClr val="tx1">
+                  <a:lumMod val="85000"/>
+                  <a:lumOff val="15000"/>
+                </a:schemeClr>
+              </a:solidFill>
+              <a:latin typeface="Arial Black" panose="020B0A04020102020204" pitchFamily="34" charset="0"/>
+            </a:endParaRPr>
+          </a:p>
+        </p:txBody>
+      </p:sp>
+      <p:cxnSp>
+        <p:nvCxnSpPr>
+          <p:cNvPr id="15" name="Прямая соединительная линия 14"/>
+          <p:cNvCxnSpPr>
+            <a:stCxn id="10" idx="2"/>
+            <a:endCxn id="11" idx="0"/>
+          </p:cNvCxnSpPr>
+          <p:nvPr/>
+        </p:nvCxnSpPr>
+        <p:spPr>
+          <a:xfrm rot="5400000">
+            <a:off x="2383025" y="2272337"/>
+            <a:ext cx="162768" cy="598"/>
+          </a:xfrm>
+          <a:prstGeom prst="line">
+            <a:avLst/>
+          </a:prstGeom>
+        </p:spPr>
+        <p:style>
+          <a:lnRef idx="1">
+            <a:schemeClr val="accent1"/>
+          </a:lnRef>
+          <a:fillRef idx="0">
+            <a:schemeClr val="accent1"/>
+          </a:fillRef>
+          <a:effectRef idx="0">
+            <a:schemeClr val="accent1"/>
+          </a:effectRef>
+          <a:fontRef idx="minor">
+            <a:schemeClr val="tx1"/>
+          </a:fontRef>
+        </p:style>
+      </p:cxnSp>
+      <p:cxnSp>
+        <p:nvCxnSpPr>
+          <p:cNvPr id="17" name="Прямая соединительная линия 16"/>
+          <p:cNvCxnSpPr>
+            <a:stCxn id="11" idx="2"/>
+            <a:endCxn id="12" idx="0"/>
+          </p:cNvCxnSpPr>
+          <p:nvPr/>
+        </p:nvCxnSpPr>
+        <p:spPr>
+          <a:xfrm rot="16200000" flipH="1">
+            <a:off x="2381668" y="2942564"/>
+            <a:ext cx="164887" cy="2"/>
+          </a:xfrm>
+          <a:prstGeom prst="line">
+            <a:avLst/>
+          </a:prstGeom>
+        </p:spPr>
+        <p:style>
+          <a:lnRef idx="1">
+            <a:schemeClr val="accent1"/>
+          </a:lnRef>
+          <a:fillRef idx="0">
+            <a:schemeClr val="accent1"/>
+          </a:fillRef>
+          <a:effectRef idx="0">
+            <a:schemeClr val="accent1"/>
+          </a:effectRef>
+          <a:fontRef idx="minor">
+            <a:schemeClr val="tx1"/>
+          </a:fontRef>
+        </p:style>
+      </p:cxnSp>
+      <p:cxnSp>
+        <p:nvCxnSpPr>
+          <p:cNvPr id="19" name="Shape 18"/>
+          <p:cNvCxnSpPr>
+            <a:stCxn id="12" idx="2"/>
+            <a:endCxn id="13" idx="1"/>
+          </p:cNvCxnSpPr>
+          <p:nvPr/>
+        </p:nvCxnSpPr>
+        <p:spPr>
+          <a:xfrm rot="16200000" flipH="1">
+            <a:off x="3294590" y="2700632"/>
+            <a:ext cx="387135" cy="2048091"/>
+          </a:xfrm>
+          <a:prstGeom prst="bentConnector2">
+            <a:avLst/>
+          </a:prstGeom>
+        </p:spPr>
+        <p:style>
+          <a:lnRef idx="1">
+            <a:schemeClr val="accent1"/>
+          </a:lnRef>
+          <a:fillRef idx="0">
+            <a:schemeClr val="accent1"/>
+          </a:fillRef>
+          <a:effectRef idx="0">
+            <a:schemeClr val="accent1"/>
+          </a:effectRef>
+          <a:fontRef idx="minor">
+            <a:schemeClr val="tx1"/>
+          </a:fontRef>
+        </p:style>
+      </p:cxnSp>
     </p:spTree>
     <p:extLst>
       <p:ext uri="{BB962C8B-B14F-4D97-AF65-F5344CB8AC3E}">
-        <p14:creationId xmlns:p14="http://schemas.microsoft.com/office/powerpoint/2010/main" val="482030459"/>
+        <p14:creationId xmlns="" xmlns:p14="http://schemas.microsoft.com/office/powerpoint/2010/main" val="482030459"/>
       </p:ext>
     </p:extLst>
   </p:cSld>
@@ -5259,10 +6482,10 @@
       </p:grpSpPr>
       <p:sp>
         <p:nvSpPr>
-          <p:cNvPr id="2" name="Заголовок 1">
-            <a:extLst>
-              <a:ext uri="{FF2B5EF4-FFF2-40B4-BE49-F238E27FC236}">
-                <a16:creationId xmlns:a16="http://schemas.microsoft.com/office/drawing/2014/main" id="{59BC2FE7-E69F-4CE3-8D3D-E4457682056A}"/>
+          <p:cNvPr id="4" name="Заголовок 1">
+            <a:extLst>
+              <a:ext uri="{FF2B5EF4-FFF2-40B4-BE49-F238E27FC236}">
+                <a16:creationId xmlns="" xmlns:a16="http://schemas.microsoft.com/office/drawing/2014/main" id="{6E667686-5DEB-465C-B7AD-289CD85D4E40}"/>
               </a:ext>
             </a:extLst>
           </p:cNvPr>
@@ -5274,9 +6497,16 @@
           </p:nvPr>
         </p:nvSpPr>
         <p:spPr>
+          <a:xfrm>
+            <a:off x="838200" y="211297"/>
+            <a:ext cx="10515600" cy="1325563"/>
+          </a:xfrm>
           <a:solidFill>
-            <a:schemeClr val="accent2"/>
+            <a:srgbClr val="92D050"/>
           </a:solidFill>
+          <a:ln>
+            <a:noFill/>
+          </a:ln>
         </p:spPr>
         <p:txBody>
           <a:bodyPr/>
@@ -5287,13 +6517,19 @@
               <a:rPr lang="en-US" dirty="0">
                 <a:latin typeface="Arial Black" panose="020B0A04020102020204" pitchFamily="34" charset="0"/>
               </a:rPr>
-              <a:t>Engine</a:t>
+              <a:t>Game</a:t>
             </a:r>
             <a:r>
               <a:rPr lang="ru-RU" dirty="0">
                 <a:latin typeface="Arial Black" panose="020B0A04020102020204" pitchFamily="34" charset="0"/>
               </a:rPr>
               <a:t> </a:t>
+            </a:r>
+            <a:r>
+              <a:rPr lang="en-US" dirty="0">
+                <a:latin typeface="Arial Black" panose="020B0A04020102020204" pitchFamily="34" charset="0"/>
+              </a:rPr>
+              <a:t/>
             </a:r>
             <a:br>
               <a:rPr lang="en-US" dirty="0">
@@ -5314,10 +6550,10 @@
       </p:sp>
       <p:sp>
         <p:nvSpPr>
-          <p:cNvPr id="4" name="Прямоугольник 3">
-            <a:extLst>
-              <a:ext uri="{FF2B5EF4-FFF2-40B4-BE49-F238E27FC236}">
-                <a16:creationId xmlns:a16="http://schemas.microsoft.com/office/drawing/2014/main" id="{6F7CDE94-569E-4CFC-B399-CF07734A5F67}"/>
+          <p:cNvPr id="5" name="Прямоугольник 4">
+            <a:extLst>
+              <a:ext uri="{FF2B5EF4-FFF2-40B4-BE49-F238E27FC236}">
+                <a16:creationId xmlns="" xmlns:a16="http://schemas.microsoft.com/office/drawing/2014/main" id="{2E9E7EB6-23EA-422D-8A87-261A5B546FAF}"/>
               </a:ext>
             </a:extLst>
           </p:cNvPr>
@@ -5326,7 +6562,7 @@
         </p:nvSpPr>
         <p:spPr>
           <a:xfrm>
-            <a:off x="819612" y="2001589"/>
+            <a:off x="5451935" y="2972015"/>
             <a:ext cx="1715429" cy="506102"/>
           </a:xfrm>
           <a:prstGeom prst="rect">
@@ -5367,7 +6603,7 @@
                 </a:solidFill>
                 <a:latin typeface="Arial Black" panose="020B0A04020102020204" pitchFamily="34" charset="0"/>
               </a:rPr>
-              <a:t>core</a:t>
+              <a:t>main</a:t>
             </a:r>
             <a:endParaRPr lang="ru-RU" dirty="0">
               <a:solidFill>
@@ -5385,7 +6621,7 @@
           <p:cNvPr id="6" name="Прямоугольник 5">
             <a:extLst>
               <a:ext uri="{FF2B5EF4-FFF2-40B4-BE49-F238E27FC236}">
-                <a16:creationId xmlns:a16="http://schemas.microsoft.com/office/drawing/2014/main" id="{8856BDED-75D1-4782-8D21-2D86B8618D12}"/>
+                <a16:creationId xmlns="" xmlns:a16="http://schemas.microsoft.com/office/drawing/2014/main" id="{2571DAD6-E29A-4955-9095-603D10D78E49}"/>
               </a:ext>
             </a:extLst>
           </p:cNvPr>
@@ -5394,18 +6630,600 @@
         </p:nvSpPr>
         <p:spPr>
           <a:xfrm>
-            <a:off x="2583363" y="2001589"/>
+            <a:off x="3407544" y="2972015"/>
             <a:ext cx="1715429" cy="506102"/>
           </a:xfrm>
           <a:prstGeom prst="rect">
             <a:avLst/>
           </a:prstGeom>
+          <a:noFill/>
+          <a:ln>
+            <a:prstDash val="dash"/>
+          </a:ln>
+        </p:spPr>
+        <p:style>
+          <a:lnRef idx="2">
+            <a:schemeClr val="accent1">
+              <a:shade val="50000"/>
+            </a:schemeClr>
+          </a:lnRef>
+          <a:fillRef idx="1">
+            <a:schemeClr val="accent1"/>
+          </a:fillRef>
+          <a:effectRef idx="0">
+            <a:schemeClr val="accent1"/>
+          </a:effectRef>
+          <a:fontRef idx="minor">
+            <a:schemeClr val="lt1"/>
+          </a:fontRef>
+        </p:style>
+        <p:txBody>
+          <a:bodyPr rtlCol="0" anchor="ctr"/>
+          <a:lstStyle/>
+          <a:p>
+            <a:pPr algn="ctr"/>
+            <a:r>
+              <a:rPr lang="en-US" sz="1600" dirty="0">
+                <a:solidFill>
+                  <a:schemeClr val="tx1">
+                    <a:lumMod val="85000"/>
+                    <a:lumOff val="15000"/>
+                  </a:schemeClr>
+                </a:solidFill>
+                <a:latin typeface="Arial Black" panose="020B0A04020102020204" pitchFamily="34" charset="0"/>
+              </a:rPr>
+              <a:t>your package</a:t>
+            </a:r>
+            <a:endParaRPr lang="ru-RU" sz="1600" dirty="0">
+              <a:solidFill>
+                <a:schemeClr val="tx1">
+                  <a:lumMod val="85000"/>
+                  <a:lumOff val="15000"/>
+                </a:schemeClr>
+              </a:solidFill>
+            </a:endParaRPr>
+          </a:p>
+        </p:txBody>
+      </p:sp>
+      <p:sp>
+        <p:nvSpPr>
+          <p:cNvPr id="9" name="Прямоугольник 8">
+            <a:extLst>
+              <a:ext uri="{FF2B5EF4-FFF2-40B4-BE49-F238E27FC236}">
+                <a16:creationId xmlns="" xmlns:a16="http://schemas.microsoft.com/office/drawing/2014/main" id="{DA352DD2-D50E-44B9-9660-5BFDB3ED136F}"/>
+              </a:ext>
+            </a:extLst>
+          </p:cNvPr>
+          <p:cNvSpPr/>
+          <p:nvPr/>
+        </p:nvSpPr>
+        <p:spPr>
+          <a:xfrm>
+            <a:off x="1363153" y="2972015"/>
+            <a:ext cx="1715429" cy="506102"/>
+          </a:xfrm>
+          <a:prstGeom prst="rect">
+            <a:avLst/>
+          </a:prstGeom>
+          <a:noFill/>
+          <a:ln>
+            <a:prstDash val="dash"/>
+          </a:ln>
+        </p:spPr>
+        <p:style>
+          <a:lnRef idx="2">
+            <a:schemeClr val="accent1">
+              <a:shade val="50000"/>
+            </a:schemeClr>
+          </a:lnRef>
+          <a:fillRef idx="1">
+            <a:schemeClr val="accent1"/>
+          </a:fillRef>
+          <a:effectRef idx="0">
+            <a:schemeClr val="accent1"/>
+          </a:effectRef>
+          <a:fontRef idx="minor">
+            <a:schemeClr val="lt1"/>
+          </a:fontRef>
+        </p:style>
+        <p:txBody>
+          <a:bodyPr rtlCol="0" anchor="ctr"/>
+          <a:lstStyle/>
+          <a:p>
+            <a:pPr algn="ctr"/>
+            <a:r>
+              <a:rPr lang="en-US" sz="1600" dirty="0">
+                <a:solidFill>
+                  <a:schemeClr val="tx1">
+                    <a:lumMod val="85000"/>
+                    <a:lumOff val="15000"/>
+                  </a:schemeClr>
+                </a:solidFill>
+                <a:latin typeface="Arial Black" panose="020B0A04020102020204" pitchFamily="34" charset="0"/>
+              </a:rPr>
+              <a:t>your package</a:t>
+            </a:r>
+            <a:endParaRPr lang="ru-RU" sz="1600" dirty="0">
+              <a:solidFill>
+                <a:schemeClr val="tx1">
+                  <a:lumMod val="85000"/>
+                  <a:lumOff val="15000"/>
+                </a:schemeClr>
+              </a:solidFill>
+            </a:endParaRPr>
+          </a:p>
+        </p:txBody>
+      </p:sp>
+      <p:sp>
+        <p:nvSpPr>
+          <p:cNvPr id="10" name="Прямоугольник 9">
+            <a:extLst>
+              <a:ext uri="{FF2B5EF4-FFF2-40B4-BE49-F238E27FC236}">
+                <a16:creationId xmlns="" xmlns:a16="http://schemas.microsoft.com/office/drawing/2014/main" id="{2595C0EB-851A-4D1E-8473-FC9F6EF78D2F}"/>
+              </a:ext>
+            </a:extLst>
+          </p:cNvPr>
+          <p:cNvSpPr/>
+          <p:nvPr/>
+        </p:nvSpPr>
+        <p:spPr>
+          <a:xfrm>
+            <a:off x="7496326" y="2972015"/>
+            <a:ext cx="1715429" cy="506102"/>
+          </a:xfrm>
+          <a:prstGeom prst="rect">
+            <a:avLst/>
+          </a:prstGeom>
+          <a:noFill/>
+          <a:ln>
+            <a:prstDash val="dash"/>
+          </a:ln>
+        </p:spPr>
+        <p:style>
+          <a:lnRef idx="2">
+            <a:schemeClr val="accent1">
+              <a:shade val="50000"/>
+            </a:schemeClr>
+          </a:lnRef>
+          <a:fillRef idx="1">
+            <a:schemeClr val="accent1"/>
+          </a:fillRef>
+          <a:effectRef idx="0">
+            <a:schemeClr val="accent1"/>
+          </a:effectRef>
+          <a:fontRef idx="minor">
+            <a:schemeClr val="lt1"/>
+          </a:fontRef>
+        </p:style>
+        <p:txBody>
+          <a:bodyPr rtlCol="0" anchor="ctr"/>
+          <a:lstStyle/>
+          <a:p>
+            <a:pPr algn="ctr"/>
+            <a:r>
+              <a:rPr lang="en-US" sz="1600" dirty="0">
+                <a:solidFill>
+                  <a:schemeClr val="tx1">
+                    <a:lumMod val="85000"/>
+                    <a:lumOff val="15000"/>
+                  </a:schemeClr>
+                </a:solidFill>
+                <a:latin typeface="Arial Black" panose="020B0A04020102020204" pitchFamily="34" charset="0"/>
+              </a:rPr>
+              <a:t>your package</a:t>
+            </a:r>
+            <a:endParaRPr lang="ru-RU" sz="1600" dirty="0">
+              <a:solidFill>
+                <a:schemeClr val="tx1">
+                  <a:lumMod val="85000"/>
+                  <a:lumOff val="15000"/>
+                </a:schemeClr>
+              </a:solidFill>
+            </a:endParaRPr>
+          </a:p>
+        </p:txBody>
+      </p:sp>
+      <p:sp>
+        <p:nvSpPr>
+          <p:cNvPr id="11" name="Овал 10">
+            <a:extLst>
+              <a:ext uri="{FF2B5EF4-FFF2-40B4-BE49-F238E27FC236}">
+                <a16:creationId xmlns="" xmlns:a16="http://schemas.microsoft.com/office/drawing/2014/main" id="{C4134C67-D3E9-4886-BC08-FB9FE5CF7954}"/>
+              </a:ext>
+            </a:extLst>
+          </p:cNvPr>
+          <p:cNvSpPr/>
+          <p:nvPr/>
+        </p:nvSpPr>
+        <p:spPr>
+          <a:xfrm>
+            <a:off x="9408759" y="3147587"/>
+            <a:ext cx="129228" cy="129228"/>
+          </a:xfrm>
+          <a:prstGeom prst="ellipse">
+            <a:avLst/>
+          </a:prstGeom>
           <a:solidFill>
-            <a:schemeClr val="tx2">
-              <a:lumMod val="20000"/>
-              <a:lumOff val="80000"/>
+            <a:schemeClr val="bg2">
+              <a:lumMod val="75000"/>
             </a:schemeClr>
           </a:solidFill>
+          <a:ln>
+            <a:noFill/>
+          </a:ln>
+        </p:spPr>
+        <p:style>
+          <a:lnRef idx="2">
+            <a:schemeClr val="dk1">
+              <a:shade val="50000"/>
+            </a:schemeClr>
+          </a:lnRef>
+          <a:fillRef idx="1">
+            <a:schemeClr val="dk1"/>
+          </a:fillRef>
+          <a:effectRef idx="0">
+            <a:schemeClr val="dk1"/>
+          </a:effectRef>
+          <a:fontRef idx="minor">
+            <a:schemeClr val="lt1"/>
+          </a:fontRef>
+        </p:style>
+        <p:txBody>
+          <a:bodyPr rtlCol="0" anchor="ctr"/>
+          <a:lstStyle/>
+          <a:p>
+            <a:pPr algn="ctr"/>
+            <a:endParaRPr lang="ru-RU" dirty="0"/>
+          </a:p>
+        </p:txBody>
+      </p:sp>
+      <p:sp>
+        <p:nvSpPr>
+          <p:cNvPr id="15" name="Овал 14">
+            <a:extLst>
+              <a:ext uri="{FF2B5EF4-FFF2-40B4-BE49-F238E27FC236}">
+                <a16:creationId xmlns="" xmlns:a16="http://schemas.microsoft.com/office/drawing/2014/main" id="{CAB3A388-62C3-456C-9AF6-9F9C98FE0D79}"/>
+              </a:ext>
+            </a:extLst>
+          </p:cNvPr>
+          <p:cNvSpPr/>
+          <p:nvPr/>
+        </p:nvSpPr>
+        <p:spPr>
+          <a:xfrm>
+            <a:off x="9673605" y="3147587"/>
+            <a:ext cx="129228" cy="129228"/>
+          </a:xfrm>
+          <a:prstGeom prst="ellipse">
+            <a:avLst/>
+          </a:prstGeom>
+          <a:solidFill>
+            <a:schemeClr val="bg2">
+              <a:lumMod val="75000"/>
+            </a:schemeClr>
+          </a:solidFill>
+          <a:ln>
+            <a:noFill/>
+          </a:ln>
+        </p:spPr>
+        <p:style>
+          <a:lnRef idx="2">
+            <a:schemeClr val="dk1">
+              <a:shade val="50000"/>
+            </a:schemeClr>
+          </a:lnRef>
+          <a:fillRef idx="1">
+            <a:schemeClr val="dk1"/>
+          </a:fillRef>
+          <a:effectRef idx="0">
+            <a:schemeClr val="dk1"/>
+          </a:effectRef>
+          <a:fontRef idx="minor">
+            <a:schemeClr val="lt1"/>
+          </a:fontRef>
+        </p:style>
+        <p:txBody>
+          <a:bodyPr rtlCol="0" anchor="ctr"/>
+          <a:lstStyle/>
+          <a:p>
+            <a:pPr algn="ctr"/>
+            <a:endParaRPr lang="ru-RU" dirty="0"/>
+          </a:p>
+        </p:txBody>
+      </p:sp>
+      <p:sp>
+        <p:nvSpPr>
+          <p:cNvPr id="16" name="Овал 15">
+            <a:extLst>
+              <a:ext uri="{FF2B5EF4-FFF2-40B4-BE49-F238E27FC236}">
+                <a16:creationId xmlns="" xmlns:a16="http://schemas.microsoft.com/office/drawing/2014/main" id="{CC245BD4-FADF-42A2-A980-4068DDB9C93D}"/>
+              </a:ext>
+            </a:extLst>
+          </p:cNvPr>
+          <p:cNvSpPr/>
+          <p:nvPr/>
+        </p:nvSpPr>
+        <p:spPr>
+          <a:xfrm>
+            <a:off x="9938451" y="3147587"/>
+            <a:ext cx="129228" cy="129228"/>
+          </a:xfrm>
+          <a:prstGeom prst="ellipse">
+            <a:avLst/>
+          </a:prstGeom>
+          <a:solidFill>
+            <a:schemeClr val="bg2">
+              <a:lumMod val="75000"/>
+            </a:schemeClr>
+          </a:solidFill>
+          <a:ln>
+            <a:noFill/>
+          </a:ln>
+        </p:spPr>
+        <p:style>
+          <a:lnRef idx="2">
+            <a:schemeClr val="dk1">
+              <a:shade val="50000"/>
+            </a:schemeClr>
+          </a:lnRef>
+          <a:fillRef idx="1">
+            <a:schemeClr val="dk1"/>
+          </a:fillRef>
+          <a:effectRef idx="0">
+            <a:schemeClr val="dk1"/>
+          </a:effectRef>
+          <a:fontRef idx="minor">
+            <a:schemeClr val="lt1"/>
+          </a:fontRef>
+        </p:style>
+        <p:txBody>
+          <a:bodyPr rtlCol="0" anchor="ctr"/>
+          <a:lstStyle/>
+          <a:p>
+            <a:pPr algn="ctr"/>
+            <a:endParaRPr lang="ru-RU" dirty="0"/>
+          </a:p>
+        </p:txBody>
+      </p:sp>
+      <p:sp>
+        <p:nvSpPr>
+          <p:cNvPr id="12" name="Прямоугольник 11">
+            <a:extLst>
+              <a:ext uri="{FF2B5EF4-FFF2-40B4-BE49-F238E27FC236}">
+                <a16:creationId xmlns="" xmlns:a16="http://schemas.microsoft.com/office/drawing/2014/main" id="{DDC33760-2A06-47E2-87BA-A76CC4F810C2}"/>
+              </a:ext>
+            </a:extLst>
+          </p:cNvPr>
+          <p:cNvSpPr/>
+          <p:nvPr/>
+        </p:nvSpPr>
+        <p:spPr>
+          <a:xfrm>
+            <a:off x="5451935" y="4084301"/>
+            <a:ext cx="1715429" cy="506102"/>
+          </a:xfrm>
+          <a:prstGeom prst="rect">
+            <a:avLst/>
+          </a:prstGeom>
+          <a:noFill/>
+          <a:ln w="38100">
+            <a:solidFill>
+              <a:srgbClr val="C00000"/>
+            </a:solidFill>
+            <a:prstDash val="sysDash"/>
+          </a:ln>
+        </p:spPr>
+        <p:style>
+          <a:lnRef idx="2">
+            <a:schemeClr val="accent1">
+              <a:shade val="50000"/>
+            </a:schemeClr>
+          </a:lnRef>
+          <a:fillRef idx="1">
+            <a:schemeClr val="accent1"/>
+          </a:fillRef>
+          <a:effectRef idx="0">
+            <a:schemeClr val="accent1"/>
+          </a:effectRef>
+          <a:fontRef idx="minor">
+            <a:schemeClr val="lt1"/>
+          </a:fontRef>
+        </p:style>
+        <p:txBody>
+          <a:bodyPr rtlCol="0" anchor="ctr"/>
+          <a:lstStyle/>
+          <a:p>
+            <a:pPr algn="ctr"/>
+            <a:r>
+              <a:rPr lang="en-US" sz="1600" dirty="0">
+                <a:solidFill>
+                  <a:schemeClr val="tx1">
+                    <a:lumMod val="85000"/>
+                    <a:lumOff val="15000"/>
+                  </a:schemeClr>
+                </a:solidFill>
+                <a:latin typeface="Arial Black" panose="020B0A04020102020204" pitchFamily="34" charset="0"/>
+              </a:rPr>
+              <a:t>your main class</a:t>
+            </a:r>
+            <a:endParaRPr lang="ru-RU" sz="1600" dirty="0">
+              <a:solidFill>
+                <a:schemeClr val="tx1">
+                  <a:lumMod val="85000"/>
+                  <a:lumOff val="15000"/>
+                </a:schemeClr>
+              </a:solidFill>
+            </a:endParaRPr>
+          </a:p>
+        </p:txBody>
+      </p:sp>
+      <p:cxnSp>
+        <p:nvCxnSpPr>
+          <p:cNvPr id="13" name="Прямая соединительная линия 12">
+            <a:extLst>
+              <a:ext uri="{FF2B5EF4-FFF2-40B4-BE49-F238E27FC236}">
+                <a16:creationId xmlns="" xmlns:a16="http://schemas.microsoft.com/office/drawing/2014/main" id="{67245ACF-4FD2-48D6-8B2B-5F22BC425FF4}"/>
+              </a:ext>
+            </a:extLst>
+          </p:cNvPr>
+          <p:cNvCxnSpPr>
+            <a:stCxn id="5" idx="2"/>
+            <a:endCxn id="12" idx="0"/>
+          </p:cNvCxnSpPr>
+          <p:nvPr/>
+        </p:nvCxnSpPr>
+        <p:spPr>
+          <a:xfrm rot="5400000">
+            <a:off x="6006558" y="3781209"/>
+            <a:ext cx="606184" cy="1588"/>
+          </a:xfrm>
+          <a:prstGeom prst="line">
+            <a:avLst/>
+          </a:prstGeom>
+        </p:spPr>
+        <p:style>
+          <a:lnRef idx="1">
+            <a:schemeClr val="accent1"/>
+          </a:lnRef>
+          <a:fillRef idx="0">
+            <a:schemeClr val="accent1"/>
+          </a:fillRef>
+          <a:effectRef idx="0">
+            <a:schemeClr val="accent1"/>
+          </a:effectRef>
+          <a:fontRef idx="minor">
+            <a:schemeClr val="tx1"/>
+          </a:fontRef>
+        </p:style>
+      </p:cxnSp>
+      <p:sp>
+        <p:nvSpPr>
+          <p:cNvPr id="17" name="Прямоугольник 16">
+            <a:extLst>
+              <a:ext uri="{FF2B5EF4-FFF2-40B4-BE49-F238E27FC236}">
+                <a16:creationId xmlns="" xmlns:a16="http://schemas.microsoft.com/office/drawing/2014/main" id="{2E9E7EB6-23EA-422D-8A87-261A5B546FAF}"/>
+              </a:ext>
+            </a:extLst>
+          </p:cNvPr>
+          <p:cNvSpPr/>
+          <p:nvPr/>
+        </p:nvSpPr>
+        <p:spPr>
+          <a:xfrm>
+            <a:off x="7510048" y="4081543"/>
+            <a:ext cx="1715429" cy="506102"/>
+          </a:xfrm>
+          <a:prstGeom prst="rect">
+            <a:avLst/>
+          </a:prstGeom>
+          <a:solidFill>
+            <a:schemeClr val="bg1"/>
+          </a:solidFill>
+        </p:spPr>
+        <p:style>
+          <a:lnRef idx="2">
+            <a:schemeClr val="accent1">
+              <a:shade val="50000"/>
+            </a:schemeClr>
+          </a:lnRef>
+          <a:fillRef idx="1">
+            <a:schemeClr val="accent1"/>
+          </a:fillRef>
+          <a:effectRef idx="0">
+            <a:schemeClr val="accent1"/>
+          </a:effectRef>
+          <a:fontRef idx="minor">
+            <a:schemeClr val="lt1"/>
+          </a:fontRef>
+        </p:style>
+        <p:txBody>
+          <a:bodyPr rtlCol="0" anchor="ctr"/>
+          <a:lstStyle/>
+          <a:p>
+            <a:pPr algn="ctr"/>
+            <a:r>
+              <a:rPr lang="en-US" sz="1600" dirty="0" smtClean="0">
+                <a:solidFill>
+                  <a:schemeClr val="tx1">
+                    <a:lumMod val="85000"/>
+                    <a:lumOff val="15000"/>
+                  </a:schemeClr>
+                </a:solidFill>
+                <a:latin typeface="Arial Black" panose="020B0A04020102020204" pitchFamily="34" charset="0"/>
+              </a:rPr>
+              <a:t>Settings.xml</a:t>
+            </a:r>
+            <a:endParaRPr lang="ru-RU" sz="1600" dirty="0">
+              <a:solidFill>
+                <a:schemeClr val="tx1">
+                  <a:lumMod val="85000"/>
+                  <a:lumOff val="15000"/>
+                </a:schemeClr>
+              </a:solidFill>
+            </a:endParaRPr>
+          </a:p>
+        </p:txBody>
+      </p:sp>
+      <p:cxnSp>
+        <p:nvCxnSpPr>
+          <p:cNvPr id="19" name="Shape 18"/>
+          <p:cNvCxnSpPr>
+            <a:endCxn id="17" idx="0"/>
+          </p:cNvCxnSpPr>
+          <p:nvPr/>
+        </p:nvCxnSpPr>
+        <p:spPr>
+          <a:xfrm>
+            <a:off x="6298256" y="3794358"/>
+            <a:ext cx="2069507" cy="287185"/>
+          </a:xfrm>
+          <a:prstGeom prst="bentConnector2">
+            <a:avLst/>
+          </a:prstGeom>
+        </p:spPr>
+        <p:style>
+          <a:lnRef idx="1">
+            <a:schemeClr val="accent1"/>
+          </a:lnRef>
+          <a:fillRef idx="0">
+            <a:schemeClr val="accent1"/>
+          </a:fillRef>
+          <a:effectRef idx="0">
+            <a:schemeClr val="accent1"/>
+          </a:effectRef>
+          <a:fontRef idx="minor">
+            <a:schemeClr val="tx1"/>
+          </a:fontRef>
+        </p:style>
+      </p:cxnSp>
+      <p:sp>
+        <p:nvSpPr>
+          <p:cNvPr id="25" name="Прямоугольник 24">
+            <a:extLst>
+              <a:ext uri="{FF2B5EF4-FFF2-40B4-BE49-F238E27FC236}">
+                <a16:creationId xmlns="" xmlns:a16="http://schemas.microsoft.com/office/drawing/2014/main" id="{727D7B3D-D82E-4A6D-BA31-AC793D2B6017}"/>
+              </a:ext>
+            </a:extLst>
+          </p:cNvPr>
+          <p:cNvSpPr/>
+          <p:nvPr/>
+        </p:nvSpPr>
+        <p:spPr>
+          <a:xfrm>
+            <a:off x="5449179" y="1918240"/>
+            <a:ext cx="1715429" cy="506102"/>
+          </a:xfrm>
+          <a:prstGeom prst="rect">
+            <a:avLst/>
+          </a:prstGeom>
+          <a:solidFill>
+            <a:srgbClr val="92D050"/>
+          </a:solidFill>
+          <a:ln>
+            <a:solidFill>
+              <a:schemeClr val="tx1"/>
+            </a:solidFill>
+          </a:ln>
         </p:spPr>
         <p:style>
           <a:lnRef idx="2">
@@ -5451,531 +7269,148 @@
           </a:p>
         </p:txBody>
       </p:sp>
-      <p:sp>
-        <p:nvSpPr>
-          <p:cNvPr id="7" name="Прямоугольник 6">
-            <a:extLst>
-              <a:ext uri="{FF2B5EF4-FFF2-40B4-BE49-F238E27FC236}">
-                <a16:creationId xmlns:a16="http://schemas.microsoft.com/office/drawing/2014/main" id="{5317D31A-D8D5-4D1A-9DC3-A4C33BBF3CEC}"/>
-              </a:ext>
-            </a:extLst>
-          </p:cNvPr>
-          <p:cNvSpPr/>
+      <p:cxnSp>
+        <p:nvCxnSpPr>
+          <p:cNvPr id="20" name="Прямая соединительная линия 19"/>
+          <p:cNvCxnSpPr>
+            <a:stCxn id="25" idx="2"/>
+            <a:endCxn id="5" idx="0"/>
+          </p:cNvCxnSpPr>
           <p:nvPr/>
-        </p:nvSpPr>
-        <p:spPr>
-          <a:xfrm>
-            <a:off x="4358266" y="2001589"/>
-            <a:ext cx="1715429" cy="506102"/>
-          </a:xfrm>
-          <a:prstGeom prst="rect">
+        </p:nvCxnSpPr>
+        <p:spPr>
+          <a:xfrm rot="16200000" flipH="1">
+            <a:off x="6034436" y="2696800"/>
+            <a:ext cx="547673" cy="2756"/>
+          </a:xfrm>
+          <a:prstGeom prst="line">
             <a:avLst/>
           </a:prstGeom>
-          <a:solidFill>
-            <a:schemeClr val="tx2">
-              <a:lumMod val="20000"/>
-              <a:lumOff val="80000"/>
-            </a:schemeClr>
-          </a:solidFill>
         </p:spPr>
         <p:style>
-          <a:lnRef idx="2">
-            <a:schemeClr val="accent1">
-              <a:shade val="50000"/>
-            </a:schemeClr>
+          <a:lnRef idx="1">
+            <a:schemeClr val="accent1"/>
           </a:lnRef>
-          <a:fillRef idx="1">
+          <a:fillRef idx="0">
             <a:schemeClr val="accent1"/>
           </a:fillRef>
           <a:effectRef idx="0">
             <a:schemeClr val="accent1"/>
           </a:effectRef>
           <a:fontRef idx="minor">
-            <a:schemeClr val="lt1"/>
+            <a:schemeClr val="tx1"/>
           </a:fontRef>
         </p:style>
-        <p:txBody>
-          <a:bodyPr rtlCol="0" anchor="ctr"/>
-          <a:lstStyle/>
-          <a:p>
-            <a:pPr algn="ctr"/>
-            <a:r>
-              <a:rPr lang="en-US" dirty="0">
-                <a:solidFill>
-                  <a:schemeClr val="tx1">
-                    <a:lumMod val="85000"/>
-                    <a:lumOff val="15000"/>
-                  </a:schemeClr>
-                </a:solidFill>
-                <a:latin typeface="Arial Black" panose="020B0A04020102020204" pitchFamily="34" charset="0"/>
-              </a:rPr>
-              <a:t>object</a:t>
-            </a:r>
-            <a:endParaRPr lang="ru-RU" dirty="0">
-              <a:solidFill>
-                <a:schemeClr val="tx1">
-                  <a:lumMod val="85000"/>
-                  <a:lumOff val="15000"/>
-                </a:schemeClr>
-              </a:solidFill>
-            </a:endParaRPr>
-          </a:p>
-        </p:txBody>
-      </p:sp>
-      <p:sp>
-        <p:nvSpPr>
-          <p:cNvPr id="8" name="Прямоугольник 7">
-            <a:extLst>
-              <a:ext uri="{FF2B5EF4-FFF2-40B4-BE49-F238E27FC236}">
-                <a16:creationId xmlns:a16="http://schemas.microsoft.com/office/drawing/2014/main" id="{3206DA20-9D40-45C5-BBB1-4BCF74F0F916}"/>
-              </a:ext>
-            </a:extLst>
-          </p:cNvPr>
-          <p:cNvSpPr/>
+      </p:cxnSp>
+      <p:cxnSp>
+        <p:nvCxnSpPr>
+          <p:cNvPr id="22" name="Соединительная линия уступом 21"/>
+          <p:cNvCxnSpPr>
+            <a:stCxn id="25" idx="2"/>
+            <a:endCxn id="6" idx="0"/>
+          </p:cNvCxnSpPr>
           <p:nvPr/>
-        </p:nvSpPr>
-        <p:spPr>
-          <a:xfrm>
-            <a:off x="6110867" y="2001589"/>
-            <a:ext cx="1715429" cy="506102"/>
-          </a:xfrm>
-          <a:prstGeom prst="rect">
-            <a:avLst/>
-          </a:prstGeom>
-          <a:solidFill>
-            <a:schemeClr val="tx2">
-              <a:lumMod val="20000"/>
-              <a:lumOff val="80000"/>
-            </a:schemeClr>
-          </a:solidFill>
+        </p:nvCxnSpPr>
+        <p:spPr>
+          <a:xfrm rot="5400000">
+            <a:off x="5012241" y="1677361"/>
+            <a:ext cx="547673" cy="2041635"/>
+          </a:xfrm>
+          <a:prstGeom prst="bentConnector3">
+            <a:avLst>
+              <a:gd name="adj1" fmla="val 50000"/>
+            </a:avLst>
+          </a:prstGeom>
         </p:spPr>
         <p:style>
-          <a:lnRef idx="2">
-            <a:schemeClr val="accent1">
-              <a:shade val="50000"/>
-            </a:schemeClr>
+          <a:lnRef idx="1">
+            <a:schemeClr val="accent1"/>
           </a:lnRef>
-          <a:fillRef idx="1">
+          <a:fillRef idx="0">
             <a:schemeClr val="accent1"/>
           </a:fillRef>
           <a:effectRef idx="0">
             <a:schemeClr val="accent1"/>
           </a:effectRef>
           <a:fontRef idx="minor">
-            <a:schemeClr val="lt1"/>
+            <a:schemeClr val="tx1"/>
           </a:fontRef>
         </p:style>
-        <p:txBody>
-          <a:bodyPr rtlCol="0" anchor="ctr"/>
-          <a:lstStyle/>
-          <a:p>
-            <a:pPr algn="ctr"/>
-            <a:r>
-              <a:rPr lang="en-US" dirty="0">
-                <a:solidFill>
-                  <a:schemeClr val="tx1">
-                    <a:lumMod val="85000"/>
-                    <a:lumOff val="15000"/>
-                  </a:schemeClr>
-                </a:solidFill>
-                <a:latin typeface="Arial Black" panose="020B0A04020102020204" pitchFamily="34" charset="0"/>
-              </a:rPr>
-              <a:t>renderer</a:t>
-            </a:r>
-            <a:endParaRPr lang="ru-RU" dirty="0">
-              <a:solidFill>
-                <a:schemeClr val="tx1">
-                  <a:lumMod val="85000"/>
-                  <a:lumOff val="15000"/>
-                </a:schemeClr>
-              </a:solidFill>
-            </a:endParaRPr>
-          </a:p>
-        </p:txBody>
-      </p:sp>
-      <p:sp>
-        <p:nvSpPr>
-          <p:cNvPr id="9" name="Прямоугольник 8">
-            <a:extLst>
-              <a:ext uri="{FF2B5EF4-FFF2-40B4-BE49-F238E27FC236}">
-                <a16:creationId xmlns:a16="http://schemas.microsoft.com/office/drawing/2014/main" id="{6FC6A1BB-36AF-487E-B807-95C277E14133}"/>
-              </a:ext>
-            </a:extLst>
-          </p:cNvPr>
-          <p:cNvSpPr/>
+      </p:cxnSp>
+      <p:cxnSp>
+        <p:nvCxnSpPr>
+          <p:cNvPr id="24" name="Соединительная линия уступом 23"/>
+          <p:cNvCxnSpPr>
+            <a:stCxn id="25" idx="2"/>
+            <a:endCxn id="9" idx="0"/>
+          </p:cNvCxnSpPr>
           <p:nvPr/>
-        </p:nvSpPr>
-        <p:spPr>
-          <a:xfrm>
-            <a:off x="7874619" y="2001589"/>
-            <a:ext cx="1715429" cy="506102"/>
-          </a:xfrm>
-          <a:prstGeom prst="rect">
-            <a:avLst/>
-          </a:prstGeom>
-          <a:solidFill>
-            <a:schemeClr val="tx2">
-              <a:lumMod val="20000"/>
-              <a:lumOff val="80000"/>
-            </a:schemeClr>
-          </a:solidFill>
+        </p:nvCxnSpPr>
+        <p:spPr>
+          <a:xfrm rot="5400000">
+            <a:off x="3990045" y="655165"/>
+            <a:ext cx="547673" cy="4086026"/>
+          </a:xfrm>
+          <a:prstGeom prst="bentConnector3">
+            <a:avLst>
+              <a:gd name="adj1" fmla="val 50000"/>
+            </a:avLst>
+          </a:prstGeom>
         </p:spPr>
         <p:style>
-          <a:lnRef idx="2">
-            <a:schemeClr val="accent1">
-              <a:shade val="50000"/>
-            </a:schemeClr>
+          <a:lnRef idx="1">
+            <a:schemeClr val="accent1"/>
           </a:lnRef>
-          <a:fillRef idx="1">
+          <a:fillRef idx="0">
             <a:schemeClr val="accent1"/>
           </a:fillRef>
           <a:effectRef idx="0">
             <a:schemeClr val="accent1"/>
           </a:effectRef>
           <a:fontRef idx="minor">
-            <a:schemeClr val="lt1"/>
+            <a:schemeClr val="tx1"/>
           </a:fontRef>
         </p:style>
-        <p:txBody>
-          <a:bodyPr rtlCol="0" anchor="ctr"/>
-          <a:lstStyle/>
-          <a:p>
-            <a:pPr algn="ctr"/>
-            <a:r>
-              <a:rPr lang="en-US" dirty="0" err="1">
-                <a:solidFill>
-                  <a:schemeClr val="tx1">
-                    <a:lumMod val="85000"/>
-                    <a:lumOff val="15000"/>
-                  </a:schemeClr>
-                </a:solidFill>
-                <a:latin typeface="Arial Black" panose="020B0A04020102020204" pitchFamily="34" charset="0"/>
-              </a:rPr>
-              <a:t>shader</a:t>
-            </a:r>
-            <a:endParaRPr lang="ru-RU" dirty="0">
-              <a:solidFill>
-                <a:schemeClr val="tx1">
-                  <a:lumMod val="85000"/>
-                  <a:lumOff val="15000"/>
-                </a:schemeClr>
-              </a:solidFill>
-            </a:endParaRPr>
-          </a:p>
-        </p:txBody>
-      </p:sp>
-      <p:sp>
-        <p:nvSpPr>
-          <p:cNvPr id="10" name="Прямоугольник 9">
-            <a:extLst>
-              <a:ext uri="{FF2B5EF4-FFF2-40B4-BE49-F238E27FC236}">
-                <a16:creationId xmlns:a16="http://schemas.microsoft.com/office/drawing/2014/main" id="{5FC8B581-5429-43C5-A41D-18823DB8BFAF}"/>
-              </a:ext>
-            </a:extLst>
-          </p:cNvPr>
-          <p:cNvSpPr/>
+      </p:cxnSp>
+      <p:cxnSp>
+        <p:nvCxnSpPr>
+          <p:cNvPr id="28" name="Соединительная линия уступом 27"/>
+          <p:cNvCxnSpPr>
+            <a:stCxn id="25" idx="2"/>
+            <a:endCxn id="10" idx="0"/>
+          </p:cNvCxnSpPr>
           <p:nvPr/>
-        </p:nvSpPr>
-        <p:spPr>
-          <a:xfrm>
-            <a:off x="9638371" y="2001589"/>
-            <a:ext cx="1715429" cy="506102"/>
-          </a:xfrm>
-          <a:prstGeom prst="rect">
-            <a:avLst/>
-          </a:prstGeom>
-          <a:solidFill>
-            <a:srgbClr val="FFFF00"/>
-          </a:solidFill>
+        </p:nvCxnSpPr>
+        <p:spPr>
+          <a:xfrm rot="16200000" flipH="1">
+            <a:off x="7056631" y="1674604"/>
+            <a:ext cx="547673" cy="2047147"/>
+          </a:xfrm>
+          <a:prstGeom prst="bentConnector3">
+            <a:avLst>
+              <a:gd name="adj1" fmla="val 50000"/>
+            </a:avLst>
+          </a:prstGeom>
         </p:spPr>
         <p:style>
-          <a:lnRef idx="2">
-            <a:schemeClr val="accent1">
-              <a:shade val="50000"/>
-            </a:schemeClr>
+          <a:lnRef idx="1">
+            <a:schemeClr val="accent1"/>
           </a:lnRef>
-          <a:fillRef idx="1">
+          <a:fillRef idx="0">
             <a:schemeClr val="accent1"/>
           </a:fillRef>
           <a:effectRef idx="0">
             <a:schemeClr val="accent1"/>
           </a:effectRef>
           <a:fontRef idx="minor">
-            <a:schemeClr val="lt1"/>
+            <a:schemeClr val="tx1"/>
           </a:fontRef>
         </p:style>
-        <p:txBody>
-          <a:bodyPr rtlCol="0" anchor="ctr"/>
-          <a:lstStyle/>
-          <a:p>
-            <a:pPr algn="ctr"/>
-            <a:r>
-              <a:rPr lang="en-US" dirty="0">
-                <a:solidFill>
-                  <a:schemeClr val="tx1">
-                    <a:lumMod val="85000"/>
-                    <a:lumOff val="15000"/>
-                  </a:schemeClr>
-                </a:solidFill>
-                <a:latin typeface="Arial Black" panose="020B0A04020102020204" pitchFamily="34" charset="0"/>
-              </a:rPr>
-              <a:t>tool</a:t>
-            </a:r>
-            <a:endParaRPr lang="ru-RU" dirty="0">
-              <a:solidFill>
-                <a:schemeClr val="tx1">
-                  <a:lumMod val="85000"/>
-                  <a:lumOff val="15000"/>
-                </a:schemeClr>
-              </a:solidFill>
-            </a:endParaRPr>
-          </a:p>
-        </p:txBody>
-      </p:sp>
-      <p:sp>
-        <p:nvSpPr>
-          <p:cNvPr id="11" name="TextBox 10">
-            <a:extLst>
-              <a:ext uri="{FF2B5EF4-FFF2-40B4-BE49-F238E27FC236}">
-                <a16:creationId xmlns:a16="http://schemas.microsoft.com/office/drawing/2014/main" id="{7FECF15A-BEEF-4EFC-B023-B379C4F3A0EB}"/>
-              </a:ext>
-            </a:extLst>
-          </p:cNvPr>
-          <p:cNvSpPr txBox="1"/>
-          <p:nvPr/>
-        </p:nvSpPr>
-        <p:spPr>
-          <a:xfrm>
-            <a:off x="1511451" y="1690688"/>
-            <a:ext cx="331750" cy="369332"/>
-          </a:xfrm>
-          <a:prstGeom prst="rect">
-            <a:avLst/>
-          </a:prstGeom>
-          <a:noFill/>
-        </p:spPr>
-        <p:txBody>
-          <a:bodyPr wrap="square" rtlCol="0">
-            <a:spAutoFit/>
-          </a:bodyPr>
-          <a:lstStyle/>
-          <a:p>
-            <a:r>
-              <a:rPr lang="en-US" dirty="0">
-                <a:latin typeface="Arial Black" panose="020B0A04020102020204" pitchFamily="34" charset="0"/>
-              </a:rPr>
-              <a:t>1</a:t>
-            </a:r>
-            <a:endParaRPr lang="ru-RU" dirty="0">
-              <a:latin typeface="Arial Black" panose="020B0A04020102020204" pitchFamily="34" charset="0"/>
-            </a:endParaRPr>
-          </a:p>
-        </p:txBody>
-      </p:sp>
-      <p:sp>
-        <p:nvSpPr>
-          <p:cNvPr id="13" name="TextBox 12">
-            <a:extLst>
-              <a:ext uri="{FF2B5EF4-FFF2-40B4-BE49-F238E27FC236}">
-                <a16:creationId xmlns:a16="http://schemas.microsoft.com/office/drawing/2014/main" id="{C006E092-9CCD-4CE3-9592-C108F1025D7E}"/>
-              </a:ext>
-            </a:extLst>
-          </p:cNvPr>
-          <p:cNvSpPr txBox="1"/>
-          <p:nvPr/>
-        </p:nvSpPr>
-        <p:spPr>
-          <a:xfrm>
-            <a:off x="3226880" y="1690860"/>
-            <a:ext cx="331750" cy="369332"/>
-          </a:xfrm>
-          <a:prstGeom prst="rect">
-            <a:avLst/>
-          </a:prstGeom>
-          <a:noFill/>
-        </p:spPr>
-        <p:txBody>
-          <a:bodyPr wrap="square" rtlCol="0">
-            <a:spAutoFit/>
-          </a:bodyPr>
-          <a:lstStyle/>
-          <a:p>
-            <a:r>
-              <a:rPr lang="en-US" dirty="0">
-                <a:latin typeface="Arial Black" panose="020B0A04020102020204" pitchFamily="34" charset="0"/>
-              </a:rPr>
-              <a:t>2</a:t>
-            </a:r>
-            <a:endParaRPr lang="ru-RU" dirty="0">
-              <a:latin typeface="Arial Black" panose="020B0A04020102020204" pitchFamily="34" charset="0"/>
-            </a:endParaRPr>
-          </a:p>
-        </p:txBody>
-      </p:sp>
-      <p:sp>
-        <p:nvSpPr>
-          <p:cNvPr id="14" name="TextBox 13">
-            <a:extLst>
-              <a:ext uri="{FF2B5EF4-FFF2-40B4-BE49-F238E27FC236}">
-                <a16:creationId xmlns:a16="http://schemas.microsoft.com/office/drawing/2014/main" id="{70164845-2BCC-437C-91A9-C6F55FF36A76}"/>
-              </a:ext>
-            </a:extLst>
-          </p:cNvPr>
-          <p:cNvSpPr txBox="1"/>
-          <p:nvPr/>
-        </p:nvSpPr>
-        <p:spPr>
-          <a:xfrm>
-            <a:off x="5077285" y="1690688"/>
-            <a:ext cx="331750" cy="369332"/>
-          </a:xfrm>
-          <a:prstGeom prst="rect">
-            <a:avLst/>
-          </a:prstGeom>
-          <a:noFill/>
-        </p:spPr>
-        <p:txBody>
-          <a:bodyPr wrap="square" rtlCol="0">
-            <a:spAutoFit/>
-          </a:bodyPr>
-          <a:lstStyle/>
-          <a:p>
-            <a:r>
-              <a:rPr lang="en-US" dirty="0">
-                <a:latin typeface="Arial Black" panose="020B0A04020102020204" pitchFamily="34" charset="0"/>
-              </a:rPr>
-              <a:t>3</a:t>
-            </a:r>
-            <a:endParaRPr lang="ru-RU" dirty="0">
-              <a:latin typeface="Arial Black" panose="020B0A04020102020204" pitchFamily="34" charset="0"/>
-            </a:endParaRPr>
-          </a:p>
-        </p:txBody>
-      </p:sp>
-      <p:sp>
-        <p:nvSpPr>
-          <p:cNvPr id="15" name="TextBox 14">
-            <a:extLst>
-              <a:ext uri="{FF2B5EF4-FFF2-40B4-BE49-F238E27FC236}">
-                <a16:creationId xmlns:a16="http://schemas.microsoft.com/office/drawing/2014/main" id="{79D1BE39-C027-4045-A241-931FD8E1A547}"/>
-              </a:ext>
-            </a:extLst>
-          </p:cNvPr>
-          <p:cNvSpPr txBox="1"/>
-          <p:nvPr/>
-        </p:nvSpPr>
-        <p:spPr>
-          <a:xfrm>
-            <a:off x="6737770" y="1690688"/>
-            <a:ext cx="331750" cy="369332"/>
-          </a:xfrm>
-          <a:prstGeom prst="rect">
-            <a:avLst/>
-          </a:prstGeom>
-          <a:noFill/>
-        </p:spPr>
-        <p:txBody>
-          <a:bodyPr wrap="square" rtlCol="0">
-            <a:spAutoFit/>
-          </a:bodyPr>
-          <a:lstStyle/>
-          <a:p>
-            <a:r>
-              <a:rPr lang="en-US" dirty="0">
-                <a:latin typeface="Arial Black" panose="020B0A04020102020204" pitchFamily="34" charset="0"/>
-              </a:rPr>
-              <a:t>4</a:t>
-            </a:r>
-            <a:endParaRPr lang="ru-RU" dirty="0">
-              <a:latin typeface="Arial Black" panose="020B0A04020102020204" pitchFamily="34" charset="0"/>
-            </a:endParaRPr>
-          </a:p>
-        </p:txBody>
-      </p:sp>
-      <p:sp>
-        <p:nvSpPr>
-          <p:cNvPr id="16" name="TextBox 15">
-            <a:extLst>
-              <a:ext uri="{FF2B5EF4-FFF2-40B4-BE49-F238E27FC236}">
-                <a16:creationId xmlns:a16="http://schemas.microsoft.com/office/drawing/2014/main" id="{CCDF1252-3953-4674-B39B-BCCDEDEE148F}"/>
-              </a:ext>
-            </a:extLst>
-          </p:cNvPr>
-          <p:cNvSpPr txBox="1"/>
-          <p:nvPr/>
-        </p:nvSpPr>
-        <p:spPr>
-          <a:xfrm>
-            <a:off x="8477244" y="1690688"/>
-            <a:ext cx="331750" cy="369332"/>
-          </a:xfrm>
-          <a:prstGeom prst="rect">
-            <a:avLst/>
-          </a:prstGeom>
-          <a:noFill/>
-        </p:spPr>
-        <p:txBody>
-          <a:bodyPr wrap="square" rtlCol="0">
-            <a:spAutoFit/>
-          </a:bodyPr>
-          <a:lstStyle/>
-          <a:p>
-            <a:r>
-              <a:rPr lang="en-US" dirty="0">
-                <a:latin typeface="Arial Black" panose="020B0A04020102020204" pitchFamily="34" charset="0"/>
-              </a:rPr>
-              <a:t>5</a:t>
-            </a:r>
-            <a:endParaRPr lang="ru-RU" dirty="0">
-              <a:latin typeface="Arial Black" panose="020B0A04020102020204" pitchFamily="34" charset="0"/>
-            </a:endParaRPr>
-          </a:p>
-        </p:txBody>
-      </p:sp>
-      <p:sp>
-        <p:nvSpPr>
-          <p:cNvPr id="17" name="TextBox 16">
-            <a:extLst>
-              <a:ext uri="{FF2B5EF4-FFF2-40B4-BE49-F238E27FC236}">
-                <a16:creationId xmlns:a16="http://schemas.microsoft.com/office/drawing/2014/main" id="{B4EC7C0C-318E-4F1C-9AFA-30157AB5C187}"/>
-              </a:ext>
-            </a:extLst>
-          </p:cNvPr>
-          <p:cNvSpPr txBox="1"/>
-          <p:nvPr/>
-        </p:nvSpPr>
-        <p:spPr>
-          <a:xfrm>
-            <a:off x="10330210" y="1690688"/>
-            <a:ext cx="331750" cy="369332"/>
-          </a:xfrm>
-          <a:prstGeom prst="rect">
-            <a:avLst/>
-          </a:prstGeom>
-          <a:noFill/>
-        </p:spPr>
-        <p:txBody>
-          <a:bodyPr wrap="square" rtlCol="0">
-            <a:spAutoFit/>
-          </a:bodyPr>
-          <a:lstStyle/>
-          <a:p>
-            <a:r>
-              <a:rPr lang="en-US" dirty="0">
-                <a:latin typeface="Arial Black" panose="020B0A04020102020204" pitchFamily="34" charset="0"/>
-              </a:rPr>
-              <a:t>6</a:t>
-            </a:r>
-            <a:endParaRPr lang="ru-RU" dirty="0">
-              <a:latin typeface="Arial Black" panose="020B0A04020102020204" pitchFamily="34" charset="0"/>
-            </a:endParaRPr>
-          </a:p>
-        </p:txBody>
-      </p:sp>
+      </p:cxnSp>
     </p:spTree>
     <p:extLst>
       <p:ext uri="{BB962C8B-B14F-4D97-AF65-F5344CB8AC3E}">
-        <p14:creationId xmlns:p14="http://schemas.microsoft.com/office/powerpoint/2010/main" val="2055303955"/>
+        <p14:creationId xmlns="" xmlns:p14="http://schemas.microsoft.com/office/powerpoint/2010/main" val="373373966"/>
       </p:ext>
     </p:extLst>
   </p:cSld>
@@ -6007,7 +7442,7 @@
           <p:cNvPr id="4" name="Заголовок 1">
             <a:extLst>
               <a:ext uri="{FF2B5EF4-FFF2-40B4-BE49-F238E27FC236}">
-                <a16:creationId xmlns:a16="http://schemas.microsoft.com/office/drawing/2014/main" id="{6E667686-5DEB-465C-B7AD-289CD85D4E40}"/>
+                <a16:creationId xmlns="" xmlns:a16="http://schemas.microsoft.com/office/drawing/2014/main" id="{6E667686-5DEB-465C-B7AD-289CD85D4E40}"/>
               </a:ext>
             </a:extLst>
           </p:cNvPr>
@@ -6019,6 +7454,10 @@
           </p:nvPr>
         </p:nvSpPr>
         <p:spPr>
+          <a:xfrm>
+            <a:off x="838200" y="211297"/>
+            <a:ext cx="10515600" cy="1325563"/>
+          </a:xfrm>
           <a:solidFill>
             <a:srgbClr val="92D050"/>
           </a:solidFill>
@@ -6043,6 +7482,12 @@
               </a:rPr>
               <a:t> </a:t>
             </a:r>
+            <a:r>
+              <a:rPr lang="en-US" dirty="0">
+                <a:latin typeface="Arial Black" panose="020B0A04020102020204" pitchFamily="34" charset="0"/>
+              </a:rPr>
+              <a:t/>
+            </a:r>
             <a:br>
               <a:rPr lang="en-US" dirty="0">
                 <a:latin typeface="Arial Black" panose="020B0A04020102020204" pitchFamily="34" charset="0"/>
@@ -6062,10 +7507,50 @@
       </p:sp>
       <p:sp>
         <p:nvSpPr>
-          <p:cNvPr id="5" name="Прямоугольник 4">
-            <a:extLst>
-              <a:ext uri="{FF2B5EF4-FFF2-40B4-BE49-F238E27FC236}">
-                <a16:creationId xmlns:a16="http://schemas.microsoft.com/office/drawing/2014/main" id="{2E9E7EB6-23EA-422D-8A87-261A5B546FAF}"/>
+          <p:cNvPr id="18" name="TextBox 17">
+            <a:extLst>
+              <a:ext uri="{FF2B5EF4-FFF2-40B4-BE49-F238E27FC236}">
+                <a16:creationId xmlns="" xmlns:a16="http://schemas.microsoft.com/office/drawing/2014/main" id="{439F3E81-9AF5-4C02-BBA3-030A77CBD940}"/>
+              </a:ext>
+            </a:extLst>
+          </p:cNvPr>
+          <p:cNvSpPr txBox="1"/>
+          <p:nvPr/>
+        </p:nvSpPr>
+        <p:spPr>
+          <a:xfrm>
+            <a:off x="8073483" y="843240"/>
+            <a:ext cx="2330605" cy="369332"/>
+          </a:xfrm>
+          <a:prstGeom prst="rect">
+            <a:avLst/>
+          </a:prstGeom>
+          <a:noFill/>
+        </p:spPr>
+        <p:txBody>
+          <a:bodyPr wrap="square" rtlCol="0">
+            <a:spAutoFit/>
+          </a:bodyPr>
+          <a:lstStyle/>
+          <a:p>
+            <a:r>
+              <a:rPr lang="en-US" dirty="0" smtClean="0">
+                <a:latin typeface="Arial Black" panose="020B0A04020102020204" pitchFamily="34" charset="0"/>
+              </a:rPr>
+              <a:t>Your main class</a:t>
+            </a:r>
+            <a:endParaRPr lang="ru-RU" dirty="0">
+              <a:latin typeface="Arial Black" panose="020B0A04020102020204" pitchFamily="34" charset="0"/>
+            </a:endParaRPr>
+          </a:p>
+        </p:txBody>
+      </p:sp>
+      <p:sp>
+        <p:nvSpPr>
+          <p:cNvPr id="14" name="Прямоугольник 13">
+            <a:extLst>
+              <a:ext uri="{FF2B5EF4-FFF2-40B4-BE49-F238E27FC236}">
+                <a16:creationId xmlns="" xmlns:a16="http://schemas.microsoft.com/office/drawing/2014/main" id="{DDC33760-2A06-47E2-87BA-A76CC4F810C2}"/>
               </a:ext>
             </a:extLst>
           </p:cNvPr>
@@ -6074,83 +7559,18 @@
         </p:nvSpPr>
         <p:spPr>
           <a:xfrm>
-            <a:off x="5238285" y="1920857"/>
+            <a:off x="5289560" y="1853836"/>
             <a:ext cx="1715429" cy="506102"/>
           </a:xfrm>
           <a:prstGeom prst="rect">
             <a:avLst/>
           </a:prstGeom>
-          <a:solidFill>
-            <a:srgbClr val="FF0000"/>
-          </a:solidFill>
-        </p:spPr>
-        <p:style>
-          <a:lnRef idx="2">
-            <a:schemeClr val="accent1">
-              <a:shade val="50000"/>
-            </a:schemeClr>
-          </a:lnRef>
-          <a:fillRef idx="1">
-            <a:schemeClr val="accent1"/>
-          </a:fillRef>
-          <a:effectRef idx="0">
-            <a:schemeClr val="accent1"/>
-          </a:effectRef>
-          <a:fontRef idx="minor">
-            <a:schemeClr val="lt1"/>
-          </a:fontRef>
-        </p:style>
-        <p:txBody>
-          <a:bodyPr rtlCol="0" anchor="ctr"/>
-          <a:lstStyle/>
-          <a:p>
-            <a:pPr algn="ctr"/>
-            <a:r>
-              <a:rPr lang="en-US" dirty="0">
-                <a:solidFill>
-                  <a:schemeClr val="tx1">
-                    <a:lumMod val="85000"/>
-                    <a:lumOff val="15000"/>
-                  </a:schemeClr>
-                </a:solidFill>
-                <a:latin typeface="Arial Black" panose="020B0A04020102020204" pitchFamily="34" charset="0"/>
-              </a:rPr>
-              <a:t>main</a:t>
-            </a:r>
-            <a:endParaRPr lang="ru-RU" dirty="0">
-              <a:solidFill>
-                <a:schemeClr val="tx1">
-                  <a:lumMod val="85000"/>
-                  <a:lumOff val="15000"/>
-                </a:schemeClr>
-              </a:solidFill>
-            </a:endParaRPr>
-          </a:p>
-        </p:txBody>
-      </p:sp>
-      <p:sp>
-        <p:nvSpPr>
-          <p:cNvPr id="6" name="Прямоугольник 5">
-            <a:extLst>
-              <a:ext uri="{FF2B5EF4-FFF2-40B4-BE49-F238E27FC236}">
-                <a16:creationId xmlns:a16="http://schemas.microsoft.com/office/drawing/2014/main" id="{2571DAD6-E29A-4955-9095-603D10D78E49}"/>
-              </a:ext>
-            </a:extLst>
-          </p:cNvPr>
-          <p:cNvSpPr/>
-          <p:nvPr/>
-        </p:nvSpPr>
-        <p:spPr>
-          <a:xfrm>
-            <a:off x="3193894" y="1920857"/>
-            <a:ext cx="1715429" cy="506102"/>
-          </a:xfrm>
-          <a:prstGeom prst="rect">
-            <a:avLst/>
-          </a:prstGeom>
           <a:noFill/>
-          <a:ln>
-            <a:prstDash val="dash"/>
+          <a:ln w="38100">
+            <a:solidFill>
+              <a:srgbClr val="C00000"/>
+            </a:solidFill>
+            <a:prstDash val="sysDash"/>
           </a:ln>
         </p:spPr>
         <p:style>
@@ -6184,7 +7604,7 @@
                 </a:solidFill>
                 <a:latin typeface="Arial Black" panose="020B0A04020102020204" pitchFamily="34" charset="0"/>
               </a:rPr>
-              <a:t>your package</a:t>
+              <a:t>your main class</a:t>
             </a:r>
             <a:endParaRPr lang="ru-RU" sz="1600" dirty="0">
               <a:solidFill>
@@ -6199,441 +7619,19 @@
       </p:sp>
       <p:sp>
         <p:nvSpPr>
-          <p:cNvPr id="9" name="Прямоугольник 8">
-            <a:extLst>
-              <a:ext uri="{FF2B5EF4-FFF2-40B4-BE49-F238E27FC236}">
-                <a16:creationId xmlns:a16="http://schemas.microsoft.com/office/drawing/2014/main" id="{DA352DD2-D50E-44B9-9660-5BFDB3ED136F}"/>
-              </a:ext>
-            </a:extLst>
-          </p:cNvPr>
-          <p:cNvSpPr/>
+          <p:cNvPr id="16" name="TextBox 15"/>
+          <p:cNvSpPr txBox="1"/>
           <p:nvPr/>
         </p:nvSpPr>
         <p:spPr>
           <a:xfrm>
-            <a:off x="1149503" y="1920857"/>
-            <a:ext cx="1715429" cy="506102"/>
+            <a:off x="974220" y="2837203"/>
+            <a:ext cx="9520015" cy="1477328"/>
           </a:xfrm>
           <a:prstGeom prst="rect">
             <a:avLst/>
           </a:prstGeom>
           <a:noFill/>
-          <a:ln>
-            <a:prstDash val="dash"/>
-          </a:ln>
-        </p:spPr>
-        <p:style>
-          <a:lnRef idx="2">
-            <a:schemeClr val="accent1">
-              <a:shade val="50000"/>
-            </a:schemeClr>
-          </a:lnRef>
-          <a:fillRef idx="1">
-            <a:schemeClr val="accent1"/>
-          </a:fillRef>
-          <a:effectRef idx="0">
-            <a:schemeClr val="accent1"/>
-          </a:effectRef>
-          <a:fontRef idx="minor">
-            <a:schemeClr val="lt1"/>
-          </a:fontRef>
-        </p:style>
-        <p:txBody>
-          <a:bodyPr rtlCol="0" anchor="ctr"/>
-          <a:lstStyle/>
-          <a:p>
-            <a:pPr algn="ctr"/>
-            <a:r>
-              <a:rPr lang="en-US" sz="1600" dirty="0">
-                <a:solidFill>
-                  <a:schemeClr val="tx1">
-                    <a:lumMod val="85000"/>
-                    <a:lumOff val="15000"/>
-                  </a:schemeClr>
-                </a:solidFill>
-                <a:latin typeface="Arial Black" panose="020B0A04020102020204" pitchFamily="34" charset="0"/>
-              </a:rPr>
-              <a:t>your package</a:t>
-            </a:r>
-            <a:endParaRPr lang="ru-RU" sz="1600" dirty="0">
-              <a:solidFill>
-                <a:schemeClr val="tx1">
-                  <a:lumMod val="85000"/>
-                  <a:lumOff val="15000"/>
-                </a:schemeClr>
-              </a:solidFill>
-            </a:endParaRPr>
-          </a:p>
-        </p:txBody>
-      </p:sp>
-      <p:sp>
-        <p:nvSpPr>
-          <p:cNvPr id="10" name="Прямоугольник 9">
-            <a:extLst>
-              <a:ext uri="{FF2B5EF4-FFF2-40B4-BE49-F238E27FC236}">
-                <a16:creationId xmlns:a16="http://schemas.microsoft.com/office/drawing/2014/main" id="{2595C0EB-851A-4D1E-8473-FC9F6EF78D2F}"/>
-              </a:ext>
-            </a:extLst>
-          </p:cNvPr>
-          <p:cNvSpPr/>
-          <p:nvPr/>
-        </p:nvSpPr>
-        <p:spPr>
-          <a:xfrm>
-            <a:off x="7282676" y="1920857"/>
-            <a:ext cx="1715429" cy="506102"/>
-          </a:xfrm>
-          <a:prstGeom prst="rect">
-            <a:avLst/>
-          </a:prstGeom>
-          <a:noFill/>
-          <a:ln>
-            <a:prstDash val="dash"/>
-          </a:ln>
-        </p:spPr>
-        <p:style>
-          <a:lnRef idx="2">
-            <a:schemeClr val="accent1">
-              <a:shade val="50000"/>
-            </a:schemeClr>
-          </a:lnRef>
-          <a:fillRef idx="1">
-            <a:schemeClr val="accent1"/>
-          </a:fillRef>
-          <a:effectRef idx="0">
-            <a:schemeClr val="accent1"/>
-          </a:effectRef>
-          <a:fontRef idx="minor">
-            <a:schemeClr val="lt1"/>
-          </a:fontRef>
-        </p:style>
-        <p:txBody>
-          <a:bodyPr rtlCol="0" anchor="ctr"/>
-          <a:lstStyle/>
-          <a:p>
-            <a:pPr algn="ctr"/>
-            <a:r>
-              <a:rPr lang="en-US" sz="1600" dirty="0">
-                <a:solidFill>
-                  <a:schemeClr val="tx1">
-                    <a:lumMod val="85000"/>
-                    <a:lumOff val="15000"/>
-                  </a:schemeClr>
-                </a:solidFill>
-                <a:latin typeface="Arial Black" panose="020B0A04020102020204" pitchFamily="34" charset="0"/>
-              </a:rPr>
-              <a:t>your package</a:t>
-            </a:r>
-            <a:endParaRPr lang="ru-RU" sz="1600" dirty="0">
-              <a:solidFill>
-                <a:schemeClr val="tx1">
-                  <a:lumMod val="85000"/>
-                  <a:lumOff val="15000"/>
-                </a:schemeClr>
-              </a:solidFill>
-            </a:endParaRPr>
-          </a:p>
-        </p:txBody>
-      </p:sp>
-      <p:sp>
-        <p:nvSpPr>
-          <p:cNvPr id="11" name="Овал 10">
-            <a:extLst>
-              <a:ext uri="{FF2B5EF4-FFF2-40B4-BE49-F238E27FC236}">
-                <a16:creationId xmlns:a16="http://schemas.microsoft.com/office/drawing/2014/main" id="{C4134C67-D3E9-4886-BC08-FB9FE5CF7954}"/>
-              </a:ext>
-            </a:extLst>
-          </p:cNvPr>
-          <p:cNvSpPr/>
-          <p:nvPr/>
-        </p:nvSpPr>
-        <p:spPr>
-          <a:xfrm>
-            <a:off x="9195109" y="2096429"/>
-            <a:ext cx="129228" cy="129228"/>
-          </a:xfrm>
-          <a:prstGeom prst="ellipse">
-            <a:avLst/>
-          </a:prstGeom>
-          <a:solidFill>
-            <a:schemeClr val="bg2">
-              <a:lumMod val="75000"/>
-            </a:schemeClr>
-          </a:solidFill>
-          <a:ln>
-            <a:noFill/>
-          </a:ln>
-        </p:spPr>
-        <p:style>
-          <a:lnRef idx="2">
-            <a:schemeClr val="dk1">
-              <a:shade val="50000"/>
-            </a:schemeClr>
-          </a:lnRef>
-          <a:fillRef idx="1">
-            <a:schemeClr val="dk1"/>
-          </a:fillRef>
-          <a:effectRef idx="0">
-            <a:schemeClr val="dk1"/>
-          </a:effectRef>
-          <a:fontRef idx="minor">
-            <a:schemeClr val="lt1"/>
-          </a:fontRef>
-        </p:style>
-        <p:txBody>
-          <a:bodyPr rtlCol="0" anchor="ctr"/>
-          <a:lstStyle/>
-          <a:p>
-            <a:pPr algn="ctr"/>
-            <a:endParaRPr lang="ru-RU" dirty="0"/>
-          </a:p>
-        </p:txBody>
-      </p:sp>
-      <p:sp>
-        <p:nvSpPr>
-          <p:cNvPr id="15" name="Овал 14">
-            <a:extLst>
-              <a:ext uri="{FF2B5EF4-FFF2-40B4-BE49-F238E27FC236}">
-                <a16:creationId xmlns:a16="http://schemas.microsoft.com/office/drawing/2014/main" id="{CAB3A388-62C3-456C-9AF6-9F9C98FE0D79}"/>
-              </a:ext>
-            </a:extLst>
-          </p:cNvPr>
-          <p:cNvSpPr/>
-          <p:nvPr/>
-        </p:nvSpPr>
-        <p:spPr>
-          <a:xfrm>
-            <a:off x="9459955" y="2096429"/>
-            <a:ext cx="129228" cy="129228"/>
-          </a:xfrm>
-          <a:prstGeom prst="ellipse">
-            <a:avLst/>
-          </a:prstGeom>
-          <a:solidFill>
-            <a:schemeClr val="bg2">
-              <a:lumMod val="75000"/>
-            </a:schemeClr>
-          </a:solidFill>
-          <a:ln>
-            <a:noFill/>
-          </a:ln>
-        </p:spPr>
-        <p:style>
-          <a:lnRef idx="2">
-            <a:schemeClr val="dk1">
-              <a:shade val="50000"/>
-            </a:schemeClr>
-          </a:lnRef>
-          <a:fillRef idx="1">
-            <a:schemeClr val="dk1"/>
-          </a:fillRef>
-          <a:effectRef idx="0">
-            <a:schemeClr val="dk1"/>
-          </a:effectRef>
-          <a:fontRef idx="minor">
-            <a:schemeClr val="lt1"/>
-          </a:fontRef>
-        </p:style>
-        <p:txBody>
-          <a:bodyPr rtlCol="0" anchor="ctr"/>
-          <a:lstStyle/>
-          <a:p>
-            <a:pPr algn="ctr"/>
-            <a:endParaRPr lang="ru-RU" dirty="0"/>
-          </a:p>
-        </p:txBody>
-      </p:sp>
-      <p:sp>
-        <p:nvSpPr>
-          <p:cNvPr id="16" name="Овал 15">
-            <a:extLst>
-              <a:ext uri="{FF2B5EF4-FFF2-40B4-BE49-F238E27FC236}">
-                <a16:creationId xmlns:a16="http://schemas.microsoft.com/office/drawing/2014/main" id="{CC245BD4-FADF-42A2-A980-4068DDB9C93D}"/>
-              </a:ext>
-            </a:extLst>
-          </p:cNvPr>
-          <p:cNvSpPr/>
-          <p:nvPr/>
-        </p:nvSpPr>
-        <p:spPr>
-          <a:xfrm>
-            <a:off x="9724801" y="2096429"/>
-            <a:ext cx="129228" cy="129228"/>
-          </a:xfrm>
-          <a:prstGeom prst="ellipse">
-            <a:avLst/>
-          </a:prstGeom>
-          <a:solidFill>
-            <a:schemeClr val="bg2">
-              <a:lumMod val="75000"/>
-            </a:schemeClr>
-          </a:solidFill>
-          <a:ln>
-            <a:noFill/>
-          </a:ln>
-        </p:spPr>
-        <p:style>
-          <a:lnRef idx="2">
-            <a:schemeClr val="dk1">
-              <a:shade val="50000"/>
-            </a:schemeClr>
-          </a:lnRef>
-          <a:fillRef idx="1">
-            <a:schemeClr val="dk1"/>
-          </a:fillRef>
-          <a:effectRef idx="0">
-            <a:schemeClr val="dk1"/>
-          </a:effectRef>
-          <a:fontRef idx="minor">
-            <a:schemeClr val="lt1"/>
-          </a:fontRef>
-        </p:style>
-        <p:txBody>
-          <a:bodyPr rtlCol="0" anchor="ctr"/>
-          <a:lstStyle/>
-          <a:p>
-            <a:pPr algn="ctr"/>
-            <a:endParaRPr lang="ru-RU" dirty="0"/>
-          </a:p>
-        </p:txBody>
-      </p:sp>
-      <p:sp>
-        <p:nvSpPr>
-          <p:cNvPr id="12" name="Прямоугольник 11">
-            <a:extLst>
-              <a:ext uri="{FF2B5EF4-FFF2-40B4-BE49-F238E27FC236}">
-                <a16:creationId xmlns:a16="http://schemas.microsoft.com/office/drawing/2014/main" id="{DDC33760-2A06-47E2-87BA-A76CC4F810C2}"/>
-              </a:ext>
-            </a:extLst>
-          </p:cNvPr>
-          <p:cNvSpPr/>
-          <p:nvPr/>
-        </p:nvSpPr>
-        <p:spPr>
-          <a:xfrm>
-            <a:off x="5238285" y="2657128"/>
-            <a:ext cx="1715429" cy="506102"/>
-          </a:xfrm>
-          <a:prstGeom prst="rect">
-            <a:avLst/>
-          </a:prstGeom>
-          <a:noFill/>
-          <a:ln>
-            <a:prstDash val="dash"/>
-          </a:ln>
-        </p:spPr>
-        <p:style>
-          <a:lnRef idx="2">
-            <a:schemeClr val="accent1">
-              <a:shade val="50000"/>
-            </a:schemeClr>
-          </a:lnRef>
-          <a:fillRef idx="1">
-            <a:schemeClr val="accent1"/>
-          </a:fillRef>
-          <a:effectRef idx="0">
-            <a:schemeClr val="accent1"/>
-          </a:effectRef>
-          <a:fontRef idx="minor">
-            <a:schemeClr val="lt1"/>
-          </a:fontRef>
-        </p:style>
-        <p:txBody>
-          <a:bodyPr rtlCol="0" anchor="ctr"/>
-          <a:lstStyle/>
-          <a:p>
-            <a:pPr algn="ctr"/>
-            <a:r>
-              <a:rPr lang="en-US" sz="1600" dirty="0">
-                <a:solidFill>
-                  <a:schemeClr val="tx1">
-                    <a:lumMod val="85000"/>
-                    <a:lumOff val="15000"/>
-                  </a:schemeClr>
-                </a:solidFill>
-                <a:latin typeface="Arial Black" panose="020B0A04020102020204" pitchFamily="34" charset="0"/>
-              </a:rPr>
-              <a:t>your main class</a:t>
-            </a:r>
-            <a:endParaRPr lang="ru-RU" sz="1600" dirty="0">
-              <a:solidFill>
-                <a:schemeClr val="tx1">
-                  <a:lumMod val="85000"/>
-                  <a:lumOff val="15000"/>
-                </a:schemeClr>
-              </a:solidFill>
-            </a:endParaRPr>
-          </a:p>
-        </p:txBody>
-      </p:sp>
-      <p:cxnSp>
-        <p:nvCxnSpPr>
-          <p:cNvPr id="13" name="Прямая соединительная линия 12">
-            <a:extLst>
-              <a:ext uri="{FF2B5EF4-FFF2-40B4-BE49-F238E27FC236}">
-                <a16:creationId xmlns:a16="http://schemas.microsoft.com/office/drawing/2014/main" id="{67245ACF-4FD2-48D6-8B2B-5F22BC425FF4}"/>
-              </a:ext>
-            </a:extLst>
-          </p:cNvPr>
-          <p:cNvCxnSpPr>
-            <a:stCxn id="5" idx="2"/>
-            <a:endCxn id="12" idx="0"/>
-          </p:cNvCxnSpPr>
-          <p:nvPr/>
-        </p:nvCxnSpPr>
-        <p:spPr>
-          <a:xfrm>
-            <a:off x="6096000" y="2426959"/>
-            <a:ext cx="0" cy="230169"/>
-          </a:xfrm>
-          <a:prstGeom prst="line">
-            <a:avLst/>
-          </a:prstGeom>
-        </p:spPr>
-        <p:style>
-          <a:lnRef idx="1">
-            <a:schemeClr val="accent1"/>
-          </a:lnRef>
-          <a:fillRef idx="0">
-            <a:schemeClr val="accent1"/>
-          </a:fillRef>
-          <a:effectRef idx="0">
-            <a:schemeClr val="accent1"/>
-          </a:effectRef>
-          <a:fontRef idx="minor">
-            <a:schemeClr val="tx1"/>
-          </a:fontRef>
-        </p:style>
-      </p:cxnSp>
-      <p:sp>
-        <p:nvSpPr>
-          <p:cNvPr id="14" name="TextBox 13">
-            <a:extLst>
-              <a:ext uri="{FF2B5EF4-FFF2-40B4-BE49-F238E27FC236}">
-                <a16:creationId xmlns:a16="http://schemas.microsoft.com/office/drawing/2014/main" id="{BBEF4727-2FC4-4B6C-9043-D3192A6BC5A7}"/>
-              </a:ext>
-            </a:extLst>
-          </p:cNvPr>
-          <p:cNvSpPr txBox="1"/>
-          <p:nvPr/>
-        </p:nvSpPr>
-        <p:spPr>
-          <a:xfrm>
-            <a:off x="1416206" y="3393399"/>
-            <a:ext cx="9355872" cy="2277547"/>
-          </a:xfrm>
-          <a:prstGeom prst="rect">
-            <a:avLst/>
-          </a:prstGeom>
-          <a:noFill/>
-          <a:ln w="76200">
-            <a:solidFill>
-              <a:schemeClr val="bg2">
-                <a:lumMod val="75000"/>
-              </a:schemeClr>
-            </a:solidFill>
-            <a:prstDash val="solid"/>
-          </a:ln>
         </p:spPr>
         <p:txBody>
           <a:bodyPr wrap="square" rtlCol="0">
@@ -6641,241 +7639,195 @@
           </a:bodyPr>
           <a:lstStyle/>
           <a:p>
-            <a:r>
-              <a:rPr lang="en-US" dirty="0">
-                <a:latin typeface="Arial Rounded MT Bold" panose="020F0704030504030204" pitchFamily="34" charset="0"/>
-              </a:rPr>
-              <a:t>Your main class should extend “</a:t>
-            </a:r>
-            <a:r>
-              <a:rPr lang="en-US" dirty="0">
+            <a:pPr marL="342900" indent="-342900">
+              <a:buAutoNum type="arabicPeriod"/>
+            </a:pPr>
+            <a:r>
+              <a:rPr lang="en-US" dirty="0" smtClean="0">
+                <a:latin typeface="Arial Black" pitchFamily="34" charset="0"/>
+              </a:rPr>
+              <a:t>Extends “</a:t>
+            </a:r>
+            <a:r>
+              <a:rPr lang="en-US" dirty="0" smtClean="0">
+                <a:solidFill>
+                  <a:srgbClr val="00B0F0"/>
+                </a:solidFill>
+                <a:latin typeface="Arial Black" pitchFamily="34" charset="0"/>
+              </a:rPr>
+              <a:t>game.game.Game</a:t>
+            </a:r>
+            <a:r>
+              <a:rPr lang="en-US" dirty="0" smtClean="0">
+                <a:latin typeface="Arial Black" pitchFamily="34" charset="0"/>
+              </a:rPr>
+              <a:t>”</a:t>
+            </a:r>
+            <a:r>
+              <a:rPr lang="en-US" dirty="0" smtClean="0">
+                <a:solidFill>
+                  <a:srgbClr val="00B0F0"/>
+                </a:solidFill>
+                <a:latin typeface="Arial Black" pitchFamily="34" charset="0"/>
+              </a:rPr>
+              <a:t> </a:t>
+            </a:r>
+            <a:r>
+              <a:rPr lang="en-US" dirty="0" smtClean="0">
+                <a:latin typeface="Arial Black" pitchFamily="34" charset="0"/>
+              </a:rPr>
+              <a:t>class from </a:t>
+            </a:r>
+            <a:r>
+              <a:rPr lang="en-US" dirty="0" smtClean="0">
+                <a:solidFill>
+                  <a:srgbClr val="00B0F0"/>
+                </a:solidFill>
+                <a:latin typeface="Arial Black" pitchFamily="34" charset="0"/>
+              </a:rPr>
+              <a:t>Engine </a:t>
+            </a:r>
+            <a:r>
+              <a:rPr lang="en-US" dirty="0" smtClean="0">
+                <a:latin typeface="Arial Black" pitchFamily="34" charset="0"/>
+              </a:rPr>
+              <a:t>component</a:t>
+            </a:r>
+          </a:p>
+          <a:p>
+            <a:pPr marL="342900" indent="-342900">
+              <a:buAutoNum type="arabicPeriod"/>
+            </a:pPr>
+            <a:r>
+              <a:rPr lang="en-US" dirty="0" smtClean="0">
+                <a:latin typeface="Arial Black" pitchFamily="34" charset="0"/>
+              </a:rPr>
+              <a:t>Overrides method </a:t>
+            </a:r>
+            <a:r>
+              <a:rPr lang="en-US" dirty="0" smtClean="0">
+                <a:solidFill>
+                  <a:srgbClr val="00B050"/>
+                </a:solidFill>
+                <a:latin typeface="Arial Black" pitchFamily="34" charset="0"/>
+              </a:rPr>
+              <a:t>__onStart()  </a:t>
+            </a:r>
+            <a:r>
+              <a:rPr lang="en-US" dirty="0" smtClean="0">
                 <a:solidFill>
                   <a:srgbClr val="FF0000"/>
                 </a:solidFill>
-                <a:latin typeface="Arial Rounded MT Bold" panose="020F0704030504030204" pitchFamily="34" charset="0"/>
-              </a:rPr>
-              <a:t>Game</a:t>
-            </a:r>
-            <a:r>
-              <a:rPr lang="en-US" dirty="0">
-                <a:latin typeface="Arial Rounded MT Bold" panose="020F0704030504030204" pitchFamily="34" charset="0"/>
-              </a:rPr>
-              <a:t>” class from “</a:t>
-            </a:r>
-            <a:r>
-              <a:rPr lang="en-US" dirty="0" err="1">
+                <a:latin typeface="Arial Black" pitchFamily="34" charset="0"/>
+              </a:rPr>
+              <a:t>- [add “</a:t>
+            </a:r>
+            <a:r>
+              <a:rPr lang="en-US" dirty="0" smtClean="0">
+                <a:solidFill>
+                  <a:schemeClr val="accent6">
+                    <a:lumMod val="75000"/>
+                  </a:schemeClr>
+                </a:solidFill>
+                <a:latin typeface="Arial Black" pitchFamily="34" charset="0"/>
+              </a:rPr>
+              <a:t>super.__onStart()</a:t>
+            </a:r>
+            <a:r>
+              <a:rPr lang="en-US" dirty="0" smtClean="0">
                 <a:solidFill>
                   <a:srgbClr val="FF0000"/>
                 </a:solidFill>
-                <a:latin typeface="Arial Rounded MT Bold" panose="020F0704030504030204" pitchFamily="34" charset="0"/>
-              </a:rPr>
-              <a:t>game.game</a:t>
-            </a:r>
-            <a:r>
-              <a:rPr lang="en-US" dirty="0">
-                <a:latin typeface="Arial Rounded MT Bold" panose="020F0704030504030204" pitchFamily="34" charset="0"/>
-              </a:rPr>
-              <a:t>” package of </a:t>
-            </a:r>
-            <a:r>
-              <a:rPr lang="en-US" dirty="0">
+                <a:latin typeface="Arial Black" pitchFamily="34" charset="0"/>
+              </a:rPr>
+              <a:t>”</a:t>
+            </a:r>
+            <a:r>
+              <a:rPr lang="en-US" dirty="0" smtClean="0">
+                <a:solidFill>
+                  <a:schemeClr val="accent6">
+                    <a:lumMod val="75000"/>
+                  </a:schemeClr>
+                </a:solidFill>
+                <a:latin typeface="Arial Black" pitchFamily="34" charset="0"/>
+              </a:rPr>
+              <a:t> </a:t>
+            </a:r>
+            <a:r>
+              <a:rPr lang="en-US" dirty="0" smtClean="0">
+                <a:solidFill>
+                  <a:srgbClr val="FF0000"/>
+                </a:solidFill>
+                <a:latin typeface="Arial Black" pitchFamily="34" charset="0"/>
+              </a:rPr>
+              <a:t>before code]</a:t>
+            </a:r>
+          </a:p>
+          <a:p>
+            <a:pPr marL="342900" indent="-342900">
+              <a:buAutoNum type="arabicPeriod"/>
+            </a:pPr>
+            <a:r>
+              <a:rPr lang="en-US" dirty="0" smtClean="0">
+                <a:latin typeface="Arial Black" pitchFamily="34" charset="0"/>
+              </a:rPr>
+              <a:t>Overrides method </a:t>
+            </a:r>
+            <a:r>
+              <a:rPr lang="en-US" dirty="0" smtClean="0">
+                <a:solidFill>
+                  <a:srgbClr val="00B0F0"/>
+                </a:solidFill>
+                <a:latin typeface="Arial Black" pitchFamily="34" charset="0"/>
+              </a:rPr>
+              <a:t>__onUpdate()</a:t>
+            </a:r>
+          </a:p>
+          <a:p>
+            <a:pPr marL="342900" indent="-342900">
+              <a:buAutoNum type="arabicPeriod"/>
+            </a:pPr>
+            <a:r>
+              <a:rPr lang="en-US" dirty="0" smtClean="0">
+                <a:latin typeface="Arial Black" pitchFamily="34" charset="0"/>
+              </a:rPr>
+              <a:t>Overrides method </a:t>
+            </a:r>
+            <a:r>
+              <a:rPr lang="en-US" dirty="0" smtClean="0">
                 <a:solidFill>
                   <a:schemeClr val="accent2">
                     <a:lumMod val="75000"/>
                   </a:schemeClr>
                 </a:solidFill>
-                <a:latin typeface="Arial Rounded MT Bold" panose="020F0704030504030204" pitchFamily="34" charset="0"/>
-              </a:rPr>
-              <a:t>engine component </a:t>
-            </a:r>
-            <a:r>
-              <a:rPr lang="en-US" dirty="0">
-                <a:latin typeface="Arial Rounded MT Bold" panose="020F0704030504030204" pitchFamily="34" charset="0"/>
-              </a:rPr>
-              <a:t>and override methods:</a:t>
-            </a:r>
-          </a:p>
-          <a:p>
-            <a:endParaRPr lang="en-US" dirty="0">
-              <a:latin typeface="Arial Rounded MT Bold" panose="020F0704030504030204" pitchFamily="34" charset="0"/>
+                <a:latin typeface="Arial Black" pitchFamily="34" charset="0"/>
+              </a:rPr>
+              <a:t>__onUpdateWithPause()  </a:t>
+            </a:r>
+            <a:r>
+              <a:rPr lang="en-US" dirty="0" smtClean="0">
+                <a:solidFill>
+                  <a:srgbClr val="FF0000"/>
+                </a:solidFill>
+                <a:latin typeface="Arial Black" pitchFamily="34" charset="0"/>
+              </a:rPr>
+              <a:t>- [optional]</a:t>
+            </a:r>
+          </a:p>
+          <a:p>
+            <a:pPr marL="342900" indent="-342900">
+              <a:buAutoNum type="arabicPeriod"/>
+            </a:pPr>
+            <a:endParaRPr lang="ru-RU" dirty="0">
+              <a:latin typeface="Arial Black" pitchFamily="34" charset="0"/>
             </a:endParaRPr>
-          </a:p>
-          <a:p>
-            <a:r>
-              <a:rPr lang="en-US" dirty="0">
-                <a:solidFill>
-                  <a:schemeClr val="tx2">
-                    <a:lumMod val="75000"/>
-                  </a:schemeClr>
-                </a:solidFill>
-                <a:latin typeface="Arial Rounded MT Bold" panose="020F0704030504030204" pitchFamily="34" charset="0"/>
-              </a:rPr>
-              <a:t>__</a:t>
-            </a:r>
-            <a:r>
-              <a:rPr lang="en-US" dirty="0" err="1">
-                <a:solidFill>
-                  <a:schemeClr val="tx2">
-                    <a:lumMod val="75000"/>
-                  </a:schemeClr>
-                </a:solidFill>
-                <a:latin typeface="Arial Rounded MT Bold" panose="020F0704030504030204" pitchFamily="34" charset="0"/>
-              </a:rPr>
-              <a:t>onStart</a:t>
-            </a:r>
-            <a:r>
-              <a:rPr lang="en-US" dirty="0">
-                <a:solidFill>
-                  <a:schemeClr val="tx2">
-                    <a:lumMod val="75000"/>
-                  </a:schemeClr>
-                </a:solidFill>
-                <a:latin typeface="Arial Rounded MT Bold" panose="020F0704030504030204" pitchFamily="34" charset="0"/>
-              </a:rPr>
-              <a:t>()                                </a:t>
-            </a:r>
-            <a:r>
-              <a:rPr lang="en-US" sz="1600" dirty="0">
-                <a:solidFill>
-                  <a:schemeClr val="accent2">
-                    <a:lumMod val="75000"/>
-                  </a:schemeClr>
-                </a:solidFill>
-                <a:latin typeface="Arial Rounded MT Bold" panose="020F0704030504030204" pitchFamily="34" charset="0"/>
-              </a:rPr>
-              <a:t>[don’t forget to put “super.__</a:t>
-            </a:r>
-            <a:r>
-              <a:rPr lang="en-US" sz="1600" dirty="0" err="1">
-                <a:solidFill>
-                  <a:schemeClr val="accent2">
-                    <a:lumMod val="75000"/>
-                  </a:schemeClr>
-                </a:solidFill>
-                <a:latin typeface="Arial Rounded MT Bold" panose="020F0704030504030204" pitchFamily="34" charset="0"/>
-              </a:rPr>
-              <a:t>onStart</a:t>
-            </a:r>
-            <a:r>
-              <a:rPr lang="en-US" sz="1600" dirty="0">
-                <a:solidFill>
-                  <a:schemeClr val="accent2">
-                    <a:lumMod val="75000"/>
-                  </a:schemeClr>
-                </a:solidFill>
-                <a:latin typeface="Arial Rounded MT Bold" panose="020F0704030504030204" pitchFamily="34" charset="0"/>
-              </a:rPr>
-              <a:t>()” before your code!]</a:t>
-            </a:r>
-          </a:p>
-          <a:p>
-            <a:endParaRPr lang="en-US" sz="1600" dirty="0">
-              <a:solidFill>
-                <a:schemeClr val="accent2">
-                  <a:lumMod val="75000"/>
-                </a:schemeClr>
-              </a:solidFill>
-              <a:latin typeface="Arial Rounded MT Bold" panose="020F0704030504030204" pitchFamily="34" charset="0"/>
-            </a:endParaRPr>
-          </a:p>
-          <a:p>
-            <a:r>
-              <a:rPr lang="en-US" dirty="0">
-                <a:solidFill>
-                  <a:schemeClr val="tx2">
-                    <a:lumMod val="75000"/>
-                  </a:schemeClr>
-                </a:solidFill>
-                <a:latin typeface="Arial Rounded MT Bold" panose="020F0704030504030204" pitchFamily="34" charset="0"/>
-              </a:rPr>
-              <a:t>__</a:t>
-            </a:r>
-            <a:r>
-              <a:rPr lang="en-US" dirty="0" err="1">
-                <a:solidFill>
-                  <a:schemeClr val="tx2">
-                    <a:lumMod val="75000"/>
-                  </a:schemeClr>
-                </a:solidFill>
-                <a:latin typeface="Arial Rounded MT Bold" panose="020F0704030504030204" pitchFamily="34" charset="0"/>
-              </a:rPr>
-              <a:t>onUpdate</a:t>
-            </a:r>
-            <a:r>
-              <a:rPr lang="en-US" dirty="0">
-                <a:solidFill>
-                  <a:schemeClr val="tx2">
-                    <a:lumMod val="75000"/>
-                  </a:schemeClr>
-                </a:solidFill>
-                <a:latin typeface="Arial Rounded MT Bold" panose="020F0704030504030204" pitchFamily="34" charset="0"/>
-              </a:rPr>
-              <a:t>()</a:t>
-            </a:r>
-          </a:p>
-          <a:p>
-            <a:endParaRPr lang="en-US" dirty="0">
-              <a:solidFill>
-                <a:schemeClr val="tx2">
-                  <a:lumMod val="75000"/>
-                </a:schemeClr>
-              </a:solidFill>
-              <a:latin typeface="Arial Rounded MT Bold" panose="020F0704030504030204" pitchFamily="34" charset="0"/>
-            </a:endParaRPr>
-          </a:p>
-          <a:p>
-            <a:r>
-              <a:rPr lang="en-US" dirty="0">
-                <a:solidFill>
-                  <a:schemeClr val="tx2">
-                    <a:lumMod val="75000"/>
-                  </a:schemeClr>
-                </a:solidFill>
-                <a:latin typeface="Arial Rounded MT Bold" panose="020F0704030504030204" pitchFamily="34" charset="0"/>
-              </a:rPr>
-              <a:t>__</a:t>
-            </a:r>
-            <a:r>
-              <a:rPr lang="en-US" dirty="0" err="1">
-                <a:solidFill>
-                  <a:schemeClr val="tx2">
-                    <a:lumMod val="75000"/>
-                  </a:schemeClr>
-                </a:solidFill>
-                <a:latin typeface="Arial Rounded MT Bold" panose="020F0704030504030204" pitchFamily="34" charset="0"/>
-              </a:rPr>
-              <a:t>onUpdateWithPause</a:t>
-            </a:r>
-            <a:r>
-              <a:rPr lang="en-US" dirty="0">
-                <a:solidFill>
-                  <a:schemeClr val="tx2">
-                    <a:lumMod val="75000"/>
-                  </a:schemeClr>
-                </a:solidFill>
-                <a:latin typeface="Arial Rounded MT Bold" panose="020F0704030504030204" pitchFamily="34" charset="0"/>
-              </a:rPr>
-              <a:t>()       </a:t>
-            </a:r>
-            <a:r>
-              <a:rPr lang="en-US" sz="1600" dirty="0">
-                <a:solidFill>
-                  <a:schemeClr val="accent2">
-                    <a:lumMod val="75000"/>
-                  </a:schemeClr>
-                </a:solidFill>
-                <a:latin typeface="Arial Rounded MT Bold" panose="020F0704030504030204" pitchFamily="34" charset="0"/>
-              </a:rPr>
-              <a:t>[optional]</a:t>
-            </a:r>
-            <a:endParaRPr lang="ru-RU" dirty="0"/>
           </a:p>
         </p:txBody>
       </p:sp>
     </p:spTree>
     <p:extLst>
       <p:ext uri="{BB962C8B-B14F-4D97-AF65-F5344CB8AC3E}">
-        <p14:creationId xmlns:p14="http://schemas.microsoft.com/office/powerpoint/2010/main" val="373373966"/>
+        <p14:creationId xmlns="" xmlns:p14="http://schemas.microsoft.com/office/powerpoint/2010/main" val="373373966"/>
       </p:ext>
     </p:extLst>
   </p:cSld>
@@ -6904,10 +7856,673 @@
       </p:grpSpPr>
       <p:sp>
         <p:nvSpPr>
+          <p:cNvPr id="4" name="Заголовок 1">
+            <a:extLst>
+              <a:ext uri="{FF2B5EF4-FFF2-40B4-BE49-F238E27FC236}">
+                <a16:creationId xmlns="" xmlns:a16="http://schemas.microsoft.com/office/drawing/2014/main" id="{6E667686-5DEB-465C-B7AD-289CD85D4E40}"/>
+              </a:ext>
+            </a:extLst>
+          </p:cNvPr>
+          <p:cNvSpPr>
+            <a:spLocks noGrp="1"/>
+          </p:cNvSpPr>
+          <p:nvPr>
+            <p:ph type="title"/>
+          </p:nvPr>
+        </p:nvSpPr>
+        <p:spPr>
+          <a:xfrm>
+            <a:off x="838200" y="211297"/>
+            <a:ext cx="10515600" cy="1325563"/>
+          </a:xfrm>
+          <a:solidFill>
+            <a:srgbClr val="92D050"/>
+          </a:solidFill>
+          <a:ln>
+            <a:noFill/>
+          </a:ln>
+        </p:spPr>
+        <p:txBody>
+          <a:bodyPr/>
+          <a:lstStyle/>
+          <a:p>
+            <a:pPr algn="ctr"/>
+            <a:r>
+              <a:rPr lang="en-US" dirty="0">
+                <a:latin typeface="Arial Black" panose="020B0A04020102020204" pitchFamily="34" charset="0"/>
+              </a:rPr>
+              <a:t>Game</a:t>
+            </a:r>
+            <a:r>
+              <a:rPr lang="ru-RU" dirty="0">
+                <a:latin typeface="Arial Black" panose="020B0A04020102020204" pitchFamily="34" charset="0"/>
+              </a:rPr>
+              <a:t> </a:t>
+            </a:r>
+            <a:r>
+              <a:rPr lang="en-US" dirty="0">
+                <a:latin typeface="Arial Black" panose="020B0A04020102020204" pitchFamily="34" charset="0"/>
+              </a:rPr>
+              <a:t/>
+            </a:r>
+            <a:br>
+              <a:rPr lang="en-US" dirty="0">
+                <a:latin typeface="Arial Black" panose="020B0A04020102020204" pitchFamily="34" charset="0"/>
+              </a:rPr>
+            </a:br>
+            <a:r>
+              <a:rPr lang="en-US" sz="3200" dirty="0">
+                <a:latin typeface="Arial Black" panose="020B0A04020102020204" pitchFamily="34" charset="0"/>
+              </a:rPr>
+              <a:t>component</a:t>
+            </a:r>
+            <a:endParaRPr lang="ru-RU" sz="3200" dirty="0">
+              <a:latin typeface="Arial Black" panose="020B0A04020102020204" pitchFamily="34" charset="0"/>
+            </a:endParaRPr>
+          </a:p>
+        </p:txBody>
+      </p:sp>
+      <p:sp>
+        <p:nvSpPr>
+          <p:cNvPr id="18" name="TextBox 17">
+            <a:extLst>
+              <a:ext uri="{FF2B5EF4-FFF2-40B4-BE49-F238E27FC236}">
+                <a16:creationId xmlns="" xmlns:a16="http://schemas.microsoft.com/office/drawing/2014/main" id="{439F3E81-9AF5-4C02-BBA3-030A77CBD940}"/>
+              </a:ext>
+            </a:extLst>
+          </p:cNvPr>
+          <p:cNvSpPr txBox="1"/>
+          <p:nvPr/>
+        </p:nvSpPr>
+        <p:spPr>
+          <a:xfrm>
+            <a:off x="8073483" y="843240"/>
+            <a:ext cx="2330605" cy="369332"/>
+          </a:xfrm>
+          <a:prstGeom prst="rect">
+            <a:avLst/>
+          </a:prstGeom>
+          <a:noFill/>
+        </p:spPr>
+        <p:txBody>
+          <a:bodyPr wrap="square" rtlCol="0">
+            <a:spAutoFit/>
+          </a:bodyPr>
+          <a:lstStyle/>
+          <a:p>
+            <a:r>
+              <a:rPr lang="en-US" dirty="0" smtClean="0">
+                <a:latin typeface="Arial Black" panose="020B0A04020102020204" pitchFamily="34" charset="0"/>
+              </a:rPr>
+              <a:t>Settings.xml</a:t>
+            </a:r>
+            <a:endParaRPr lang="ru-RU" dirty="0">
+              <a:latin typeface="Arial Black" panose="020B0A04020102020204" pitchFamily="34" charset="0"/>
+            </a:endParaRPr>
+          </a:p>
+        </p:txBody>
+      </p:sp>
+      <p:pic>
+        <p:nvPicPr>
+          <p:cNvPr id="1027" name="Picture 3"/>
+          <p:cNvPicPr>
+            <a:picLocks noChangeAspect="1" noChangeArrowheads="1"/>
+          </p:cNvPicPr>
+          <p:nvPr/>
+        </p:nvPicPr>
+        <p:blipFill>
+          <a:blip r:embed="rId2"/>
+          <a:srcRect l="25460" t="10130" r="60619" b="75062"/>
+          <a:stretch>
+            <a:fillRect/>
+          </a:stretch>
+        </p:blipFill>
+        <p:spPr bwMode="auto">
+          <a:xfrm>
+            <a:off x="2060248" y="2498075"/>
+            <a:ext cx="3680460" cy="2202180"/>
+          </a:xfrm>
+          <a:prstGeom prst="rect">
+            <a:avLst/>
+          </a:prstGeom>
+          <a:noFill/>
+          <a:ln w="28575">
+            <a:solidFill>
+              <a:schemeClr val="tx1"/>
+            </a:solidFill>
+            <a:miter lim="800000"/>
+            <a:headEnd/>
+            <a:tailEnd/>
+          </a:ln>
+          <a:effectLst/>
+        </p:spPr>
+      </p:pic>
+      <p:pic>
+        <p:nvPicPr>
+          <p:cNvPr id="1029" name="Picture 5"/>
+          <p:cNvPicPr>
+            <a:picLocks noChangeAspect="1" noChangeArrowheads="1"/>
+          </p:cNvPicPr>
+          <p:nvPr/>
+        </p:nvPicPr>
+        <p:blipFill>
+          <a:blip r:embed="rId3"/>
+          <a:srcRect l="26431" t="9663" r="59891" b="75937"/>
+          <a:stretch>
+            <a:fillRect/>
+          </a:stretch>
+        </p:blipFill>
+        <p:spPr bwMode="auto">
+          <a:xfrm>
+            <a:off x="6077070" y="2496743"/>
+            <a:ext cx="3725712" cy="2206287"/>
+          </a:xfrm>
+          <a:prstGeom prst="rect">
+            <a:avLst/>
+          </a:prstGeom>
+          <a:noFill/>
+          <a:ln w="28575">
+            <a:solidFill>
+              <a:schemeClr val="tx1"/>
+            </a:solidFill>
+            <a:miter lim="800000"/>
+            <a:headEnd/>
+            <a:tailEnd/>
+          </a:ln>
+          <a:effectLst/>
+        </p:spPr>
+      </p:pic>
+      <p:sp>
+        <p:nvSpPr>
+          <p:cNvPr id="17" name="Прямоугольник 16">
+            <a:extLst>
+              <a:ext uri="{FF2B5EF4-FFF2-40B4-BE49-F238E27FC236}">
+                <a16:creationId xmlns="" xmlns:a16="http://schemas.microsoft.com/office/drawing/2014/main" id="{2E9E7EB6-23EA-422D-8A87-261A5B546FAF}"/>
+              </a:ext>
+            </a:extLst>
+          </p:cNvPr>
+          <p:cNvSpPr/>
+          <p:nvPr/>
+        </p:nvSpPr>
+        <p:spPr>
+          <a:xfrm>
+            <a:off x="5146420" y="1843942"/>
+            <a:ext cx="1715429" cy="506102"/>
+          </a:xfrm>
+          <a:prstGeom prst="rect">
+            <a:avLst/>
+          </a:prstGeom>
+          <a:solidFill>
+            <a:schemeClr val="bg1"/>
+          </a:solidFill>
+        </p:spPr>
+        <p:style>
+          <a:lnRef idx="2">
+            <a:schemeClr val="accent1">
+              <a:shade val="50000"/>
+            </a:schemeClr>
+          </a:lnRef>
+          <a:fillRef idx="1">
+            <a:schemeClr val="accent1"/>
+          </a:fillRef>
+          <a:effectRef idx="0">
+            <a:schemeClr val="accent1"/>
+          </a:effectRef>
+          <a:fontRef idx="minor">
+            <a:schemeClr val="lt1"/>
+          </a:fontRef>
+        </p:style>
+        <p:txBody>
+          <a:bodyPr rtlCol="0" anchor="ctr"/>
+          <a:lstStyle/>
+          <a:p>
+            <a:pPr algn="ctr"/>
+            <a:r>
+              <a:rPr lang="en-US" sz="1600" dirty="0" smtClean="0">
+                <a:solidFill>
+                  <a:schemeClr val="tx1">
+                    <a:lumMod val="85000"/>
+                    <a:lumOff val="15000"/>
+                  </a:schemeClr>
+                </a:solidFill>
+                <a:latin typeface="Arial Black" panose="020B0A04020102020204" pitchFamily="34" charset="0"/>
+              </a:rPr>
+              <a:t>Settings.xml</a:t>
+            </a:r>
+            <a:endParaRPr lang="ru-RU" sz="1600" dirty="0">
+              <a:solidFill>
+                <a:schemeClr val="tx1">
+                  <a:lumMod val="85000"/>
+                  <a:lumOff val="15000"/>
+                </a:schemeClr>
+              </a:solidFill>
+            </a:endParaRPr>
+          </a:p>
+        </p:txBody>
+      </p:sp>
+      <p:sp>
+        <p:nvSpPr>
+          <p:cNvPr id="20" name="Прямоугольник 19">
+            <a:extLst>
+              <a:ext uri="{FF2B5EF4-FFF2-40B4-BE49-F238E27FC236}">
+                <a16:creationId xmlns="" xmlns:a16="http://schemas.microsoft.com/office/drawing/2014/main" id="{ED0F6185-E10D-4597-A3E7-A8CAC23EEC70}"/>
+              </a:ext>
+            </a:extLst>
+          </p:cNvPr>
+          <p:cNvSpPr/>
+          <p:nvPr/>
+        </p:nvSpPr>
+        <p:spPr>
+          <a:xfrm>
+            <a:off x="2484666" y="5189366"/>
+            <a:ext cx="1715429" cy="506102"/>
+          </a:xfrm>
+          <a:prstGeom prst="rect">
+            <a:avLst/>
+          </a:prstGeom>
+          <a:solidFill>
+            <a:srgbClr val="00B050"/>
+          </a:solidFill>
+          <a:ln>
+            <a:solidFill>
+              <a:schemeClr val="tx1"/>
+            </a:solidFill>
+          </a:ln>
+        </p:spPr>
+        <p:style>
+          <a:lnRef idx="2">
+            <a:schemeClr val="accent1">
+              <a:shade val="50000"/>
+            </a:schemeClr>
+          </a:lnRef>
+          <a:fillRef idx="1">
+            <a:schemeClr val="accent1"/>
+          </a:fillRef>
+          <a:effectRef idx="0">
+            <a:schemeClr val="accent1"/>
+          </a:effectRef>
+          <a:fontRef idx="minor">
+            <a:schemeClr val="lt1"/>
+          </a:fontRef>
+        </p:style>
+        <p:txBody>
+          <a:bodyPr rtlCol="0" anchor="ctr"/>
+          <a:lstStyle/>
+          <a:p>
+            <a:pPr algn="ctr"/>
+            <a:r>
+              <a:rPr lang="en-US" dirty="0">
+                <a:solidFill>
+                  <a:schemeClr val="tx1">
+                    <a:lumMod val="85000"/>
+                    <a:lumOff val="15000"/>
+                  </a:schemeClr>
+                </a:solidFill>
+                <a:latin typeface="Arial Black" panose="020B0A04020102020204" pitchFamily="34" charset="0"/>
+              </a:rPr>
+              <a:t>resource</a:t>
+            </a:r>
+            <a:endParaRPr lang="ru-RU" dirty="0">
+              <a:solidFill>
+                <a:schemeClr val="tx1">
+                  <a:lumMod val="85000"/>
+                  <a:lumOff val="15000"/>
+                </a:schemeClr>
+              </a:solidFill>
+              <a:latin typeface="Arial Black" panose="020B0A04020102020204" pitchFamily="34" charset="0"/>
+            </a:endParaRPr>
+          </a:p>
+        </p:txBody>
+      </p:sp>
+      <p:sp>
+        <p:nvSpPr>
+          <p:cNvPr id="21" name="Прямоугольник 20">
+            <a:extLst>
+              <a:ext uri="{FF2B5EF4-FFF2-40B4-BE49-F238E27FC236}">
+                <a16:creationId xmlns="" xmlns:a16="http://schemas.microsoft.com/office/drawing/2014/main" id="{71CE9277-B0E7-48BA-BB8A-6DD304007D24}"/>
+              </a:ext>
+            </a:extLst>
+          </p:cNvPr>
+          <p:cNvSpPr/>
+          <p:nvPr/>
+        </p:nvSpPr>
+        <p:spPr>
+          <a:xfrm>
+            <a:off x="5070048" y="5189837"/>
+            <a:ext cx="1715429" cy="506102"/>
+          </a:xfrm>
+          <a:prstGeom prst="rect">
+            <a:avLst/>
+          </a:prstGeom>
+          <a:solidFill>
+            <a:schemeClr val="accent3">
+              <a:lumMod val="40000"/>
+              <a:lumOff val="60000"/>
+            </a:schemeClr>
+          </a:solidFill>
+          <a:ln>
+            <a:solidFill>
+              <a:schemeClr val="tx1"/>
+            </a:solidFill>
+          </a:ln>
+        </p:spPr>
+        <p:style>
+          <a:lnRef idx="2">
+            <a:schemeClr val="accent1">
+              <a:shade val="50000"/>
+            </a:schemeClr>
+          </a:lnRef>
+          <a:fillRef idx="1">
+            <a:schemeClr val="accent1"/>
+          </a:fillRef>
+          <a:effectRef idx="0">
+            <a:schemeClr val="accent1"/>
+          </a:effectRef>
+          <a:fontRef idx="minor">
+            <a:schemeClr val="lt1"/>
+          </a:fontRef>
+        </p:style>
+        <p:txBody>
+          <a:bodyPr rtlCol="0" anchor="ctr"/>
+          <a:lstStyle/>
+          <a:p>
+            <a:pPr algn="ctr"/>
+            <a:r>
+              <a:rPr lang="en-US" dirty="0" smtClean="0">
+                <a:solidFill>
+                  <a:schemeClr val="tx1">
+                    <a:lumMod val="85000"/>
+                    <a:lumOff val="15000"/>
+                  </a:schemeClr>
+                </a:solidFill>
+                <a:latin typeface="Arial Black" panose="020B0A04020102020204" pitchFamily="34" charset="0"/>
+              </a:rPr>
+              <a:t>map</a:t>
+            </a:r>
+            <a:endParaRPr lang="ru-RU" dirty="0">
+              <a:solidFill>
+                <a:schemeClr val="tx1">
+                  <a:lumMod val="85000"/>
+                  <a:lumOff val="15000"/>
+                </a:schemeClr>
+              </a:solidFill>
+              <a:latin typeface="Arial Black" panose="020B0A04020102020204" pitchFamily="34" charset="0"/>
+            </a:endParaRPr>
+          </a:p>
+        </p:txBody>
+      </p:sp>
+      <p:sp>
+        <p:nvSpPr>
+          <p:cNvPr id="24" name="Прямоугольник 23">
+            <a:extLst>
+              <a:ext uri="{FF2B5EF4-FFF2-40B4-BE49-F238E27FC236}">
+                <a16:creationId xmlns="" xmlns:a16="http://schemas.microsoft.com/office/drawing/2014/main" id="{2E9E7EB6-23EA-422D-8A87-261A5B546FAF}"/>
+              </a:ext>
+            </a:extLst>
+          </p:cNvPr>
+          <p:cNvSpPr/>
+          <p:nvPr/>
+        </p:nvSpPr>
+        <p:spPr>
+          <a:xfrm>
+            <a:off x="7802748" y="4859182"/>
+            <a:ext cx="1715429" cy="506102"/>
+          </a:xfrm>
+          <a:prstGeom prst="rect">
+            <a:avLst/>
+          </a:prstGeom>
+          <a:solidFill>
+            <a:schemeClr val="bg1"/>
+          </a:solidFill>
+        </p:spPr>
+        <p:style>
+          <a:lnRef idx="2">
+            <a:schemeClr val="accent1">
+              <a:shade val="50000"/>
+            </a:schemeClr>
+          </a:lnRef>
+          <a:fillRef idx="1">
+            <a:schemeClr val="accent1"/>
+          </a:fillRef>
+          <a:effectRef idx="0">
+            <a:schemeClr val="accent1"/>
+          </a:effectRef>
+          <a:fontRef idx="minor">
+            <a:schemeClr val="lt1"/>
+          </a:fontRef>
+        </p:style>
+        <p:txBody>
+          <a:bodyPr rtlCol="0" anchor="ctr"/>
+          <a:lstStyle/>
+          <a:p>
+            <a:pPr algn="ctr"/>
+            <a:r>
+              <a:rPr lang="en-US" sz="1400" dirty="0" smtClean="0">
+                <a:solidFill>
+                  <a:schemeClr val="tx1">
+                    <a:lumMod val="85000"/>
+                    <a:lumOff val="15000"/>
+                  </a:schemeClr>
+                </a:solidFill>
+                <a:latin typeface="Arial Black" panose="020B0A04020102020204" pitchFamily="34" charset="0"/>
+              </a:rPr>
+              <a:t>modelMap.xml</a:t>
+            </a:r>
+            <a:endParaRPr lang="ru-RU" sz="1400" dirty="0">
+              <a:solidFill>
+                <a:schemeClr val="tx1">
+                  <a:lumMod val="85000"/>
+                  <a:lumOff val="15000"/>
+                </a:schemeClr>
+              </a:solidFill>
+            </a:endParaRPr>
+          </a:p>
+        </p:txBody>
+      </p:sp>
+      <p:sp>
+        <p:nvSpPr>
+          <p:cNvPr id="25" name="Прямоугольник 24">
+            <a:extLst>
+              <a:ext uri="{FF2B5EF4-FFF2-40B4-BE49-F238E27FC236}">
+                <a16:creationId xmlns="" xmlns:a16="http://schemas.microsoft.com/office/drawing/2014/main" id="{2E9E7EB6-23EA-422D-8A87-261A5B546FAF}"/>
+              </a:ext>
+            </a:extLst>
+          </p:cNvPr>
+          <p:cNvSpPr/>
+          <p:nvPr/>
+        </p:nvSpPr>
+        <p:spPr>
+          <a:xfrm>
+            <a:off x="7835507" y="5609786"/>
+            <a:ext cx="1715429" cy="506102"/>
+          </a:xfrm>
+          <a:prstGeom prst="rect">
+            <a:avLst/>
+          </a:prstGeom>
+          <a:solidFill>
+            <a:schemeClr val="bg1"/>
+          </a:solidFill>
+        </p:spPr>
+        <p:style>
+          <a:lnRef idx="2">
+            <a:schemeClr val="accent1">
+              <a:shade val="50000"/>
+            </a:schemeClr>
+          </a:lnRef>
+          <a:fillRef idx="1">
+            <a:schemeClr val="accent1"/>
+          </a:fillRef>
+          <a:effectRef idx="0">
+            <a:schemeClr val="accent1"/>
+          </a:effectRef>
+          <a:fontRef idx="minor">
+            <a:schemeClr val="lt1"/>
+          </a:fontRef>
+        </p:style>
+        <p:txBody>
+          <a:bodyPr rtlCol="0" anchor="ctr"/>
+          <a:lstStyle/>
+          <a:p>
+            <a:pPr algn="ctr"/>
+            <a:r>
+              <a:rPr lang="en-US" sz="1400" dirty="0" smtClean="0">
+                <a:solidFill>
+                  <a:schemeClr val="tx1">
+                    <a:lumMod val="85000"/>
+                    <a:lumOff val="15000"/>
+                  </a:schemeClr>
+                </a:solidFill>
+                <a:latin typeface="Arial Black" panose="020B0A04020102020204" pitchFamily="34" charset="0"/>
+              </a:rPr>
+              <a:t>levelMap.xml</a:t>
+            </a:r>
+            <a:endParaRPr lang="ru-RU" sz="1400" dirty="0">
+              <a:solidFill>
+                <a:schemeClr val="tx1">
+                  <a:lumMod val="85000"/>
+                  <a:lumOff val="15000"/>
+                </a:schemeClr>
+              </a:solidFill>
+            </a:endParaRPr>
+          </a:p>
+        </p:txBody>
+      </p:sp>
+      <p:cxnSp>
+        <p:nvCxnSpPr>
+          <p:cNvPr id="31" name="Прямая соединительная линия 30"/>
+          <p:cNvCxnSpPr>
+            <a:stCxn id="20" idx="3"/>
+            <a:endCxn id="21" idx="1"/>
+          </p:cNvCxnSpPr>
+          <p:nvPr/>
+        </p:nvCxnSpPr>
+        <p:spPr>
+          <a:xfrm>
+            <a:off x="4200095" y="5442417"/>
+            <a:ext cx="869953" cy="471"/>
+          </a:xfrm>
+          <a:prstGeom prst="line">
+            <a:avLst/>
+          </a:prstGeom>
+        </p:spPr>
+        <p:style>
+          <a:lnRef idx="1">
+            <a:schemeClr val="accent1"/>
+          </a:lnRef>
+          <a:fillRef idx="0">
+            <a:schemeClr val="accent1"/>
+          </a:fillRef>
+          <a:effectRef idx="0">
+            <a:schemeClr val="accent1"/>
+          </a:effectRef>
+          <a:fontRef idx="minor">
+            <a:schemeClr val="tx1"/>
+          </a:fontRef>
+        </p:style>
+      </p:cxnSp>
+      <p:cxnSp>
+        <p:nvCxnSpPr>
+          <p:cNvPr id="33" name="Соединительная линия уступом 32"/>
+          <p:cNvCxnSpPr/>
+          <p:nvPr/>
+        </p:nvCxnSpPr>
+        <p:spPr>
+          <a:xfrm flipV="1">
+            <a:off x="6785477" y="5112233"/>
+            <a:ext cx="1017271" cy="330655"/>
+          </a:xfrm>
+          <a:prstGeom prst="bentConnector3">
+            <a:avLst>
+              <a:gd name="adj1" fmla="val 50840"/>
+            </a:avLst>
+          </a:prstGeom>
+        </p:spPr>
+        <p:style>
+          <a:lnRef idx="1">
+            <a:schemeClr val="accent1"/>
+          </a:lnRef>
+          <a:fillRef idx="0">
+            <a:schemeClr val="accent1"/>
+          </a:fillRef>
+          <a:effectRef idx="0">
+            <a:schemeClr val="accent1"/>
+          </a:effectRef>
+          <a:fontRef idx="minor">
+            <a:schemeClr val="tx1"/>
+          </a:fontRef>
+        </p:style>
+      </p:cxnSp>
+      <p:cxnSp>
+        <p:nvCxnSpPr>
+          <p:cNvPr id="35" name="Соединительная линия уступом 34"/>
+          <p:cNvCxnSpPr>
+            <a:stCxn id="21" idx="3"/>
+            <a:endCxn id="25" idx="1"/>
+          </p:cNvCxnSpPr>
+          <p:nvPr/>
+        </p:nvCxnSpPr>
+        <p:spPr>
+          <a:xfrm>
+            <a:off x="6785477" y="5442888"/>
+            <a:ext cx="1050030" cy="419949"/>
+          </a:xfrm>
+          <a:prstGeom prst="bentConnector3">
+            <a:avLst>
+              <a:gd name="adj1" fmla="val 49279"/>
+            </a:avLst>
+          </a:prstGeom>
+        </p:spPr>
+        <p:style>
+          <a:lnRef idx="1">
+            <a:schemeClr val="accent1"/>
+          </a:lnRef>
+          <a:fillRef idx="0">
+            <a:schemeClr val="accent1"/>
+          </a:fillRef>
+          <a:effectRef idx="0">
+            <a:schemeClr val="accent1"/>
+          </a:effectRef>
+          <a:fontRef idx="minor">
+            <a:schemeClr val="tx1"/>
+          </a:fontRef>
+        </p:style>
+      </p:cxnSp>
+    </p:spTree>
+    <p:extLst>
+      <p:ext uri="{BB962C8B-B14F-4D97-AF65-F5344CB8AC3E}">
+        <p14:creationId xmlns="" xmlns:p14="http://schemas.microsoft.com/office/powerpoint/2010/main" val="373373966"/>
+      </p:ext>
+    </p:extLst>
+  </p:cSld>
+  <p:clrMapOvr>
+    <a:masterClrMapping/>
+  </p:clrMapOvr>
+</p:sld>
+</file>
+
+<file path=ppt/slides/slide7.xml><?xml version="1.0" encoding="utf-8"?>
+<p:sld xmlns:a="http://schemas.openxmlformats.org/drawingml/2006/main" xmlns:r="http://schemas.openxmlformats.org/officeDocument/2006/relationships" xmlns:p="http://schemas.openxmlformats.org/presentationml/2006/main">
+  <p:cSld>
+    <p:spTree>
+      <p:nvGrpSpPr>
+        <p:cNvPr id="1" name=""/>
+        <p:cNvGrpSpPr/>
+        <p:nvPr/>
+      </p:nvGrpSpPr>
+      <p:grpSpPr>
+        <a:xfrm>
+          <a:off x="0" y="0"/>
+          <a:ext cx="0" cy="0"/>
+          <a:chOff x="0" y="0"/>
+          <a:chExt cx="0" cy="0"/>
+        </a:xfrm>
+      </p:grpSpPr>
+      <p:sp>
+        <p:nvSpPr>
           <p:cNvPr id="3" name="Объект 2">
             <a:extLst>
               <a:ext uri="{FF2B5EF4-FFF2-40B4-BE49-F238E27FC236}">
-                <a16:creationId xmlns:a16="http://schemas.microsoft.com/office/drawing/2014/main" id="{552BD173-2146-4063-BDE1-26D6DDCBDAA9}"/>
+                <a16:creationId xmlns="" xmlns:a16="http://schemas.microsoft.com/office/drawing/2014/main" id="{552BD173-2146-4063-BDE1-26D6DDCBDAA9}"/>
               </a:ext>
             </a:extLst>
           </p:cNvPr>
@@ -6932,7 +8547,7 @@
           <p:cNvPr id="4" name="Заголовок 1">
             <a:extLst>
               <a:ext uri="{FF2B5EF4-FFF2-40B4-BE49-F238E27FC236}">
-                <a16:creationId xmlns:a16="http://schemas.microsoft.com/office/drawing/2014/main" id="{7A8C31BA-50FB-485A-9185-DF252BE1FBBE}"/>
+                <a16:creationId xmlns="" xmlns:a16="http://schemas.microsoft.com/office/drawing/2014/main" id="{7A8C31BA-50FB-485A-9185-DF252BE1FBBE}"/>
               </a:ext>
             </a:extLst>
           </p:cNvPr>
@@ -6944,6 +8559,10 @@
           </p:nvPr>
         </p:nvSpPr>
         <p:spPr>
+          <a:xfrm>
+            <a:off x="838200" y="211297"/>
+            <a:ext cx="10515600" cy="1325563"/>
+          </a:xfrm>
           <a:solidFill>
             <a:srgbClr val="92D050"/>
           </a:solidFill>
@@ -6968,6 +8587,12 @@
               </a:rPr>
               <a:t> </a:t>
             </a:r>
+            <a:r>
+              <a:rPr lang="en-US" dirty="0">
+                <a:latin typeface="Arial Black" panose="020B0A04020102020204" pitchFamily="34" charset="0"/>
+              </a:rPr>
+              <a:t/>
+            </a:r>
             <a:br>
               <a:rPr lang="en-US" dirty="0">
                 <a:latin typeface="Arial Black" panose="020B0A04020102020204" pitchFamily="34" charset="0"/>
@@ -6990,7 +8615,7 @@
           <p:cNvPr id="5" name="TextBox 4">
             <a:extLst>
               <a:ext uri="{FF2B5EF4-FFF2-40B4-BE49-F238E27FC236}">
-                <a16:creationId xmlns:a16="http://schemas.microsoft.com/office/drawing/2014/main" id="{439F3E81-9AF5-4C02-BBA3-030A77CBD940}"/>
+                <a16:creationId xmlns="" xmlns:a16="http://schemas.microsoft.com/office/drawing/2014/main" id="{439F3E81-9AF5-4C02-BBA3-030A77CBD940}"/>
               </a:ext>
             </a:extLst>
           </p:cNvPr>
@@ -7028,7 +8653,1047 @@
     </p:spTree>
     <p:extLst>
       <p:ext uri="{BB962C8B-B14F-4D97-AF65-F5344CB8AC3E}">
-        <p14:creationId xmlns:p14="http://schemas.microsoft.com/office/powerpoint/2010/main" val="2515083622"/>
+        <p14:creationId xmlns="" xmlns:p14="http://schemas.microsoft.com/office/powerpoint/2010/main" val="2515083622"/>
+      </p:ext>
+    </p:extLst>
+  </p:cSld>
+  <p:clrMapOvr>
+    <a:masterClrMapping/>
+  </p:clrMapOvr>
+</p:sld>
+</file>
+
+<file path=ppt/slides/slide8.xml><?xml version="1.0" encoding="utf-8"?>
+<p:sld xmlns:a="http://schemas.openxmlformats.org/drawingml/2006/main" xmlns:r="http://schemas.openxmlformats.org/officeDocument/2006/relationships" xmlns:p="http://schemas.openxmlformats.org/presentationml/2006/main">
+  <p:cSld>
+    <p:spTree>
+      <p:nvGrpSpPr>
+        <p:cNvPr id="1" name=""/>
+        <p:cNvGrpSpPr/>
+        <p:nvPr/>
+      </p:nvGrpSpPr>
+      <p:grpSpPr>
+        <a:xfrm>
+          <a:off x="0" y="0"/>
+          <a:ext cx="0" cy="0"/>
+          <a:chOff x="0" y="0"/>
+          <a:chExt cx="0" cy="0"/>
+        </a:xfrm>
+      </p:grpSpPr>
+      <p:sp>
+        <p:nvSpPr>
+          <p:cNvPr id="2" name="Заголовок 1">
+            <a:extLst>
+              <a:ext uri="{FF2B5EF4-FFF2-40B4-BE49-F238E27FC236}">
+                <a16:creationId xmlns="" xmlns:a16="http://schemas.microsoft.com/office/drawing/2014/main" id="{59BC2FE7-E69F-4CE3-8D3D-E4457682056A}"/>
+              </a:ext>
+            </a:extLst>
+          </p:cNvPr>
+          <p:cNvSpPr>
+            <a:spLocks noGrp="1"/>
+          </p:cNvSpPr>
+          <p:nvPr>
+            <p:ph type="title"/>
+          </p:nvPr>
+        </p:nvSpPr>
+        <p:spPr>
+          <a:xfrm>
+            <a:off x="838200" y="211297"/>
+            <a:ext cx="10515600" cy="1325563"/>
+          </a:xfrm>
+          <a:solidFill>
+            <a:schemeClr val="accent2"/>
+          </a:solidFill>
+        </p:spPr>
+        <p:txBody>
+          <a:bodyPr/>
+          <a:lstStyle/>
+          <a:p>
+            <a:pPr algn="ctr"/>
+            <a:r>
+              <a:rPr lang="en-US" dirty="0">
+                <a:latin typeface="Arial Black" panose="020B0A04020102020204" pitchFamily="34" charset="0"/>
+              </a:rPr>
+              <a:t>Engine</a:t>
+            </a:r>
+            <a:r>
+              <a:rPr lang="ru-RU" dirty="0">
+                <a:latin typeface="Arial Black" panose="020B0A04020102020204" pitchFamily="34" charset="0"/>
+              </a:rPr>
+              <a:t> </a:t>
+            </a:r>
+            <a:r>
+              <a:rPr lang="en-US" dirty="0">
+                <a:latin typeface="Arial Black" panose="020B0A04020102020204" pitchFamily="34" charset="0"/>
+              </a:rPr>
+              <a:t/>
+            </a:r>
+            <a:br>
+              <a:rPr lang="en-US" dirty="0">
+                <a:latin typeface="Arial Black" panose="020B0A04020102020204" pitchFamily="34" charset="0"/>
+              </a:rPr>
+            </a:br>
+            <a:r>
+              <a:rPr lang="en-US" sz="3200" dirty="0">
+                <a:latin typeface="Arial Black" panose="020B0A04020102020204" pitchFamily="34" charset="0"/>
+              </a:rPr>
+              <a:t>component</a:t>
+            </a:r>
+            <a:endParaRPr lang="ru-RU" sz="3200" dirty="0">
+              <a:latin typeface="Arial Black" panose="020B0A04020102020204" pitchFamily="34" charset="0"/>
+            </a:endParaRPr>
+          </a:p>
+        </p:txBody>
+      </p:sp>
+      <p:sp>
+        <p:nvSpPr>
+          <p:cNvPr id="4" name="Прямоугольник 3">
+            <a:extLst>
+              <a:ext uri="{FF2B5EF4-FFF2-40B4-BE49-F238E27FC236}">
+                <a16:creationId xmlns="" xmlns:a16="http://schemas.microsoft.com/office/drawing/2014/main" id="{6F7CDE94-569E-4CFC-B399-CF07734A5F67}"/>
+              </a:ext>
+            </a:extLst>
+          </p:cNvPr>
+          <p:cNvSpPr/>
+          <p:nvPr/>
+        </p:nvSpPr>
+        <p:spPr>
+          <a:xfrm>
+            <a:off x="819612" y="3198029"/>
+            <a:ext cx="1715429" cy="506102"/>
+          </a:xfrm>
+          <a:prstGeom prst="rect">
+            <a:avLst/>
+          </a:prstGeom>
+          <a:solidFill>
+            <a:srgbClr val="FF0000"/>
+          </a:solidFill>
+        </p:spPr>
+        <p:style>
+          <a:lnRef idx="2">
+            <a:schemeClr val="accent1">
+              <a:shade val="50000"/>
+            </a:schemeClr>
+          </a:lnRef>
+          <a:fillRef idx="1">
+            <a:schemeClr val="accent1"/>
+          </a:fillRef>
+          <a:effectRef idx="0">
+            <a:schemeClr val="accent1"/>
+          </a:effectRef>
+          <a:fontRef idx="minor">
+            <a:schemeClr val="lt1"/>
+          </a:fontRef>
+        </p:style>
+        <p:txBody>
+          <a:bodyPr rtlCol="0" anchor="ctr"/>
+          <a:lstStyle/>
+          <a:p>
+            <a:pPr algn="ctr"/>
+            <a:r>
+              <a:rPr lang="en-US" dirty="0">
+                <a:solidFill>
+                  <a:schemeClr val="tx1">
+                    <a:lumMod val="85000"/>
+                    <a:lumOff val="15000"/>
+                  </a:schemeClr>
+                </a:solidFill>
+                <a:latin typeface="Arial Black" panose="020B0A04020102020204" pitchFamily="34" charset="0"/>
+              </a:rPr>
+              <a:t>core</a:t>
+            </a:r>
+            <a:endParaRPr lang="ru-RU" dirty="0">
+              <a:solidFill>
+                <a:schemeClr val="tx1">
+                  <a:lumMod val="85000"/>
+                  <a:lumOff val="15000"/>
+                </a:schemeClr>
+              </a:solidFill>
+            </a:endParaRPr>
+          </a:p>
+        </p:txBody>
+      </p:sp>
+      <p:sp>
+        <p:nvSpPr>
+          <p:cNvPr id="6" name="Прямоугольник 5">
+            <a:extLst>
+              <a:ext uri="{FF2B5EF4-FFF2-40B4-BE49-F238E27FC236}">
+                <a16:creationId xmlns="" xmlns:a16="http://schemas.microsoft.com/office/drawing/2014/main" id="{8856BDED-75D1-4782-8D21-2D86B8618D12}"/>
+              </a:ext>
+            </a:extLst>
+          </p:cNvPr>
+          <p:cNvSpPr/>
+          <p:nvPr/>
+        </p:nvSpPr>
+        <p:spPr>
+          <a:xfrm>
+            <a:off x="2583363" y="3198029"/>
+            <a:ext cx="1715429" cy="506102"/>
+          </a:xfrm>
+          <a:prstGeom prst="rect">
+            <a:avLst/>
+          </a:prstGeom>
+          <a:solidFill>
+            <a:schemeClr val="tx2">
+              <a:lumMod val="20000"/>
+              <a:lumOff val="80000"/>
+            </a:schemeClr>
+          </a:solidFill>
+        </p:spPr>
+        <p:style>
+          <a:lnRef idx="2">
+            <a:schemeClr val="accent1">
+              <a:shade val="50000"/>
+            </a:schemeClr>
+          </a:lnRef>
+          <a:fillRef idx="1">
+            <a:schemeClr val="accent1"/>
+          </a:fillRef>
+          <a:effectRef idx="0">
+            <a:schemeClr val="accent1"/>
+          </a:effectRef>
+          <a:fontRef idx="minor">
+            <a:schemeClr val="lt1"/>
+          </a:fontRef>
+        </p:style>
+        <p:txBody>
+          <a:bodyPr rtlCol="0" anchor="ctr"/>
+          <a:lstStyle/>
+          <a:p>
+            <a:pPr algn="ctr"/>
+            <a:r>
+              <a:rPr lang="en-US" dirty="0">
+                <a:solidFill>
+                  <a:schemeClr val="tx1">
+                    <a:lumMod val="85000"/>
+                    <a:lumOff val="15000"/>
+                  </a:schemeClr>
+                </a:solidFill>
+                <a:latin typeface="Arial Black" panose="020B0A04020102020204" pitchFamily="34" charset="0"/>
+              </a:rPr>
+              <a:t>game</a:t>
+            </a:r>
+            <a:endParaRPr lang="ru-RU" dirty="0">
+              <a:solidFill>
+                <a:schemeClr val="tx1">
+                  <a:lumMod val="85000"/>
+                  <a:lumOff val="15000"/>
+                </a:schemeClr>
+              </a:solidFill>
+            </a:endParaRPr>
+          </a:p>
+        </p:txBody>
+      </p:sp>
+      <p:sp>
+        <p:nvSpPr>
+          <p:cNvPr id="7" name="Прямоугольник 6">
+            <a:extLst>
+              <a:ext uri="{FF2B5EF4-FFF2-40B4-BE49-F238E27FC236}">
+                <a16:creationId xmlns="" xmlns:a16="http://schemas.microsoft.com/office/drawing/2014/main" id="{5317D31A-D8D5-4D1A-9DC3-A4C33BBF3CEC}"/>
+              </a:ext>
+            </a:extLst>
+          </p:cNvPr>
+          <p:cNvSpPr/>
+          <p:nvPr/>
+        </p:nvSpPr>
+        <p:spPr>
+          <a:xfrm>
+            <a:off x="4358266" y="3198029"/>
+            <a:ext cx="1715429" cy="506102"/>
+          </a:xfrm>
+          <a:prstGeom prst="rect">
+            <a:avLst/>
+          </a:prstGeom>
+          <a:solidFill>
+            <a:schemeClr val="tx2">
+              <a:lumMod val="20000"/>
+              <a:lumOff val="80000"/>
+            </a:schemeClr>
+          </a:solidFill>
+        </p:spPr>
+        <p:style>
+          <a:lnRef idx="2">
+            <a:schemeClr val="accent1">
+              <a:shade val="50000"/>
+            </a:schemeClr>
+          </a:lnRef>
+          <a:fillRef idx="1">
+            <a:schemeClr val="accent1"/>
+          </a:fillRef>
+          <a:effectRef idx="0">
+            <a:schemeClr val="accent1"/>
+          </a:effectRef>
+          <a:fontRef idx="minor">
+            <a:schemeClr val="lt1"/>
+          </a:fontRef>
+        </p:style>
+        <p:txBody>
+          <a:bodyPr rtlCol="0" anchor="ctr"/>
+          <a:lstStyle/>
+          <a:p>
+            <a:pPr algn="ctr"/>
+            <a:r>
+              <a:rPr lang="en-US" dirty="0">
+                <a:solidFill>
+                  <a:schemeClr val="tx1">
+                    <a:lumMod val="85000"/>
+                    <a:lumOff val="15000"/>
+                  </a:schemeClr>
+                </a:solidFill>
+                <a:latin typeface="Arial Black" panose="020B0A04020102020204" pitchFamily="34" charset="0"/>
+              </a:rPr>
+              <a:t>object</a:t>
+            </a:r>
+            <a:endParaRPr lang="ru-RU" dirty="0">
+              <a:solidFill>
+                <a:schemeClr val="tx1">
+                  <a:lumMod val="85000"/>
+                  <a:lumOff val="15000"/>
+                </a:schemeClr>
+              </a:solidFill>
+            </a:endParaRPr>
+          </a:p>
+        </p:txBody>
+      </p:sp>
+      <p:sp>
+        <p:nvSpPr>
+          <p:cNvPr id="8" name="Прямоугольник 7">
+            <a:extLst>
+              <a:ext uri="{FF2B5EF4-FFF2-40B4-BE49-F238E27FC236}">
+                <a16:creationId xmlns="" xmlns:a16="http://schemas.microsoft.com/office/drawing/2014/main" id="{3206DA20-9D40-45C5-BBB1-4BCF74F0F916}"/>
+              </a:ext>
+            </a:extLst>
+          </p:cNvPr>
+          <p:cNvSpPr/>
+          <p:nvPr/>
+        </p:nvSpPr>
+        <p:spPr>
+          <a:xfrm>
+            <a:off x="6110867" y="3198029"/>
+            <a:ext cx="1715429" cy="506102"/>
+          </a:xfrm>
+          <a:prstGeom prst="rect">
+            <a:avLst/>
+          </a:prstGeom>
+          <a:solidFill>
+            <a:schemeClr val="tx2">
+              <a:lumMod val="20000"/>
+              <a:lumOff val="80000"/>
+            </a:schemeClr>
+          </a:solidFill>
+        </p:spPr>
+        <p:style>
+          <a:lnRef idx="2">
+            <a:schemeClr val="accent1">
+              <a:shade val="50000"/>
+            </a:schemeClr>
+          </a:lnRef>
+          <a:fillRef idx="1">
+            <a:schemeClr val="accent1"/>
+          </a:fillRef>
+          <a:effectRef idx="0">
+            <a:schemeClr val="accent1"/>
+          </a:effectRef>
+          <a:fontRef idx="minor">
+            <a:schemeClr val="lt1"/>
+          </a:fontRef>
+        </p:style>
+        <p:txBody>
+          <a:bodyPr rtlCol="0" anchor="ctr"/>
+          <a:lstStyle/>
+          <a:p>
+            <a:pPr algn="ctr"/>
+            <a:r>
+              <a:rPr lang="en-US" dirty="0">
+                <a:solidFill>
+                  <a:schemeClr val="tx1">
+                    <a:lumMod val="85000"/>
+                    <a:lumOff val="15000"/>
+                  </a:schemeClr>
+                </a:solidFill>
+                <a:latin typeface="Arial Black" panose="020B0A04020102020204" pitchFamily="34" charset="0"/>
+              </a:rPr>
+              <a:t>renderer</a:t>
+            </a:r>
+            <a:endParaRPr lang="ru-RU" dirty="0">
+              <a:solidFill>
+                <a:schemeClr val="tx1">
+                  <a:lumMod val="85000"/>
+                  <a:lumOff val="15000"/>
+                </a:schemeClr>
+              </a:solidFill>
+            </a:endParaRPr>
+          </a:p>
+        </p:txBody>
+      </p:sp>
+      <p:sp>
+        <p:nvSpPr>
+          <p:cNvPr id="9" name="Прямоугольник 8">
+            <a:extLst>
+              <a:ext uri="{FF2B5EF4-FFF2-40B4-BE49-F238E27FC236}">
+                <a16:creationId xmlns="" xmlns:a16="http://schemas.microsoft.com/office/drawing/2014/main" id="{6FC6A1BB-36AF-487E-B807-95C277E14133}"/>
+              </a:ext>
+            </a:extLst>
+          </p:cNvPr>
+          <p:cNvSpPr/>
+          <p:nvPr/>
+        </p:nvSpPr>
+        <p:spPr>
+          <a:xfrm>
+            <a:off x="7874619" y="3198029"/>
+            <a:ext cx="1715429" cy="506102"/>
+          </a:xfrm>
+          <a:prstGeom prst="rect">
+            <a:avLst/>
+          </a:prstGeom>
+          <a:solidFill>
+            <a:schemeClr val="tx2">
+              <a:lumMod val="20000"/>
+              <a:lumOff val="80000"/>
+            </a:schemeClr>
+          </a:solidFill>
+        </p:spPr>
+        <p:style>
+          <a:lnRef idx="2">
+            <a:schemeClr val="accent1">
+              <a:shade val="50000"/>
+            </a:schemeClr>
+          </a:lnRef>
+          <a:fillRef idx="1">
+            <a:schemeClr val="accent1"/>
+          </a:fillRef>
+          <a:effectRef idx="0">
+            <a:schemeClr val="accent1"/>
+          </a:effectRef>
+          <a:fontRef idx="minor">
+            <a:schemeClr val="lt1"/>
+          </a:fontRef>
+        </p:style>
+        <p:txBody>
+          <a:bodyPr rtlCol="0" anchor="ctr"/>
+          <a:lstStyle/>
+          <a:p>
+            <a:pPr algn="ctr"/>
+            <a:r>
+              <a:rPr lang="en-US" dirty="0" err="1">
+                <a:solidFill>
+                  <a:schemeClr val="tx1">
+                    <a:lumMod val="85000"/>
+                    <a:lumOff val="15000"/>
+                  </a:schemeClr>
+                </a:solidFill>
+                <a:latin typeface="Arial Black" panose="020B0A04020102020204" pitchFamily="34" charset="0"/>
+              </a:rPr>
+              <a:t>shader</a:t>
+            </a:r>
+            <a:endParaRPr lang="ru-RU" dirty="0">
+              <a:solidFill>
+                <a:schemeClr val="tx1">
+                  <a:lumMod val="85000"/>
+                  <a:lumOff val="15000"/>
+                </a:schemeClr>
+              </a:solidFill>
+            </a:endParaRPr>
+          </a:p>
+        </p:txBody>
+      </p:sp>
+      <p:sp>
+        <p:nvSpPr>
+          <p:cNvPr id="10" name="Прямоугольник 9">
+            <a:extLst>
+              <a:ext uri="{FF2B5EF4-FFF2-40B4-BE49-F238E27FC236}">
+                <a16:creationId xmlns="" xmlns:a16="http://schemas.microsoft.com/office/drawing/2014/main" id="{5FC8B581-5429-43C5-A41D-18823DB8BFAF}"/>
+              </a:ext>
+            </a:extLst>
+          </p:cNvPr>
+          <p:cNvSpPr/>
+          <p:nvPr/>
+        </p:nvSpPr>
+        <p:spPr>
+          <a:xfrm>
+            <a:off x="9638371" y="3198029"/>
+            <a:ext cx="1715429" cy="506102"/>
+          </a:xfrm>
+          <a:prstGeom prst="rect">
+            <a:avLst/>
+          </a:prstGeom>
+          <a:solidFill>
+            <a:srgbClr val="FFFF00"/>
+          </a:solidFill>
+        </p:spPr>
+        <p:style>
+          <a:lnRef idx="2">
+            <a:schemeClr val="accent1">
+              <a:shade val="50000"/>
+            </a:schemeClr>
+          </a:lnRef>
+          <a:fillRef idx="1">
+            <a:schemeClr val="accent1"/>
+          </a:fillRef>
+          <a:effectRef idx="0">
+            <a:schemeClr val="accent1"/>
+          </a:effectRef>
+          <a:fontRef idx="minor">
+            <a:schemeClr val="lt1"/>
+          </a:fontRef>
+        </p:style>
+        <p:txBody>
+          <a:bodyPr rtlCol="0" anchor="ctr"/>
+          <a:lstStyle/>
+          <a:p>
+            <a:pPr algn="ctr"/>
+            <a:r>
+              <a:rPr lang="en-US" dirty="0">
+                <a:solidFill>
+                  <a:schemeClr val="tx1">
+                    <a:lumMod val="85000"/>
+                    <a:lumOff val="15000"/>
+                  </a:schemeClr>
+                </a:solidFill>
+                <a:latin typeface="Arial Black" panose="020B0A04020102020204" pitchFamily="34" charset="0"/>
+              </a:rPr>
+              <a:t>tool</a:t>
+            </a:r>
+            <a:endParaRPr lang="ru-RU" dirty="0">
+              <a:solidFill>
+                <a:schemeClr val="tx1">
+                  <a:lumMod val="85000"/>
+                  <a:lumOff val="15000"/>
+                </a:schemeClr>
+              </a:solidFill>
+            </a:endParaRPr>
+          </a:p>
+        </p:txBody>
+      </p:sp>
+      <p:sp>
+        <p:nvSpPr>
+          <p:cNvPr id="11" name="TextBox 10">
+            <a:extLst>
+              <a:ext uri="{FF2B5EF4-FFF2-40B4-BE49-F238E27FC236}">
+                <a16:creationId xmlns="" xmlns:a16="http://schemas.microsoft.com/office/drawing/2014/main" id="{7FECF15A-BEEF-4EFC-B023-B379C4F3A0EB}"/>
+              </a:ext>
+            </a:extLst>
+          </p:cNvPr>
+          <p:cNvSpPr txBox="1"/>
+          <p:nvPr/>
+        </p:nvSpPr>
+        <p:spPr>
+          <a:xfrm>
+            <a:off x="1511451" y="2887128"/>
+            <a:ext cx="331750" cy="369332"/>
+          </a:xfrm>
+          <a:prstGeom prst="rect">
+            <a:avLst/>
+          </a:prstGeom>
+          <a:noFill/>
+        </p:spPr>
+        <p:txBody>
+          <a:bodyPr wrap="square" rtlCol="0">
+            <a:spAutoFit/>
+          </a:bodyPr>
+          <a:lstStyle/>
+          <a:p>
+            <a:r>
+              <a:rPr lang="en-US" dirty="0">
+                <a:latin typeface="Arial Black" panose="020B0A04020102020204" pitchFamily="34" charset="0"/>
+              </a:rPr>
+              <a:t>1</a:t>
+            </a:r>
+            <a:endParaRPr lang="ru-RU" dirty="0">
+              <a:latin typeface="Arial Black" panose="020B0A04020102020204" pitchFamily="34" charset="0"/>
+            </a:endParaRPr>
+          </a:p>
+        </p:txBody>
+      </p:sp>
+      <p:sp>
+        <p:nvSpPr>
+          <p:cNvPr id="13" name="TextBox 12">
+            <a:extLst>
+              <a:ext uri="{FF2B5EF4-FFF2-40B4-BE49-F238E27FC236}">
+                <a16:creationId xmlns="" xmlns:a16="http://schemas.microsoft.com/office/drawing/2014/main" id="{C006E092-9CCD-4CE3-9592-C108F1025D7E}"/>
+              </a:ext>
+            </a:extLst>
+          </p:cNvPr>
+          <p:cNvSpPr txBox="1"/>
+          <p:nvPr/>
+        </p:nvSpPr>
+        <p:spPr>
+          <a:xfrm>
+            <a:off x="3226880" y="2887300"/>
+            <a:ext cx="331750" cy="369332"/>
+          </a:xfrm>
+          <a:prstGeom prst="rect">
+            <a:avLst/>
+          </a:prstGeom>
+          <a:noFill/>
+        </p:spPr>
+        <p:txBody>
+          <a:bodyPr wrap="square" rtlCol="0">
+            <a:spAutoFit/>
+          </a:bodyPr>
+          <a:lstStyle/>
+          <a:p>
+            <a:r>
+              <a:rPr lang="en-US" dirty="0">
+                <a:latin typeface="Arial Black" panose="020B0A04020102020204" pitchFamily="34" charset="0"/>
+              </a:rPr>
+              <a:t>2</a:t>
+            </a:r>
+            <a:endParaRPr lang="ru-RU" dirty="0">
+              <a:latin typeface="Arial Black" panose="020B0A04020102020204" pitchFamily="34" charset="0"/>
+            </a:endParaRPr>
+          </a:p>
+        </p:txBody>
+      </p:sp>
+      <p:sp>
+        <p:nvSpPr>
+          <p:cNvPr id="14" name="TextBox 13">
+            <a:extLst>
+              <a:ext uri="{FF2B5EF4-FFF2-40B4-BE49-F238E27FC236}">
+                <a16:creationId xmlns="" xmlns:a16="http://schemas.microsoft.com/office/drawing/2014/main" id="{70164845-2BCC-437C-91A9-C6F55FF36A76}"/>
+              </a:ext>
+            </a:extLst>
+          </p:cNvPr>
+          <p:cNvSpPr txBox="1"/>
+          <p:nvPr/>
+        </p:nvSpPr>
+        <p:spPr>
+          <a:xfrm>
+            <a:off x="5077285" y="2887128"/>
+            <a:ext cx="331750" cy="369332"/>
+          </a:xfrm>
+          <a:prstGeom prst="rect">
+            <a:avLst/>
+          </a:prstGeom>
+          <a:noFill/>
+        </p:spPr>
+        <p:txBody>
+          <a:bodyPr wrap="square" rtlCol="0">
+            <a:spAutoFit/>
+          </a:bodyPr>
+          <a:lstStyle/>
+          <a:p>
+            <a:r>
+              <a:rPr lang="en-US" dirty="0">
+                <a:latin typeface="Arial Black" panose="020B0A04020102020204" pitchFamily="34" charset="0"/>
+              </a:rPr>
+              <a:t>3</a:t>
+            </a:r>
+            <a:endParaRPr lang="ru-RU" dirty="0">
+              <a:latin typeface="Arial Black" panose="020B0A04020102020204" pitchFamily="34" charset="0"/>
+            </a:endParaRPr>
+          </a:p>
+        </p:txBody>
+      </p:sp>
+      <p:sp>
+        <p:nvSpPr>
+          <p:cNvPr id="15" name="TextBox 14">
+            <a:extLst>
+              <a:ext uri="{FF2B5EF4-FFF2-40B4-BE49-F238E27FC236}">
+                <a16:creationId xmlns="" xmlns:a16="http://schemas.microsoft.com/office/drawing/2014/main" id="{79D1BE39-C027-4045-A241-931FD8E1A547}"/>
+              </a:ext>
+            </a:extLst>
+          </p:cNvPr>
+          <p:cNvSpPr txBox="1"/>
+          <p:nvPr/>
+        </p:nvSpPr>
+        <p:spPr>
+          <a:xfrm>
+            <a:off x="6737770" y="2887128"/>
+            <a:ext cx="331750" cy="369332"/>
+          </a:xfrm>
+          <a:prstGeom prst="rect">
+            <a:avLst/>
+          </a:prstGeom>
+          <a:noFill/>
+        </p:spPr>
+        <p:txBody>
+          <a:bodyPr wrap="square" rtlCol="0">
+            <a:spAutoFit/>
+          </a:bodyPr>
+          <a:lstStyle/>
+          <a:p>
+            <a:r>
+              <a:rPr lang="en-US" dirty="0">
+                <a:latin typeface="Arial Black" panose="020B0A04020102020204" pitchFamily="34" charset="0"/>
+              </a:rPr>
+              <a:t>4</a:t>
+            </a:r>
+            <a:endParaRPr lang="ru-RU" dirty="0">
+              <a:latin typeface="Arial Black" panose="020B0A04020102020204" pitchFamily="34" charset="0"/>
+            </a:endParaRPr>
+          </a:p>
+        </p:txBody>
+      </p:sp>
+      <p:sp>
+        <p:nvSpPr>
+          <p:cNvPr id="16" name="TextBox 15">
+            <a:extLst>
+              <a:ext uri="{FF2B5EF4-FFF2-40B4-BE49-F238E27FC236}">
+                <a16:creationId xmlns="" xmlns:a16="http://schemas.microsoft.com/office/drawing/2014/main" id="{CCDF1252-3953-4674-B39B-BCCDEDEE148F}"/>
+              </a:ext>
+            </a:extLst>
+          </p:cNvPr>
+          <p:cNvSpPr txBox="1"/>
+          <p:nvPr/>
+        </p:nvSpPr>
+        <p:spPr>
+          <a:xfrm>
+            <a:off x="8477244" y="2887128"/>
+            <a:ext cx="331750" cy="369332"/>
+          </a:xfrm>
+          <a:prstGeom prst="rect">
+            <a:avLst/>
+          </a:prstGeom>
+          <a:noFill/>
+        </p:spPr>
+        <p:txBody>
+          <a:bodyPr wrap="square" rtlCol="0">
+            <a:spAutoFit/>
+          </a:bodyPr>
+          <a:lstStyle/>
+          <a:p>
+            <a:r>
+              <a:rPr lang="en-US" dirty="0">
+                <a:latin typeface="Arial Black" panose="020B0A04020102020204" pitchFamily="34" charset="0"/>
+              </a:rPr>
+              <a:t>5</a:t>
+            </a:r>
+            <a:endParaRPr lang="ru-RU" dirty="0">
+              <a:latin typeface="Arial Black" panose="020B0A04020102020204" pitchFamily="34" charset="0"/>
+            </a:endParaRPr>
+          </a:p>
+        </p:txBody>
+      </p:sp>
+      <p:sp>
+        <p:nvSpPr>
+          <p:cNvPr id="17" name="TextBox 16">
+            <a:extLst>
+              <a:ext uri="{FF2B5EF4-FFF2-40B4-BE49-F238E27FC236}">
+                <a16:creationId xmlns="" xmlns:a16="http://schemas.microsoft.com/office/drawing/2014/main" id="{B4EC7C0C-318E-4F1C-9AFA-30157AB5C187}"/>
+              </a:ext>
+            </a:extLst>
+          </p:cNvPr>
+          <p:cNvSpPr txBox="1"/>
+          <p:nvPr/>
+        </p:nvSpPr>
+        <p:spPr>
+          <a:xfrm>
+            <a:off x="10330210" y="2887128"/>
+            <a:ext cx="331750" cy="369332"/>
+          </a:xfrm>
+          <a:prstGeom prst="rect">
+            <a:avLst/>
+          </a:prstGeom>
+          <a:noFill/>
+        </p:spPr>
+        <p:txBody>
+          <a:bodyPr wrap="square" rtlCol="0">
+            <a:spAutoFit/>
+          </a:bodyPr>
+          <a:lstStyle/>
+          <a:p>
+            <a:r>
+              <a:rPr lang="en-US" dirty="0">
+                <a:latin typeface="Arial Black" panose="020B0A04020102020204" pitchFamily="34" charset="0"/>
+              </a:rPr>
+              <a:t>6</a:t>
+            </a:r>
+            <a:endParaRPr lang="ru-RU" dirty="0">
+              <a:latin typeface="Arial Black" panose="020B0A04020102020204" pitchFamily="34" charset="0"/>
+            </a:endParaRPr>
+          </a:p>
+        </p:txBody>
+      </p:sp>
+      <p:sp>
+        <p:nvSpPr>
+          <p:cNvPr id="18" name="Прямоугольник 17">
+            <a:hlinkClick r:id="rId2" action="ppaction://hlinksldjump"/>
+            <a:extLst>
+              <a:ext uri="{FF2B5EF4-FFF2-40B4-BE49-F238E27FC236}">
+                <a16:creationId xmlns="" xmlns:a16="http://schemas.microsoft.com/office/drawing/2014/main" id="{DE1B529A-F356-4048-9054-D7179BFB8A44}"/>
+              </a:ext>
+            </a:extLst>
+          </p:cNvPr>
+          <p:cNvSpPr/>
+          <p:nvPr/>
+        </p:nvSpPr>
+        <p:spPr>
+          <a:xfrm>
+            <a:off x="5098797" y="1844323"/>
+            <a:ext cx="1715429" cy="506102"/>
+          </a:xfrm>
+          <a:prstGeom prst="rect">
+            <a:avLst/>
+          </a:prstGeom>
+          <a:solidFill>
+            <a:schemeClr val="accent2"/>
+          </a:solidFill>
+          <a:ln>
+            <a:solidFill>
+              <a:schemeClr val="tx1"/>
+            </a:solidFill>
+          </a:ln>
+        </p:spPr>
+        <p:style>
+          <a:lnRef idx="2">
+            <a:schemeClr val="accent1">
+              <a:shade val="50000"/>
+            </a:schemeClr>
+          </a:lnRef>
+          <a:fillRef idx="1">
+            <a:schemeClr val="accent1"/>
+          </a:fillRef>
+          <a:effectRef idx="0">
+            <a:schemeClr val="accent1"/>
+          </a:effectRef>
+          <a:fontRef idx="minor">
+            <a:schemeClr val="lt1"/>
+          </a:fontRef>
+        </p:style>
+        <p:txBody>
+          <a:bodyPr rtlCol="0" anchor="ctr"/>
+          <a:lstStyle/>
+          <a:p>
+            <a:pPr algn="ctr"/>
+            <a:r>
+              <a:rPr lang="en-US" dirty="0">
+                <a:solidFill>
+                  <a:schemeClr val="tx1">
+                    <a:lumMod val="85000"/>
+                    <a:lumOff val="15000"/>
+                  </a:schemeClr>
+                </a:solidFill>
+                <a:latin typeface="Arial Black" panose="020B0A04020102020204" pitchFamily="34" charset="0"/>
+              </a:rPr>
+              <a:t>engine</a:t>
+            </a:r>
+            <a:endParaRPr lang="ru-RU" dirty="0">
+              <a:solidFill>
+                <a:schemeClr val="tx1">
+                  <a:lumMod val="85000"/>
+                  <a:lumOff val="15000"/>
+                </a:schemeClr>
+              </a:solidFill>
+              <a:latin typeface="Arial Black" panose="020B0A04020102020204" pitchFamily="34" charset="0"/>
+            </a:endParaRPr>
+          </a:p>
+        </p:txBody>
+      </p:sp>
+      <p:cxnSp>
+        <p:nvCxnSpPr>
+          <p:cNvPr id="20" name="Соединительная линия уступом 19"/>
+          <p:cNvCxnSpPr>
+            <a:stCxn id="18" idx="2"/>
+            <a:endCxn id="11" idx="0"/>
+          </p:cNvCxnSpPr>
+          <p:nvPr/>
+        </p:nvCxnSpPr>
+        <p:spPr>
+          <a:xfrm rot="5400000">
+            <a:off x="3548568" y="479183"/>
+            <a:ext cx="536703" cy="4279186"/>
+          </a:xfrm>
+          <a:prstGeom prst="bentConnector3">
+            <a:avLst>
+              <a:gd name="adj1" fmla="val 50000"/>
+            </a:avLst>
+          </a:prstGeom>
+        </p:spPr>
+        <p:style>
+          <a:lnRef idx="1">
+            <a:schemeClr val="accent1"/>
+          </a:lnRef>
+          <a:fillRef idx="0">
+            <a:schemeClr val="accent1"/>
+          </a:fillRef>
+          <a:effectRef idx="0">
+            <a:schemeClr val="accent1"/>
+          </a:effectRef>
+          <a:fontRef idx="minor">
+            <a:schemeClr val="tx1"/>
+          </a:fontRef>
+        </p:style>
+      </p:cxnSp>
+      <p:cxnSp>
+        <p:nvCxnSpPr>
+          <p:cNvPr id="22" name="Соединительная линия уступом 21"/>
+          <p:cNvCxnSpPr>
+            <a:stCxn id="18" idx="2"/>
+            <a:endCxn id="13" idx="0"/>
+          </p:cNvCxnSpPr>
+          <p:nvPr/>
+        </p:nvCxnSpPr>
+        <p:spPr>
+          <a:xfrm rot="5400000">
+            <a:off x="4406197" y="1336984"/>
+            <a:ext cx="536875" cy="2563757"/>
+          </a:xfrm>
+          <a:prstGeom prst="bentConnector3">
+            <a:avLst>
+              <a:gd name="adj1" fmla="val 50000"/>
+            </a:avLst>
+          </a:prstGeom>
+        </p:spPr>
+        <p:style>
+          <a:lnRef idx="1">
+            <a:schemeClr val="accent1"/>
+          </a:lnRef>
+          <a:fillRef idx="0">
+            <a:schemeClr val="accent1"/>
+          </a:fillRef>
+          <a:effectRef idx="0">
+            <a:schemeClr val="accent1"/>
+          </a:effectRef>
+          <a:fontRef idx="minor">
+            <a:schemeClr val="tx1"/>
+          </a:fontRef>
+        </p:style>
+      </p:cxnSp>
+      <p:cxnSp>
+        <p:nvCxnSpPr>
+          <p:cNvPr id="24" name="Соединительная линия уступом 23"/>
+          <p:cNvCxnSpPr>
+            <a:stCxn id="18" idx="2"/>
+            <a:endCxn id="14" idx="0"/>
+          </p:cNvCxnSpPr>
+          <p:nvPr/>
+        </p:nvCxnSpPr>
+        <p:spPr>
+          <a:xfrm rot="5400000">
+            <a:off x="5331485" y="2262100"/>
+            <a:ext cx="536703" cy="713352"/>
+          </a:xfrm>
+          <a:prstGeom prst="bentConnector3">
+            <a:avLst>
+              <a:gd name="adj1" fmla="val 50000"/>
+            </a:avLst>
+          </a:prstGeom>
+        </p:spPr>
+        <p:style>
+          <a:lnRef idx="1">
+            <a:schemeClr val="accent1"/>
+          </a:lnRef>
+          <a:fillRef idx="0">
+            <a:schemeClr val="accent1"/>
+          </a:fillRef>
+          <a:effectRef idx="0">
+            <a:schemeClr val="accent1"/>
+          </a:effectRef>
+          <a:fontRef idx="minor">
+            <a:schemeClr val="tx1"/>
+          </a:fontRef>
+        </p:style>
+      </p:cxnSp>
+      <p:cxnSp>
+        <p:nvCxnSpPr>
+          <p:cNvPr id="26" name="Соединительная линия уступом 25"/>
+          <p:cNvCxnSpPr>
+            <a:stCxn id="18" idx="2"/>
+            <a:endCxn id="15" idx="0"/>
+          </p:cNvCxnSpPr>
+          <p:nvPr/>
+        </p:nvCxnSpPr>
+        <p:spPr>
+          <a:xfrm rot="16200000" flipH="1">
+            <a:off x="6161727" y="2145209"/>
+            <a:ext cx="536703" cy="947133"/>
+          </a:xfrm>
+          <a:prstGeom prst="bentConnector3">
+            <a:avLst>
+              <a:gd name="adj1" fmla="val 50000"/>
+            </a:avLst>
+          </a:prstGeom>
+        </p:spPr>
+        <p:style>
+          <a:lnRef idx="1">
+            <a:schemeClr val="accent1"/>
+          </a:lnRef>
+          <a:fillRef idx="0">
+            <a:schemeClr val="accent1"/>
+          </a:fillRef>
+          <a:effectRef idx="0">
+            <a:schemeClr val="accent1"/>
+          </a:effectRef>
+          <a:fontRef idx="minor">
+            <a:schemeClr val="tx1"/>
+          </a:fontRef>
+        </p:style>
+      </p:cxnSp>
+      <p:cxnSp>
+        <p:nvCxnSpPr>
+          <p:cNvPr id="28" name="Соединительная линия уступом 27"/>
+          <p:cNvCxnSpPr>
+            <a:stCxn id="18" idx="2"/>
+            <a:endCxn id="16" idx="0"/>
+          </p:cNvCxnSpPr>
+          <p:nvPr/>
+        </p:nvCxnSpPr>
+        <p:spPr>
+          <a:xfrm rot="16200000" flipH="1">
+            <a:off x="7031464" y="1275472"/>
+            <a:ext cx="536703" cy="2686607"/>
+          </a:xfrm>
+          <a:prstGeom prst="bentConnector3">
+            <a:avLst>
+              <a:gd name="adj1" fmla="val 50000"/>
+            </a:avLst>
+          </a:prstGeom>
+        </p:spPr>
+        <p:style>
+          <a:lnRef idx="1">
+            <a:schemeClr val="accent1"/>
+          </a:lnRef>
+          <a:fillRef idx="0">
+            <a:schemeClr val="accent1"/>
+          </a:fillRef>
+          <a:effectRef idx="0">
+            <a:schemeClr val="accent1"/>
+          </a:effectRef>
+          <a:fontRef idx="minor">
+            <a:schemeClr val="tx1"/>
+          </a:fontRef>
+        </p:style>
+      </p:cxnSp>
+      <p:cxnSp>
+        <p:nvCxnSpPr>
+          <p:cNvPr id="30" name="Соединительная линия уступом 29"/>
+          <p:cNvCxnSpPr>
+            <a:stCxn id="18" idx="2"/>
+            <a:endCxn id="17" idx="0"/>
+          </p:cNvCxnSpPr>
+          <p:nvPr/>
+        </p:nvCxnSpPr>
+        <p:spPr>
+          <a:xfrm rot="16200000" flipH="1">
+            <a:off x="7957947" y="348989"/>
+            <a:ext cx="536703" cy="4539573"/>
+          </a:xfrm>
+          <a:prstGeom prst="bentConnector3">
+            <a:avLst>
+              <a:gd name="adj1" fmla="val 50000"/>
+            </a:avLst>
+          </a:prstGeom>
+        </p:spPr>
+        <p:style>
+          <a:lnRef idx="1">
+            <a:schemeClr val="accent1"/>
+          </a:lnRef>
+          <a:fillRef idx="0">
+            <a:schemeClr val="accent1"/>
+          </a:fillRef>
+          <a:effectRef idx="0">
+            <a:schemeClr val="accent1"/>
+          </a:effectRef>
+          <a:fontRef idx="minor">
+            <a:schemeClr val="tx1"/>
+          </a:fontRef>
+        </p:style>
+      </p:cxnSp>
+    </p:spTree>
+    <p:extLst>
+      <p:ext uri="{BB962C8B-B14F-4D97-AF65-F5344CB8AC3E}">
+        <p14:creationId xmlns="" xmlns:p14="http://schemas.microsoft.com/office/powerpoint/2010/main" val="2055303955"/>
       </p:ext>
     </p:extLst>
   </p:cSld>
@@ -7081,7 +9746,7 @@
     </a:clrScheme>
     <a:fontScheme name="Стандартная">
       <a:majorFont>
-        <a:latin typeface="Calibri Light" panose="020F0302020204030204"/>
+        <a:latin typeface="Calibri Light"/>
         <a:ea typeface=""/>
         <a:cs typeface=""/>
         <a:font script="Jpan" typeface="游ゴシック Light"/>
@@ -7133,7 +9798,7 @@
         <a:font script="Tfng" typeface="Ebrima"/>
       </a:majorFont>
       <a:minorFont>
-        <a:latin typeface="Calibri" panose="020F0502020204030204"/>
+        <a:latin typeface="Calibri"/>
         <a:ea typeface=""/>
         <a:cs typeface=""/>
         <a:font script="Jpan" typeface="游ゴシック"/>
@@ -7327,7 +9992,7 @@
   <a:extraClrSchemeLst/>
   <a:extLst>
     <a:ext uri="{05A4C25C-085E-4340-85A3-A5531E510DB2}">
-      <thm15:themeFamily xmlns:thm15="http://schemas.microsoft.com/office/thememl/2012/main" name="Office Theme" id="{62F939B6-93AF-4DB8-9C6B-D6C7DFDC589F}" vid="{4A3C46E8-61CC-4603-A589-7422A47A8E4A}"/>
+      <thm15:themeFamily xmlns="" xmlns:thm15="http://schemas.microsoft.com/office/thememl/2012/main" name="Office Theme" id="{62F939B6-93AF-4DB8-9C6B-D6C7DFDC589F}" vid="{4A3C46E8-61CC-4603-A589-7422A47A8E4A}"/>
     </a:ext>
   </a:extLst>
 </a:theme>
